--- a/happyou/soturonHappyou.pptx
+++ b/happyou/soturonHappyou.pptx
@@ -4,20 +4,21 @@
   <p:sldMasterIdLst>
     <p:sldMasterId id="2147483648" r:id="rId1"/>
   </p:sldMasterIdLst>
+  <p:handoutMasterIdLst>
+    <p:handoutMasterId r:id="rId13"/>
+  </p:handoutMasterIdLst>
   <p:sldIdLst>
     <p:sldId id="256" r:id="rId2"/>
     <p:sldId id="257" r:id="rId3"/>
-    <p:sldId id="258" r:id="rId4"/>
-    <p:sldId id="259" r:id="rId5"/>
-    <p:sldId id="260" r:id="rId6"/>
-    <p:sldId id="261" r:id="rId7"/>
-    <p:sldId id="262" r:id="rId8"/>
-    <p:sldId id="263" r:id="rId9"/>
-    <p:sldId id="264" r:id="rId10"/>
-    <p:sldId id="267" r:id="rId11"/>
-    <p:sldId id="265" r:id="rId12"/>
-    <p:sldId id="266" r:id="rId13"/>
-    <p:sldId id="268" r:id="rId14"/>
+    <p:sldId id="259" r:id="rId4"/>
+    <p:sldId id="260" r:id="rId5"/>
+    <p:sldId id="262" r:id="rId6"/>
+    <p:sldId id="263" r:id="rId7"/>
+    <p:sldId id="264" r:id="rId8"/>
+    <p:sldId id="267" r:id="rId9"/>
+    <p:sldId id="266" r:id="rId10"/>
+    <p:sldId id="268" r:id="rId11"/>
+    <p:sldId id="261" r:id="rId12"/>
   </p:sldIdLst>
   <p:sldSz cx="12192000" cy="6858000"/>
   <p:notesSz cx="6858000" cy="9144000"/>
@@ -117,6 +118,171 @@
     </a:lvl9pPr>
   </p:defaultTextStyle>
 </p:presentation>
+</file>
+
+<file path=ppt/handoutMasters/handoutMaster1.xml><?xml version="1.0" encoding="utf-8"?>
+<p:handoutMaster xmlns:a="http://schemas.openxmlformats.org/drawingml/2006/main" xmlns:r="http://schemas.openxmlformats.org/officeDocument/2006/relationships" xmlns:p="http://schemas.openxmlformats.org/presentationml/2006/main">
+  <p:cSld>
+    <p:bg>
+      <p:bgRef idx="1001">
+        <a:schemeClr val="bg1"/>
+      </p:bgRef>
+    </p:bg>
+    <p:spTree>
+      <p:nvGrpSpPr>
+        <p:cNvPr id="1" name=""/>
+        <p:cNvGrpSpPr/>
+        <p:nvPr/>
+      </p:nvGrpSpPr>
+      <p:grpSpPr>
+        <a:xfrm>
+          <a:off x="0" y="0"/>
+          <a:ext cx="0" cy="0"/>
+          <a:chOff x="0" y="0"/>
+          <a:chExt cx="0" cy="0"/>
+        </a:xfrm>
+      </p:grpSpPr>
+      <p:sp>
+        <p:nvSpPr>
+          <p:cNvPr id="2" name="ヘッダー プレースホルダー 1"/>
+          <p:cNvSpPr>
+            <a:spLocks noGrp="1"/>
+          </p:cNvSpPr>
+          <p:nvPr>
+            <p:ph type="hdr" sz="quarter"/>
+          </p:nvPr>
+        </p:nvSpPr>
+        <p:spPr>
+          <a:xfrm>
+            <a:off x="0" y="0"/>
+            <a:ext cx="2971800" cy="458788"/>
+          </a:xfrm>
+          <a:prstGeom prst="rect">
+            <a:avLst/>
+          </a:prstGeom>
+        </p:spPr>
+        <p:txBody>
+          <a:bodyPr vert="horz" lIns="91440" tIns="45720" rIns="91440" bIns="45720" rtlCol="0"/>
+          <a:lstStyle>
+            <a:lvl1pPr algn="l">
+              <a:defRPr sz="1200"/>
+            </a:lvl1pPr>
+          </a:lstStyle>
+          <a:p>
+            <a:endParaRPr kumimoji="1" lang="ja-JP" altLang="en-US"/>
+          </a:p>
+        </p:txBody>
+      </p:sp>
+      <p:sp>
+        <p:nvSpPr>
+          <p:cNvPr id="3" name="日付プレースホルダー 2"/>
+          <p:cNvSpPr>
+            <a:spLocks noGrp="1"/>
+          </p:cNvSpPr>
+          <p:nvPr>
+            <p:ph type="dt" sz="quarter" idx="1"/>
+          </p:nvPr>
+        </p:nvSpPr>
+        <p:spPr>
+          <a:xfrm>
+            <a:off x="3884613" y="0"/>
+            <a:ext cx="2971800" cy="458788"/>
+          </a:xfrm>
+          <a:prstGeom prst="rect">
+            <a:avLst/>
+          </a:prstGeom>
+        </p:spPr>
+        <p:txBody>
+          <a:bodyPr vert="horz" lIns="91440" tIns="45720" rIns="91440" bIns="45720" rtlCol="0"/>
+          <a:lstStyle>
+            <a:lvl1pPr algn="r">
+              <a:defRPr sz="1200"/>
+            </a:lvl1pPr>
+          </a:lstStyle>
+          <a:p>
+            <a:fld id="{D49EBE53-05EB-9D47-9E55-381CB6938FB1}" type="datetimeFigureOut">
+              <a:rPr kumimoji="1" lang="ja-JP" altLang="en-US" smtClean="0"/>
+              <a:t>2017/2/8</a:t>
+            </a:fld>
+            <a:endParaRPr kumimoji="1" lang="ja-JP" altLang="en-US"/>
+          </a:p>
+        </p:txBody>
+      </p:sp>
+      <p:sp>
+        <p:nvSpPr>
+          <p:cNvPr id="4" name="フッター プレースホルダー 3"/>
+          <p:cNvSpPr>
+            <a:spLocks noGrp="1"/>
+          </p:cNvSpPr>
+          <p:nvPr>
+            <p:ph type="ftr" sz="quarter" idx="2"/>
+          </p:nvPr>
+        </p:nvSpPr>
+        <p:spPr>
+          <a:xfrm>
+            <a:off x="0" y="8685213"/>
+            <a:ext cx="2971800" cy="458787"/>
+          </a:xfrm>
+          <a:prstGeom prst="rect">
+            <a:avLst/>
+          </a:prstGeom>
+        </p:spPr>
+        <p:txBody>
+          <a:bodyPr vert="horz" lIns="91440" tIns="45720" rIns="91440" bIns="45720" rtlCol="0" anchor="b"/>
+          <a:lstStyle>
+            <a:lvl1pPr algn="l">
+              <a:defRPr sz="1200"/>
+            </a:lvl1pPr>
+          </a:lstStyle>
+          <a:p>
+            <a:endParaRPr kumimoji="1" lang="ja-JP" altLang="en-US"/>
+          </a:p>
+        </p:txBody>
+      </p:sp>
+      <p:sp>
+        <p:nvSpPr>
+          <p:cNvPr id="5" name="スライド番号プレースホルダー 4"/>
+          <p:cNvSpPr>
+            <a:spLocks noGrp="1"/>
+          </p:cNvSpPr>
+          <p:nvPr>
+            <p:ph type="sldNum" sz="quarter" idx="3"/>
+          </p:nvPr>
+        </p:nvSpPr>
+        <p:spPr>
+          <a:xfrm>
+            <a:off x="3884613" y="8685213"/>
+            <a:ext cx="2971800" cy="458787"/>
+          </a:xfrm>
+          <a:prstGeom prst="rect">
+            <a:avLst/>
+          </a:prstGeom>
+        </p:spPr>
+        <p:txBody>
+          <a:bodyPr vert="horz" lIns="91440" tIns="45720" rIns="91440" bIns="45720" rtlCol="0" anchor="b"/>
+          <a:lstStyle>
+            <a:lvl1pPr algn="r">
+              <a:defRPr sz="1200"/>
+            </a:lvl1pPr>
+          </a:lstStyle>
+          <a:p>
+            <a:fld id="{33F789EE-D034-A646-97A6-96DD2BF7098D}" type="slidenum">
+              <a:rPr kumimoji="1" lang="ja-JP" altLang="en-US" smtClean="0"/>
+              <a:t>‹#›</a:t>
+            </a:fld>
+            <a:endParaRPr kumimoji="1" lang="ja-JP" altLang="en-US"/>
+          </a:p>
+        </p:txBody>
+      </p:sp>
+    </p:spTree>
+    <p:extLst>
+      <p:ext uri="{BB962C8B-B14F-4D97-AF65-F5344CB8AC3E}">
+        <p14:creationId xmlns:p14="http://schemas.microsoft.com/office/powerpoint/2010/main" val="278036966"/>
+      </p:ext>
+    </p:extLst>
+  </p:cSld>
+  <p:clrMap bg1="lt1" tx1="dk1" bg2="lt2" tx2="dk2" accent1="accent1" accent2="accent2" accent3="accent3" accent4="accent4" accent5="accent5" accent6="accent6" hlink="hlink" folHlink="folHlink"/>
+</p:handoutMaster>
 </file>
 
 <file path=ppt/slideLayouts/slideLayout1.xml><?xml version="1.0" encoding="utf-8"?>
@@ -3331,75 +3497,55 @@
             <p:ph type="subTitle" idx="1"/>
           </p:nvPr>
         </p:nvSpPr>
-        <p:spPr/>
+        <p:spPr>
+          <a:xfrm>
+            <a:off x="1524000" y="3728161"/>
+            <a:ext cx="9144000" cy="2630596"/>
+          </a:xfrm>
+        </p:spPr>
         <p:txBody>
           <a:bodyPr/>
           <a:lstStyle/>
           <a:p>
-            <a:endParaRPr kumimoji="1" lang="ja-JP" altLang="en-US"/>
-          </a:p>
-        </p:txBody>
-      </p:sp>
-      <p:sp>
-        <p:nvSpPr>
-          <p:cNvPr id="4" name="テキスト ボックス 3"/>
-          <p:cNvSpPr txBox="1"/>
-          <p:nvPr/>
-        </p:nvSpPr>
-        <p:spPr>
-          <a:xfrm>
-            <a:off x="0" y="106958"/>
-            <a:ext cx="3668110" cy="923330"/>
-          </a:xfrm>
-          <a:prstGeom prst="rect">
-            <a:avLst/>
-          </a:prstGeom>
-          <a:noFill/>
-        </p:spPr>
-        <p:txBody>
-          <a:bodyPr wrap="square" rtlCol="0">
-            <a:spAutoFit/>
-          </a:bodyPr>
-          <a:lstStyle/>
-          <a:p>
-            <a:r>
-              <a:rPr kumimoji="1" lang="en-US" altLang="ja-JP" dirty="0" err="1" smtClean="0">
-                <a:solidFill>
-                  <a:srgbClr val="FF0000"/>
-                </a:solidFill>
-              </a:rPr>
-              <a:t>Todo</a:t>
-            </a:r>
-            <a:r>
-              <a:rPr kumimoji="1" lang="en-US" altLang="ja-JP" dirty="0" smtClean="0">
-                <a:solidFill>
-                  <a:srgbClr val="FF0000"/>
-                </a:solidFill>
-              </a:rPr>
-              <a:t>:</a:t>
-            </a:r>
-          </a:p>
-          <a:p>
-            <a:r>
-              <a:rPr lang="ja-JP" altLang="en-US" dirty="0" smtClean="0">
-                <a:solidFill>
-                  <a:srgbClr val="FF0000"/>
-                </a:solidFill>
-              </a:rPr>
-              <a:t>文献</a:t>
-            </a:r>
-            <a:endParaRPr lang="en-US" altLang="ja-JP" dirty="0" smtClean="0">
-              <a:solidFill>
-                <a:srgbClr val="FF0000"/>
-              </a:solidFill>
-            </a:endParaRPr>
-          </a:p>
-          <a:p>
-            <a:endParaRPr kumimoji="1" lang="ja-JP" altLang="en-US" dirty="0">
-              <a:solidFill>
-                <a:srgbClr val="FF0000"/>
-              </a:solidFill>
-            </a:endParaRPr>
+            <a:r>
+              <a:rPr kumimoji="1" lang="ja-JP" altLang="en-US" dirty="0" smtClean="0"/>
+              <a:t>電気通信大学　情報理工学部</a:t>
+            </a:r>
+            <a:r>
+              <a:rPr lang="ja-JP" altLang="en-US" dirty="0" smtClean="0"/>
+              <a:t>　卒業論文発表</a:t>
+            </a:r>
+            <a:endParaRPr kumimoji="1" lang="en-US" altLang="ja-JP" dirty="0" smtClean="0"/>
+          </a:p>
+          <a:p>
+            <a:r>
+              <a:rPr kumimoji="1" lang="ja-JP" altLang="en-US" dirty="0" smtClean="0"/>
+              <a:t>　総合情報学科　メディア情報学コース</a:t>
+            </a:r>
+            <a:endParaRPr kumimoji="1" lang="en-US" altLang="ja-JP" dirty="0" smtClean="0"/>
+          </a:p>
+          <a:p>
+            <a:r>
+              <a:rPr lang="ja-JP" altLang="en-US" sz="2800" dirty="0"/>
+              <a:t>橋山研究室</a:t>
+            </a:r>
+            <a:endParaRPr lang="en-US" altLang="ja-JP" sz="2800" dirty="0"/>
+          </a:p>
+          <a:p>
+            <a:r>
+              <a:rPr kumimoji="1" lang="en-US" altLang="ja-JP" sz="1800" dirty="0" smtClean="0"/>
+              <a:t>1310163 </a:t>
+            </a:r>
+          </a:p>
+          <a:p>
+            <a:r>
+              <a:rPr kumimoji="1" lang="ja-JP" altLang="en-US" sz="4000" dirty="0" smtClean="0"/>
+              <a:t>柴澤弘樹</a:t>
+            </a:r>
+            <a:endParaRPr kumimoji="1" lang="en-US" altLang="ja-JP" sz="4000" dirty="0" smtClean="0"/>
+          </a:p>
+          <a:p>
+            <a:endParaRPr kumimoji="1" lang="ja-JP" altLang="en-US" dirty="0"/>
           </a:p>
         </p:txBody>
       </p:sp>
@@ -3413,6 +3559,13 @@
   <p:clrMapOvr>
     <a:masterClrMapping/>
   </p:clrMapOvr>
+  <p:timing>
+    <p:tnLst>
+      <p:par>
+        <p:cTn id="1" dur="indefinite" restart="never" nodeType="tmRoot"/>
+      </p:par>
+    </p:tnLst>
+  </p:timing>
 </p:sld>
 </file>
 
@@ -3449,16 +3602,8 @@
           <a:lstStyle/>
           <a:p>
             <a:r>
-              <a:rPr kumimoji="1" lang="ja-JP" altLang="en-US" dirty="0" smtClean="0"/>
-              <a:t>実験</a:t>
-            </a:r>
-            <a:r>
-              <a:rPr lang="en-US" altLang="ja-JP" dirty="0"/>
-              <a:t>2</a:t>
-            </a:r>
-            <a:r>
-              <a:rPr kumimoji="1" lang="ja-JP" altLang="en-US" dirty="0" smtClean="0"/>
-              <a:t>：対戦</a:t>
+              <a:rPr lang="ja-JP" altLang="en-US" dirty="0" smtClean="0"/>
+              <a:t>まとめ</a:t>
             </a:r>
             <a:endParaRPr kumimoji="1" lang="ja-JP" altLang="en-US" dirty="0"/>
           </a:p>
@@ -3474,54 +3619,460 @@
             <p:ph idx="1"/>
           </p:nvPr>
         </p:nvSpPr>
-        <p:spPr/>
+        <p:spPr>
+          <a:xfrm>
+            <a:off x="2593428" y="5675586"/>
+            <a:ext cx="7191703" cy="595970"/>
+          </a:xfrm>
+        </p:spPr>
         <p:txBody>
           <a:bodyPr/>
           <a:lstStyle/>
           <a:p>
+            <a:pPr marL="0" indent="0">
+              <a:spcAft>
+                <a:spcPts val="600"/>
+              </a:spcAft>
+              <a:buNone/>
+            </a:pPr>
+            <a:r>
+              <a:rPr kumimoji="1" lang="ja-JP" altLang="en-US" smtClean="0"/>
+              <a:t>今後</a:t>
+            </a:r>
+            <a:r>
+              <a:rPr kumimoji="1" lang="en-US" altLang="ja-JP" dirty="0" smtClean="0"/>
+              <a:t>2</a:t>
+            </a:r>
             <a:r>
               <a:rPr kumimoji="1" lang="ja-JP" altLang="en-US" dirty="0" smtClean="0"/>
-              <a:t>ゲーム内の</a:t>
-            </a:r>
-            <a:r>
-              <a:rPr kumimoji="1" lang="en-US" altLang="ja-JP" dirty="0" smtClean="0"/>
-              <a:t>AI</a:t>
-            </a:r>
-            <a:r>
-              <a:rPr kumimoji="1" lang="ja-JP" altLang="en-US" dirty="0" smtClean="0"/>
-              <a:t>と対戦させた</a:t>
-            </a:r>
-            <a:endParaRPr kumimoji="1" lang="en-US" altLang="ja-JP" dirty="0" smtClean="0"/>
-          </a:p>
-          <a:p>
-            <a:r>
-              <a:rPr lang="en-US" altLang="ja-JP" dirty="0" smtClean="0"/>
-              <a:t>DQN</a:t>
+              <a:t>つの手法を組み合わせること</a:t>
             </a:r>
             <a:r>
               <a:rPr lang="ja-JP" altLang="en-US" dirty="0" smtClean="0"/>
-              <a:t>：</a:t>
+              <a:t>を検討</a:t>
+            </a:r>
+            <a:endParaRPr kumimoji="1" lang="ja-JP" altLang="en-US" dirty="0"/>
+          </a:p>
+        </p:txBody>
+      </p:sp>
+      <p:sp>
+        <p:nvSpPr>
+          <p:cNvPr id="5" name="コンテンツ プレースホルダー 2"/>
+          <p:cNvSpPr txBox="1">
+            <a:spLocks/>
+          </p:cNvSpPr>
+          <p:nvPr/>
+        </p:nvSpPr>
+        <p:spPr>
+          <a:xfrm>
+            <a:off x="1143000" y="3800338"/>
+            <a:ext cx="5510048" cy="1492469"/>
+          </a:xfrm>
+          <a:prstGeom prst="rect">
+            <a:avLst/>
+          </a:prstGeom>
+        </p:spPr>
+        <p:style>
+          <a:lnRef idx="2">
+            <a:schemeClr val="accent6"/>
+          </a:lnRef>
+          <a:fillRef idx="1">
+            <a:schemeClr val="lt1"/>
+          </a:fillRef>
+          <a:effectRef idx="0">
+            <a:schemeClr val="accent6"/>
+          </a:effectRef>
+          <a:fontRef idx="minor">
+            <a:schemeClr val="dk1"/>
+          </a:fontRef>
+        </p:style>
+        <p:txBody>
+          <a:bodyPr vert="horz" lIns="180000" tIns="45720" rIns="91440" bIns="45720" rtlCol="0" anchor="ctr">
+            <a:normAutofit/>
+          </a:bodyPr>
+          <a:lstStyle>
+            <a:lvl1pPr marL="228600" indent="-228600" algn="l" defTabSz="914400" rtl="0" eaLnBrk="1" latinLnBrk="0" hangingPunct="1">
+              <a:lnSpc>
+                <a:spcPct val="90000"/>
+              </a:lnSpc>
+              <a:spcBef>
+                <a:spcPts val="1000"/>
+              </a:spcBef>
+              <a:buFont typeface="Arial"/>
+              <a:buChar char="•"/>
+              <a:defRPr kumimoji="1" sz="2800" kern="1200">
+                <a:solidFill>
+                  <a:schemeClr val="tx1"/>
+                </a:solidFill>
+                <a:latin typeface="+mn-lt"/>
+                <a:ea typeface="+mn-ea"/>
+                <a:cs typeface="+mn-cs"/>
+              </a:defRPr>
+            </a:lvl1pPr>
+            <a:lvl2pPr marL="685800" indent="-228600" algn="l" defTabSz="914400" rtl="0" eaLnBrk="1" latinLnBrk="0" hangingPunct="1">
+              <a:lnSpc>
+                <a:spcPct val="90000"/>
+              </a:lnSpc>
+              <a:spcBef>
+                <a:spcPts val="500"/>
+              </a:spcBef>
+              <a:buFont typeface="Arial"/>
+              <a:buChar char="•"/>
+              <a:defRPr kumimoji="1" sz="2400" kern="1200">
+                <a:solidFill>
+                  <a:schemeClr val="tx1"/>
+                </a:solidFill>
+                <a:latin typeface="+mn-lt"/>
+                <a:ea typeface="+mn-ea"/>
+                <a:cs typeface="+mn-cs"/>
+              </a:defRPr>
+            </a:lvl2pPr>
+            <a:lvl3pPr marL="1143000" indent="-228600" algn="l" defTabSz="914400" rtl="0" eaLnBrk="1" latinLnBrk="0" hangingPunct="1">
+              <a:lnSpc>
+                <a:spcPct val="90000"/>
+              </a:lnSpc>
+              <a:spcBef>
+                <a:spcPts val="500"/>
+              </a:spcBef>
+              <a:buFont typeface="Arial"/>
+              <a:buChar char="•"/>
+              <a:defRPr kumimoji="1" sz="2000" kern="1200">
+                <a:solidFill>
+                  <a:schemeClr val="tx1"/>
+                </a:solidFill>
+                <a:latin typeface="+mn-lt"/>
+                <a:ea typeface="+mn-ea"/>
+                <a:cs typeface="+mn-cs"/>
+              </a:defRPr>
+            </a:lvl3pPr>
+            <a:lvl4pPr marL="1600200" indent="-228600" algn="l" defTabSz="914400" rtl="0" eaLnBrk="1" latinLnBrk="0" hangingPunct="1">
+              <a:lnSpc>
+                <a:spcPct val="90000"/>
+              </a:lnSpc>
+              <a:spcBef>
+                <a:spcPts val="500"/>
+              </a:spcBef>
+              <a:buFont typeface="Arial"/>
+              <a:buChar char="•"/>
+              <a:defRPr kumimoji="1" sz="1800" kern="1200">
+                <a:solidFill>
+                  <a:schemeClr val="tx1"/>
+                </a:solidFill>
+                <a:latin typeface="+mn-lt"/>
+                <a:ea typeface="+mn-ea"/>
+                <a:cs typeface="+mn-cs"/>
+              </a:defRPr>
+            </a:lvl4pPr>
+            <a:lvl5pPr marL="2057400" indent="-228600" algn="l" defTabSz="914400" rtl="0" eaLnBrk="1" latinLnBrk="0" hangingPunct="1">
+              <a:lnSpc>
+                <a:spcPct val="90000"/>
+              </a:lnSpc>
+              <a:spcBef>
+                <a:spcPts val="500"/>
+              </a:spcBef>
+              <a:buFont typeface="Arial"/>
+              <a:buChar char="•"/>
+              <a:defRPr kumimoji="1" sz="1800" kern="1200">
+                <a:solidFill>
+                  <a:schemeClr val="tx1"/>
+                </a:solidFill>
+                <a:latin typeface="+mn-lt"/>
+                <a:ea typeface="+mn-ea"/>
+                <a:cs typeface="+mn-cs"/>
+              </a:defRPr>
+            </a:lvl5pPr>
+            <a:lvl6pPr marL="2514600" indent="-228600" algn="l" defTabSz="914400" rtl="0" eaLnBrk="1" latinLnBrk="0" hangingPunct="1">
+              <a:lnSpc>
+                <a:spcPct val="90000"/>
+              </a:lnSpc>
+              <a:spcBef>
+                <a:spcPts val="500"/>
+              </a:spcBef>
+              <a:buFont typeface="Arial"/>
+              <a:buChar char="•"/>
+              <a:defRPr kumimoji="1" sz="1800" kern="1200">
+                <a:solidFill>
+                  <a:schemeClr val="tx1"/>
+                </a:solidFill>
+                <a:latin typeface="+mn-lt"/>
+                <a:ea typeface="+mn-ea"/>
+                <a:cs typeface="+mn-cs"/>
+              </a:defRPr>
+            </a:lvl6pPr>
+            <a:lvl7pPr marL="2971800" indent="-228600" algn="l" defTabSz="914400" rtl="0" eaLnBrk="1" latinLnBrk="0" hangingPunct="1">
+              <a:lnSpc>
+                <a:spcPct val="90000"/>
+              </a:lnSpc>
+              <a:spcBef>
+                <a:spcPts val="500"/>
+              </a:spcBef>
+              <a:buFont typeface="Arial"/>
+              <a:buChar char="•"/>
+              <a:defRPr kumimoji="1" sz="1800" kern="1200">
+                <a:solidFill>
+                  <a:schemeClr val="tx1"/>
+                </a:solidFill>
+                <a:latin typeface="+mn-lt"/>
+                <a:ea typeface="+mn-ea"/>
+                <a:cs typeface="+mn-cs"/>
+              </a:defRPr>
+            </a:lvl7pPr>
+            <a:lvl8pPr marL="3429000" indent="-228600" algn="l" defTabSz="914400" rtl="0" eaLnBrk="1" latinLnBrk="0" hangingPunct="1">
+              <a:lnSpc>
+                <a:spcPct val="90000"/>
+              </a:lnSpc>
+              <a:spcBef>
+                <a:spcPts val="500"/>
+              </a:spcBef>
+              <a:buFont typeface="Arial"/>
+              <a:buChar char="•"/>
+              <a:defRPr kumimoji="1" sz="1800" kern="1200">
+                <a:solidFill>
+                  <a:schemeClr val="tx1"/>
+                </a:solidFill>
+                <a:latin typeface="+mn-lt"/>
+                <a:ea typeface="+mn-ea"/>
+                <a:cs typeface="+mn-cs"/>
+              </a:defRPr>
+            </a:lvl8pPr>
+            <a:lvl9pPr marL="3886200" indent="-228600" algn="l" defTabSz="914400" rtl="0" eaLnBrk="1" latinLnBrk="0" hangingPunct="1">
+              <a:lnSpc>
+                <a:spcPct val="90000"/>
+              </a:lnSpc>
+              <a:spcBef>
+                <a:spcPts val="500"/>
+              </a:spcBef>
+              <a:buFont typeface="Arial"/>
+              <a:buChar char="•"/>
+              <a:defRPr kumimoji="1" sz="1800" kern="1200">
+                <a:solidFill>
+                  <a:schemeClr val="tx1"/>
+                </a:solidFill>
+                <a:latin typeface="+mn-lt"/>
+                <a:ea typeface="+mn-ea"/>
+                <a:cs typeface="+mn-cs"/>
+              </a:defRPr>
+            </a:lvl9pPr>
+          </a:lstStyle>
+          <a:p>
+            <a:pPr>
+              <a:spcAft>
+                <a:spcPts val="600"/>
+              </a:spcAft>
+            </a:pPr>
+            <a:r>
+              <a:rPr lang="ja-JP" altLang="en-US" dirty="0" smtClean="0"/>
+              <a:t>機械学習：解釈が困難</a:t>
             </a:r>
             <a:endParaRPr lang="en-US" altLang="ja-JP" dirty="0" smtClean="0"/>
           </a:p>
           <a:p>
-            <a:r>
-              <a:rPr kumimoji="1" lang="ja-JP" altLang="en-US" dirty="0" smtClean="0"/>
-              <a:t>人の知識適用：</a:t>
-            </a:r>
-            <a:endParaRPr kumimoji="1" lang="en-US" altLang="ja-JP" dirty="0" smtClean="0"/>
-          </a:p>
-          <a:p>
+            <a:pPr>
+              <a:spcAft>
+                <a:spcPts val="600"/>
+              </a:spcAft>
+            </a:pPr>
             <a:r>
               <a:rPr lang="ja-JP" altLang="en-US" dirty="0" smtClean="0"/>
-              <a:t>連鎖数、勝敗で評価</a:t>
-            </a:r>
-            <a:endParaRPr lang="en-US" altLang="ja-JP" dirty="0" smtClean="0"/>
-          </a:p>
-          <a:p>
+              <a:t>知識適用：ルール化が困難</a:t>
+            </a:r>
+          </a:p>
+        </p:txBody>
+      </p:sp>
+      <p:sp>
+        <p:nvSpPr>
+          <p:cNvPr id="6" name="コンテンツ プレースホルダー 2"/>
+          <p:cNvSpPr txBox="1">
+            <a:spLocks/>
+          </p:cNvSpPr>
+          <p:nvPr/>
+        </p:nvSpPr>
+        <p:spPr>
+          <a:xfrm>
+            <a:off x="1143000" y="1696026"/>
+            <a:ext cx="10515600" cy="1821465"/>
+          </a:xfrm>
+          <a:prstGeom prst="rect">
+            <a:avLst/>
+          </a:prstGeom>
+        </p:spPr>
+        <p:txBody>
+          <a:bodyPr vert="horz" lIns="91440" tIns="45720" rIns="91440" bIns="45720" rtlCol="0">
+            <a:normAutofit/>
+          </a:bodyPr>
+          <a:lstStyle>
+            <a:lvl1pPr marL="228600" indent="-228600" algn="l" defTabSz="914400" rtl="0" eaLnBrk="1" latinLnBrk="0" hangingPunct="1">
+              <a:lnSpc>
+                <a:spcPct val="90000"/>
+              </a:lnSpc>
+              <a:spcBef>
+                <a:spcPts val="1000"/>
+              </a:spcBef>
+              <a:buFont typeface="Arial"/>
+              <a:buChar char="•"/>
+              <a:defRPr kumimoji="1" sz="2800" kern="1200">
+                <a:solidFill>
+                  <a:schemeClr val="tx1"/>
+                </a:solidFill>
+                <a:latin typeface="+mn-lt"/>
+                <a:ea typeface="+mn-ea"/>
+                <a:cs typeface="+mn-cs"/>
+              </a:defRPr>
+            </a:lvl1pPr>
+            <a:lvl2pPr marL="685800" indent="-228600" algn="l" defTabSz="914400" rtl="0" eaLnBrk="1" latinLnBrk="0" hangingPunct="1">
+              <a:lnSpc>
+                <a:spcPct val="90000"/>
+              </a:lnSpc>
+              <a:spcBef>
+                <a:spcPts val="500"/>
+              </a:spcBef>
+              <a:buFont typeface="Arial"/>
+              <a:buChar char="•"/>
+              <a:defRPr kumimoji="1" sz="2400" kern="1200">
+                <a:solidFill>
+                  <a:schemeClr val="tx1"/>
+                </a:solidFill>
+                <a:latin typeface="+mn-lt"/>
+                <a:ea typeface="+mn-ea"/>
+                <a:cs typeface="+mn-cs"/>
+              </a:defRPr>
+            </a:lvl2pPr>
+            <a:lvl3pPr marL="1143000" indent="-228600" algn="l" defTabSz="914400" rtl="0" eaLnBrk="1" latinLnBrk="0" hangingPunct="1">
+              <a:lnSpc>
+                <a:spcPct val="90000"/>
+              </a:lnSpc>
+              <a:spcBef>
+                <a:spcPts val="500"/>
+              </a:spcBef>
+              <a:buFont typeface="Arial"/>
+              <a:buChar char="•"/>
+              <a:defRPr kumimoji="1" sz="2000" kern="1200">
+                <a:solidFill>
+                  <a:schemeClr val="tx1"/>
+                </a:solidFill>
+                <a:latin typeface="+mn-lt"/>
+                <a:ea typeface="+mn-ea"/>
+                <a:cs typeface="+mn-cs"/>
+              </a:defRPr>
+            </a:lvl3pPr>
+            <a:lvl4pPr marL="1600200" indent="-228600" algn="l" defTabSz="914400" rtl="0" eaLnBrk="1" latinLnBrk="0" hangingPunct="1">
+              <a:lnSpc>
+                <a:spcPct val="90000"/>
+              </a:lnSpc>
+              <a:spcBef>
+                <a:spcPts val="500"/>
+              </a:spcBef>
+              <a:buFont typeface="Arial"/>
+              <a:buChar char="•"/>
+              <a:defRPr kumimoji="1" sz="1800" kern="1200">
+                <a:solidFill>
+                  <a:schemeClr val="tx1"/>
+                </a:solidFill>
+                <a:latin typeface="+mn-lt"/>
+                <a:ea typeface="+mn-ea"/>
+                <a:cs typeface="+mn-cs"/>
+              </a:defRPr>
+            </a:lvl4pPr>
+            <a:lvl5pPr marL="2057400" indent="-228600" algn="l" defTabSz="914400" rtl="0" eaLnBrk="1" latinLnBrk="0" hangingPunct="1">
+              <a:lnSpc>
+                <a:spcPct val="90000"/>
+              </a:lnSpc>
+              <a:spcBef>
+                <a:spcPts val="500"/>
+              </a:spcBef>
+              <a:buFont typeface="Arial"/>
+              <a:buChar char="•"/>
+              <a:defRPr kumimoji="1" sz="1800" kern="1200">
+                <a:solidFill>
+                  <a:schemeClr val="tx1"/>
+                </a:solidFill>
+                <a:latin typeface="+mn-lt"/>
+                <a:ea typeface="+mn-ea"/>
+                <a:cs typeface="+mn-cs"/>
+              </a:defRPr>
+            </a:lvl5pPr>
+            <a:lvl6pPr marL="2514600" indent="-228600" algn="l" defTabSz="914400" rtl="0" eaLnBrk="1" latinLnBrk="0" hangingPunct="1">
+              <a:lnSpc>
+                <a:spcPct val="90000"/>
+              </a:lnSpc>
+              <a:spcBef>
+                <a:spcPts val="500"/>
+              </a:spcBef>
+              <a:buFont typeface="Arial"/>
+              <a:buChar char="•"/>
+              <a:defRPr kumimoji="1" sz="1800" kern="1200">
+                <a:solidFill>
+                  <a:schemeClr val="tx1"/>
+                </a:solidFill>
+                <a:latin typeface="+mn-lt"/>
+                <a:ea typeface="+mn-ea"/>
+                <a:cs typeface="+mn-cs"/>
+              </a:defRPr>
+            </a:lvl6pPr>
+            <a:lvl7pPr marL="2971800" indent="-228600" algn="l" defTabSz="914400" rtl="0" eaLnBrk="1" latinLnBrk="0" hangingPunct="1">
+              <a:lnSpc>
+                <a:spcPct val="90000"/>
+              </a:lnSpc>
+              <a:spcBef>
+                <a:spcPts val="500"/>
+              </a:spcBef>
+              <a:buFont typeface="Arial"/>
+              <a:buChar char="•"/>
+              <a:defRPr kumimoji="1" sz="1800" kern="1200">
+                <a:solidFill>
+                  <a:schemeClr val="tx1"/>
+                </a:solidFill>
+                <a:latin typeface="+mn-lt"/>
+                <a:ea typeface="+mn-ea"/>
+                <a:cs typeface="+mn-cs"/>
+              </a:defRPr>
+            </a:lvl7pPr>
+            <a:lvl8pPr marL="3429000" indent="-228600" algn="l" defTabSz="914400" rtl="0" eaLnBrk="1" latinLnBrk="0" hangingPunct="1">
+              <a:lnSpc>
+                <a:spcPct val="90000"/>
+              </a:lnSpc>
+              <a:spcBef>
+                <a:spcPts val="500"/>
+              </a:spcBef>
+              <a:buFont typeface="Arial"/>
+              <a:buChar char="•"/>
+              <a:defRPr kumimoji="1" sz="1800" kern="1200">
+                <a:solidFill>
+                  <a:schemeClr val="tx1"/>
+                </a:solidFill>
+                <a:latin typeface="+mn-lt"/>
+                <a:ea typeface="+mn-ea"/>
+                <a:cs typeface="+mn-cs"/>
+              </a:defRPr>
+            </a:lvl8pPr>
+            <a:lvl9pPr marL="3886200" indent="-228600" algn="l" defTabSz="914400" rtl="0" eaLnBrk="1" latinLnBrk="0" hangingPunct="1">
+              <a:lnSpc>
+                <a:spcPct val="90000"/>
+              </a:lnSpc>
+              <a:spcBef>
+                <a:spcPts val="500"/>
+              </a:spcBef>
+              <a:buFont typeface="Arial"/>
+              <a:buChar char="•"/>
+              <a:defRPr kumimoji="1" sz="1800" kern="1200">
+                <a:solidFill>
+                  <a:schemeClr val="tx1"/>
+                </a:solidFill>
+                <a:latin typeface="+mn-lt"/>
+                <a:ea typeface="+mn-ea"/>
+                <a:cs typeface="+mn-cs"/>
+              </a:defRPr>
+            </a:lvl9pPr>
+          </a:lstStyle>
+          <a:p>
+            <a:pPr>
+              <a:spcAft>
+                <a:spcPts val="600"/>
+              </a:spcAft>
+            </a:pPr>
             <a:r>
               <a:rPr lang="ja-JP" altLang="en-US" dirty="0" smtClean="0"/>
-              <a:t>ゲーム内</a:t>
+              <a:t>機械学習</a:t>
             </a:r>
             <a:r>
               <a:rPr lang="en-US" altLang="ja-JP" dirty="0" smtClean="0"/>
@@ -3529,22 +4080,109 @@
             </a:r>
             <a:r>
               <a:rPr lang="ja-JP" altLang="en-US" dirty="0" smtClean="0"/>
-              <a:t>の「のほほ」（カエル積み）</a:t>
-            </a:r>
-            <a:endParaRPr kumimoji="1" lang="ja-JP" altLang="en-US" dirty="0"/>
+              <a:t>と人の知識を適用した</a:t>
+            </a:r>
+            <a:r>
+              <a:rPr lang="en-US" altLang="ja-JP" dirty="0" smtClean="0"/>
+              <a:t>AI</a:t>
+            </a:r>
+            <a:r>
+              <a:rPr lang="ja-JP" altLang="en-US" dirty="0" smtClean="0"/>
+              <a:t>の比較</a:t>
+            </a:r>
+            <a:endParaRPr lang="en-US" altLang="ja-JP" dirty="0" smtClean="0"/>
+          </a:p>
+          <a:p>
+            <a:pPr>
+              <a:spcAft>
+                <a:spcPts val="600"/>
+              </a:spcAft>
+            </a:pPr>
+            <a:r>
+              <a:rPr lang="ja-JP" altLang="en-US" dirty="0" smtClean="0"/>
+              <a:t>対戦型パズルゲーム「ぷよぷよ」を対象</a:t>
+            </a:r>
+            <a:endParaRPr lang="en-US" altLang="ja-JP" dirty="0" smtClean="0"/>
+          </a:p>
+          <a:p>
+            <a:pPr>
+              <a:spcAft>
+                <a:spcPts val="600"/>
+              </a:spcAft>
+            </a:pPr>
+            <a:r>
+              <a:rPr lang="ja-JP" altLang="en-US" dirty="0" smtClean="0"/>
+              <a:t>人の知識を適用した</a:t>
+            </a:r>
+            <a:r>
+              <a:rPr lang="en-US" altLang="ja-JP" dirty="0" smtClean="0"/>
+              <a:t>AI</a:t>
+            </a:r>
+            <a:r>
+              <a:rPr lang="ja-JP" altLang="en-US" dirty="0" smtClean="0"/>
+              <a:t>が強かった</a:t>
+            </a:r>
+            <a:endParaRPr lang="en-US" altLang="ja-JP" dirty="0" smtClean="0"/>
+          </a:p>
+        </p:txBody>
+      </p:sp>
+      <p:sp>
+        <p:nvSpPr>
+          <p:cNvPr id="8" name="右矢印 7"/>
+          <p:cNvSpPr/>
+          <p:nvPr/>
+        </p:nvSpPr>
+        <p:spPr>
+          <a:xfrm>
+            <a:off x="1384738" y="5616218"/>
+            <a:ext cx="948559" cy="588579"/>
+          </a:xfrm>
+          <a:prstGeom prst="rightArrow">
+            <a:avLst/>
+          </a:prstGeom>
+        </p:spPr>
+        <p:style>
+          <a:lnRef idx="2">
+            <a:schemeClr val="accent1">
+              <a:shade val="50000"/>
+            </a:schemeClr>
+          </a:lnRef>
+          <a:fillRef idx="1">
+            <a:schemeClr val="accent1"/>
+          </a:fillRef>
+          <a:effectRef idx="0">
+            <a:schemeClr val="accent1"/>
+          </a:effectRef>
+          <a:fontRef idx="minor">
+            <a:schemeClr val="lt1"/>
+          </a:fontRef>
+        </p:style>
+        <p:txBody>
+          <a:bodyPr rtlCol="0" anchor="ctr"/>
+          <a:lstStyle/>
+          <a:p>
+            <a:pPr algn="ctr"/>
+            <a:endParaRPr kumimoji="1" lang="ja-JP" altLang="en-US"/>
           </a:p>
         </p:txBody>
       </p:sp>
     </p:spTree>
     <p:extLst>
       <p:ext uri="{BB962C8B-B14F-4D97-AF65-F5344CB8AC3E}">
-        <p14:creationId xmlns:p14="http://schemas.microsoft.com/office/powerpoint/2010/main" val="1129586114"/>
+        <p14:creationId xmlns:p14="http://schemas.microsoft.com/office/powerpoint/2010/main" val="1285618495"/>
       </p:ext>
     </p:extLst>
   </p:cSld>
   <p:clrMapOvr>
     <a:masterClrMapping/>
   </p:clrMapOvr>
+  <p:timing>
+    <p:tnLst>
+      <p:par>
+        <p:cTn id="1" dur="indefinite" restart="never" nodeType="tmRoot"/>
+      </p:par>
+    </p:tnLst>
+  </p:timing>
 </p:sld>
 </file>
 
@@ -3575,14 +4213,1841 @@
             <p:ph type="title"/>
           </p:nvPr>
         </p:nvSpPr>
-        <p:spPr/>
+        <p:spPr>
+          <a:xfrm>
+            <a:off x="838200" y="386529"/>
+            <a:ext cx="10515600" cy="1325563"/>
+          </a:xfrm>
+        </p:spPr>
         <p:txBody>
           <a:bodyPr/>
           <a:lstStyle/>
           <a:p>
             <a:r>
+              <a:rPr kumimoji="1" lang="en-US" altLang="ja-JP" dirty="0" smtClean="0"/>
+              <a:t>DQN: Deep Q-Learning</a:t>
+            </a:r>
+            <a:r>
+              <a:rPr kumimoji="1" lang="en-US" altLang="ja-JP" baseline="30000" dirty="0" smtClean="0"/>
+              <a:t>[1]</a:t>
+            </a:r>
+            <a:endParaRPr kumimoji="1" lang="ja-JP" altLang="en-US" baseline="30000" dirty="0"/>
+          </a:p>
+        </p:txBody>
+      </p:sp>
+      <mc:AlternateContent xmlns:mc="http://schemas.openxmlformats.org/markup-compatibility/2006">
+        <mc:Choice xmlns:a14="http://schemas.microsoft.com/office/drawing/2010/main" Requires="a14">
+          <p:sp>
+            <p:nvSpPr>
+              <p:cNvPr id="3" name="コンテンツ プレースホルダー 2"/>
+              <p:cNvSpPr>
+                <a:spLocks noGrp="1"/>
+              </p:cNvSpPr>
+              <p:nvPr>
+                <p:ph idx="1"/>
+              </p:nvPr>
+            </p:nvSpPr>
+            <p:spPr>
+              <a:xfrm>
+                <a:off x="838200" y="1825625"/>
+                <a:ext cx="10515600" cy="1232885"/>
+              </a:xfrm>
+            </p:spPr>
+            <p:txBody>
+              <a:bodyPr/>
+              <a:lstStyle/>
+              <a:p>
+                <a:r>
+                  <a:rPr kumimoji="1" lang="en-US" altLang="ja-JP" dirty="0" smtClean="0"/>
+                  <a:t>Q</a:t>
+                </a:r>
+                <a:r>
+                  <a:rPr lang="ja-JP" altLang="en-US" dirty="0" smtClean="0"/>
+                  <a:t>値</a:t>
+                </a:r>
+                <a:r>
+                  <a:rPr kumimoji="1" lang="ja-JP" altLang="en-US" dirty="0" smtClean="0"/>
+                  <a:t>をディープラーニングで学習</a:t>
+                </a:r>
+                <a:endParaRPr kumimoji="1" lang="en-US" altLang="ja-JP" dirty="0" smtClean="0"/>
+              </a:p>
+              <a:p>
+                <a:r>
+                  <a:rPr lang="ja-JP" altLang="en-US" dirty="0" smtClean="0"/>
+                  <a:t>パラメータ</a:t>
+                </a:r>
+                <a14:m>
+                  <m:oMath xmlns:m="http://schemas.openxmlformats.org/officeDocument/2006/math">
+                    <m:sSub>
+                      <m:sSubPr>
+                        <m:ctrlPr>
+                          <a:rPr lang="en-US" altLang="ja-JP" b="0" i="1" smtClean="0">
+                            <a:latin typeface="Cambria Math" charset="0"/>
+                            <a:ea typeface="Cambria Math" charset="0"/>
+                            <a:cs typeface="Cambria Math" charset="0"/>
+                          </a:rPr>
+                        </m:ctrlPr>
+                      </m:sSubPr>
+                      <m:e>
+                        <m:r>
+                          <a:rPr lang="en-US" altLang="ja-JP" b="0" i="1" smtClean="0">
+                            <a:latin typeface="Cambria Math" charset="0"/>
+                            <a:ea typeface="Cambria Math" charset="0"/>
+                            <a:cs typeface="Cambria Math" charset="0"/>
+                          </a:rPr>
+                          <m:t>𝜃</m:t>
+                        </m:r>
+                      </m:e>
+                      <m:sub>
+                        <m:r>
+                          <a:rPr lang="en-US" altLang="ja-JP" b="0" i="1" smtClean="0">
+                            <a:latin typeface="Cambria Math" charset="0"/>
+                            <a:ea typeface="Cambria Math" charset="0"/>
+                            <a:cs typeface="Cambria Math" charset="0"/>
+                          </a:rPr>
+                          <m:t>𝑡</m:t>
+                        </m:r>
+                      </m:sub>
+                    </m:sSub>
+                  </m:oMath>
+                </a14:m>
+                <a:r>
+                  <a:rPr lang="ja-JP" altLang="en-US" dirty="0" smtClean="0"/>
+                  <a:t>の更新式</a:t>
+                </a:r>
+                <a:endParaRPr lang="en-US" altLang="ja-JP" dirty="0" smtClean="0"/>
+              </a:p>
+              <a:p>
+                <a:endParaRPr kumimoji="1" lang="ja-JP" altLang="en-US" dirty="0"/>
+              </a:p>
+            </p:txBody>
+          </p:sp>
+        </mc:Choice>
+        <mc:Fallback>
+          <p:sp>
+            <p:nvSpPr>
+              <p:cNvPr id="3" name="コンテンツ プレースホルダー 2"/>
+              <p:cNvSpPr>
+                <a:spLocks noGrp="1" noRot="1" noChangeAspect="1" noMove="1" noResize="1" noEditPoints="1" noAdjustHandles="1" noChangeArrowheads="1" noChangeShapeType="1" noTextEdit="1"/>
+              </p:cNvSpPr>
+              <p:nvPr>
+                <p:ph idx="1"/>
+              </p:nvPr>
+            </p:nvSpPr>
+            <p:spPr>
+              <a:xfrm>
+                <a:off x="838200" y="1825625"/>
+                <a:ext cx="10515600" cy="1232885"/>
+              </a:xfrm>
+              <a:blipFill rotWithShape="0">
+                <a:blip r:embed="rId2"/>
+                <a:stretch>
+                  <a:fillRect l="-1043" t="-8374"/>
+                </a:stretch>
+              </a:blipFill>
+            </p:spPr>
+            <p:txBody>
+              <a:bodyPr/>
+              <a:lstStyle/>
+              <a:p>
+                <a:r>
+                  <a:rPr lang="ja-JP" altLang="en-US">
+                    <a:noFill/>
+                  </a:rPr>
+                  <a:t> </a:t>
+                </a:r>
+              </a:p>
+            </p:txBody>
+          </p:sp>
+        </mc:Fallback>
+      </mc:AlternateContent>
+      <mc:AlternateContent xmlns:mc="http://schemas.openxmlformats.org/markup-compatibility/2006">
+        <mc:Choice xmlns:a14="http://schemas.microsoft.com/office/drawing/2010/main" Requires="a14">
+          <p:sp>
+            <p:nvSpPr>
+              <p:cNvPr id="4" name="コンテンツ プレースホルダー 2"/>
+              <p:cNvSpPr txBox="1">
+                <a:spLocks/>
+              </p:cNvSpPr>
+              <p:nvPr/>
+            </p:nvSpPr>
+            <p:spPr>
+              <a:xfrm>
+                <a:off x="3794234" y="3650559"/>
+                <a:ext cx="8878619" cy="1158273"/>
+              </a:xfrm>
+              <a:prstGeom prst="rect">
+                <a:avLst/>
+              </a:prstGeom>
+            </p:spPr>
+            <p:txBody>
+              <a:bodyPr vert="horz" lIns="91440" tIns="45720" rIns="91440" bIns="45720" rtlCol="0">
+                <a:normAutofit/>
+              </a:bodyPr>
+              <a:lstStyle>
+                <a:lvl1pPr marL="228600" indent="-228600" algn="l" defTabSz="914400" rtl="0" eaLnBrk="1" latinLnBrk="0" hangingPunct="1">
+                  <a:lnSpc>
+                    <a:spcPct val="90000"/>
+                  </a:lnSpc>
+                  <a:spcBef>
+                    <a:spcPts val="1000"/>
+                  </a:spcBef>
+                  <a:buFont typeface="Arial"/>
+                  <a:buChar char="•"/>
+                  <a:defRPr kumimoji="1" sz="2800" kern="1200">
+                    <a:solidFill>
+                      <a:schemeClr val="tx1"/>
+                    </a:solidFill>
+                    <a:latin typeface="+mn-lt"/>
+                    <a:ea typeface="+mn-ea"/>
+                    <a:cs typeface="+mn-cs"/>
+                  </a:defRPr>
+                </a:lvl1pPr>
+                <a:lvl2pPr marL="685800" indent="-228600" algn="l" defTabSz="914400" rtl="0" eaLnBrk="1" latinLnBrk="0" hangingPunct="1">
+                  <a:lnSpc>
+                    <a:spcPct val="90000"/>
+                  </a:lnSpc>
+                  <a:spcBef>
+                    <a:spcPts val="500"/>
+                  </a:spcBef>
+                  <a:buFont typeface="Arial"/>
+                  <a:buChar char="•"/>
+                  <a:defRPr kumimoji="1" sz="2400" kern="1200">
+                    <a:solidFill>
+                      <a:schemeClr val="tx1"/>
+                    </a:solidFill>
+                    <a:latin typeface="+mn-lt"/>
+                    <a:ea typeface="+mn-ea"/>
+                    <a:cs typeface="+mn-cs"/>
+                  </a:defRPr>
+                </a:lvl2pPr>
+                <a:lvl3pPr marL="1143000" indent="-228600" algn="l" defTabSz="914400" rtl="0" eaLnBrk="1" latinLnBrk="0" hangingPunct="1">
+                  <a:lnSpc>
+                    <a:spcPct val="90000"/>
+                  </a:lnSpc>
+                  <a:spcBef>
+                    <a:spcPts val="500"/>
+                  </a:spcBef>
+                  <a:buFont typeface="Arial"/>
+                  <a:buChar char="•"/>
+                  <a:defRPr kumimoji="1" sz="2000" kern="1200">
+                    <a:solidFill>
+                      <a:schemeClr val="tx1"/>
+                    </a:solidFill>
+                    <a:latin typeface="+mn-lt"/>
+                    <a:ea typeface="+mn-ea"/>
+                    <a:cs typeface="+mn-cs"/>
+                  </a:defRPr>
+                </a:lvl3pPr>
+                <a:lvl4pPr marL="1600200" indent="-228600" algn="l" defTabSz="914400" rtl="0" eaLnBrk="1" latinLnBrk="0" hangingPunct="1">
+                  <a:lnSpc>
+                    <a:spcPct val="90000"/>
+                  </a:lnSpc>
+                  <a:spcBef>
+                    <a:spcPts val="500"/>
+                  </a:spcBef>
+                  <a:buFont typeface="Arial"/>
+                  <a:buChar char="•"/>
+                  <a:defRPr kumimoji="1" sz="1800" kern="1200">
+                    <a:solidFill>
+                      <a:schemeClr val="tx1"/>
+                    </a:solidFill>
+                    <a:latin typeface="+mn-lt"/>
+                    <a:ea typeface="+mn-ea"/>
+                    <a:cs typeface="+mn-cs"/>
+                  </a:defRPr>
+                </a:lvl4pPr>
+                <a:lvl5pPr marL="2057400" indent="-228600" algn="l" defTabSz="914400" rtl="0" eaLnBrk="1" latinLnBrk="0" hangingPunct="1">
+                  <a:lnSpc>
+                    <a:spcPct val="90000"/>
+                  </a:lnSpc>
+                  <a:spcBef>
+                    <a:spcPts val="500"/>
+                  </a:spcBef>
+                  <a:buFont typeface="Arial"/>
+                  <a:buChar char="•"/>
+                  <a:defRPr kumimoji="1" sz="1800" kern="1200">
+                    <a:solidFill>
+                      <a:schemeClr val="tx1"/>
+                    </a:solidFill>
+                    <a:latin typeface="+mn-lt"/>
+                    <a:ea typeface="+mn-ea"/>
+                    <a:cs typeface="+mn-cs"/>
+                  </a:defRPr>
+                </a:lvl5pPr>
+                <a:lvl6pPr marL="2514600" indent="-228600" algn="l" defTabSz="914400" rtl="0" eaLnBrk="1" latinLnBrk="0" hangingPunct="1">
+                  <a:lnSpc>
+                    <a:spcPct val="90000"/>
+                  </a:lnSpc>
+                  <a:spcBef>
+                    <a:spcPts val="500"/>
+                  </a:spcBef>
+                  <a:buFont typeface="Arial"/>
+                  <a:buChar char="•"/>
+                  <a:defRPr kumimoji="1" sz="1800" kern="1200">
+                    <a:solidFill>
+                      <a:schemeClr val="tx1"/>
+                    </a:solidFill>
+                    <a:latin typeface="+mn-lt"/>
+                    <a:ea typeface="+mn-ea"/>
+                    <a:cs typeface="+mn-cs"/>
+                  </a:defRPr>
+                </a:lvl6pPr>
+                <a:lvl7pPr marL="2971800" indent="-228600" algn="l" defTabSz="914400" rtl="0" eaLnBrk="1" latinLnBrk="0" hangingPunct="1">
+                  <a:lnSpc>
+                    <a:spcPct val="90000"/>
+                  </a:lnSpc>
+                  <a:spcBef>
+                    <a:spcPts val="500"/>
+                  </a:spcBef>
+                  <a:buFont typeface="Arial"/>
+                  <a:buChar char="•"/>
+                  <a:defRPr kumimoji="1" sz="1800" kern="1200">
+                    <a:solidFill>
+                      <a:schemeClr val="tx1"/>
+                    </a:solidFill>
+                    <a:latin typeface="+mn-lt"/>
+                    <a:ea typeface="+mn-ea"/>
+                    <a:cs typeface="+mn-cs"/>
+                  </a:defRPr>
+                </a:lvl7pPr>
+                <a:lvl8pPr marL="3429000" indent="-228600" algn="l" defTabSz="914400" rtl="0" eaLnBrk="1" latinLnBrk="0" hangingPunct="1">
+                  <a:lnSpc>
+                    <a:spcPct val="90000"/>
+                  </a:lnSpc>
+                  <a:spcBef>
+                    <a:spcPts val="500"/>
+                  </a:spcBef>
+                  <a:buFont typeface="Arial"/>
+                  <a:buChar char="•"/>
+                  <a:defRPr kumimoji="1" sz="1800" kern="1200">
+                    <a:solidFill>
+                      <a:schemeClr val="tx1"/>
+                    </a:solidFill>
+                    <a:latin typeface="+mn-lt"/>
+                    <a:ea typeface="+mn-ea"/>
+                    <a:cs typeface="+mn-cs"/>
+                  </a:defRPr>
+                </a:lvl8pPr>
+                <a:lvl9pPr marL="3886200" indent="-228600" algn="l" defTabSz="914400" rtl="0" eaLnBrk="1" latinLnBrk="0" hangingPunct="1">
+                  <a:lnSpc>
+                    <a:spcPct val="90000"/>
+                  </a:lnSpc>
+                  <a:spcBef>
+                    <a:spcPts val="500"/>
+                  </a:spcBef>
+                  <a:buFont typeface="Arial"/>
+                  <a:buChar char="•"/>
+                  <a:defRPr kumimoji="1" sz="1800" kern="1200">
+                    <a:solidFill>
+                      <a:schemeClr val="tx1"/>
+                    </a:solidFill>
+                    <a:latin typeface="+mn-lt"/>
+                    <a:ea typeface="+mn-ea"/>
+                    <a:cs typeface="+mn-cs"/>
+                  </a:defRPr>
+                </a:lvl9pPr>
+              </a:lstStyle>
+              <a:p>
+                <a:pPr marL="0" indent="0">
+                  <a:buNone/>
+                </a:pPr>
+                <a14:m>
+                  <m:oMath xmlns:m="http://schemas.openxmlformats.org/officeDocument/2006/math">
+                    <m:r>
+                      <a:rPr lang="en-US" altLang="ja-JP" sz="2400" b="0" i="1" smtClean="0">
+                        <a:latin typeface="Cambria Math" charset="0"/>
+                        <a:ea typeface="Cambria Math" charset="0"/>
+                        <a:cs typeface="Cambria Math" charset="0"/>
+                      </a:rPr>
+                      <m:t>𝑡</m:t>
+                    </m:r>
+                    <m:r>
+                      <a:rPr lang="en-US" altLang="ja-JP" sz="2400" b="0" i="1" smtClean="0">
+                        <a:latin typeface="Cambria Math" charset="0"/>
+                        <a:ea typeface="Cambria Math" charset="0"/>
+                        <a:cs typeface="Cambria Math" charset="0"/>
+                      </a:rPr>
+                      <m:t> </m:t>
+                    </m:r>
+                  </m:oMath>
+                </a14:m>
+                <a:r>
+                  <a:rPr lang="en-US" altLang="ja-JP" sz="2400" dirty="0" smtClean="0"/>
+                  <a:t>:</a:t>
+                </a:r>
+                <a:r>
+                  <a:rPr lang="ja-JP" altLang="en-US" sz="2400" dirty="0" smtClean="0"/>
+                  <a:t>時刻</a:t>
+                </a:r>
+                <a:r>
+                  <a:rPr lang="en-US" altLang="ja-JP" sz="2400" dirty="0" smtClean="0"/>
+                  <a:t>, </a:t>
+                </a:r>
+                <a14:m>
+                  <m:oMath xmlns:m="http://schemas.openxmlformats.org/officeDocument/2006/math">
+                    <m:r>
+                      <a:rPr lang="en-US" altLang="ja-JP" sz="2400" b="0" i="1" smtClean="0">
+                        <a:latin typeface="Cambria Math" charset="0"/>
+                        <a:ea typeface="Cambria Math" charset="0"/>
+                        <a:cs typeface="Cambria Math" charset="0"/>
+                      </a:rPr>
+                      <m:t>𝛼</m:t>
+                    </m:r>
+                  </m:oMath>
+                </a14:m>
+                <a:r>
+                  <a:rPr lang="en-US" altLang="ja-JP" sz="2400" dirty="0" smtClean="0"/>
+                  <a:t>:</a:t>
+                </a:r>
+                <a:r>
+                  <a:rPr lang="ja-JP" altLang="en-US" sz="2400" dirty="0" smtClean="0"/>
+                  <a:t>学習係数</a:t>
+                </a:r>
+                <a:r>
+                  <a:rPr lang="en-US" altLang="ja-JP" sz="2400" dirty="0" smtClean="0"/>
+                  <a:t>, </a:t>
+                </a:r>
+                <a14:m>
+                  <m:oMath xmlns:m="http://schemas.openxmlformats.org/officeDocument/2006/math">
+                    <m:sSub>
+                      <m:sSubPr>
+                        <m:ctrlPr>
+                          <a:rPr lang="en-US" altLang="ja-JP" sz="2400" b="0" i="1" smtClean="0">
+                            <a:latin typeface="Cambria Math" charset="0"/>
+                            <a:ea typeface="Cambria Math" charset="0"/>
+                            <a:cs typeface="Cambria Math" charset="0"/>
+                          </a:rPr>
+                        </m:ctrlPr>
+                      </m:sSubPr>
+                      <m:e>
+                        <m:r>
+                          <a:rPr lang="en-US" altLang="ja-JP" sz="2400" b="0" i="1" smtClean="0">
+                            <a:latin typeface="Cambria Math" charset="0"/>
+                            <a:ea typeface="Cambria Math" charset="0"/>
+                            <a:cs typeface="Cambria Math" charset="0"/>
+                          </a:rPr>
+                          <m:t>𝑅</m:t>
+                        </m:r>
+                      </m:e>
+                      <m:sub>
+                        <m:r>
+                          <a:rPr lang="en-US" altLang="ja-JP" sz="2400" b="0" i="1" smtClean="0">
+                            <a:latin typeface="Cambria Math" charset="0"/>
+                            <a:ea typeface="Cambria Math" charset="0"/>
+                            <a:cs typeface="Cambria Math" charset="0"/>
+                          </a:rPr>
+                          <m:t>𝑡</m:t>
+                        </m:r>
+                        <m:r>
+                          <a:rPr lang="en-US" altLang="ja-JP" sz="2400" b="0" i="1" smtClean="0">
+                            <a:latin typeface="Cambria Math" charset="0"/>
+                            <a:ea typeface="Cambria Math" charset="0"/>
+                            <a:cs typeface="Cambria Math" charset="0"/>
+                          </a:rPr>
+                          <m:t>+1</m:t>
+                        </m:r>
+                      </m:sub>
+                    </m:sSub>
+                  </m:oMath>
+                </a14:m>
+                <a:r>
+                  <a:rPr lang="en-US" altLang="ja-JP" sz="2400" dirty="0" smtClean="0"/>
+                  <a:t>: </a:t>
+                </a:r>
+                <a14:m>
+                  <m:oMath xmlns:m="http://schemas.openxmlformats.org/officeDocument/2006/math">
+                    <m:r>
+                      <a:rPr lang="en-US" altLang="ja-JP" sz="2400" b="0" i="1" smtClean="0">
+                        <a:latin typeface="Cambria Math" charset="0"/>
+                        <a:ea typeface="Cambria Math" charset="0"/>
+                        <a:cs typeface="Cambria Math" charset="0"/>
+                      </a:rPr>
+                      <m:t>𝑡</m:t>
+                    </m:r>
+                    <m:r>
+                      <a:rPr lang="ja-JP" altLang="en-US" sz="2400" b="0" i="1" smtClean="0">
+                        <a:latin typeface="Cambria Math" charset="0"/>
+                        <a:ea typeface="Cambria Math" charset="0"/>
+                        <a:cs typeface="Cambria Math" charset="0"/>
+                      </a:rPr>
+                      <m:t>→</m:t>
+                    </m:r>
+                    <m:r>
+                      <a:rPr lang="en-US" altLang="ja-JP" sz="2400" b="0" i="1" smtClean="0">
+                        <a:latin typeface="Cambria Math" charset="0"/>
+                        <a:ea typeface="Cambria Math" charset="0"/>
+                        <a:cs typeface="Cambria Math" charset="0"/>
+                      </a:rPr>
+                      <m:t>𝑡</m:t>
+                    </m:r>
+                    <m:r>
+                      <a:rPr lang="en-US" altLang="ja-JP" sz="2400" b="0" i="1" smtClean="0">
+                        <a:latin typeface="Cambria Math" charset="0"/>
+                        <a:ea typeface="Cambria Math" charset="0"/>
+                        <a:cs typeface="Cambria Math" charset="0"/>
+                      </a:rPr>
+                      <m:t>+1</m:t>
+                    </m:r>
+                  </m:oMath>
+                </a14:m>
+                <a:r>
+                  <a:rPr lang="ja-JP" altLang="en-US" sz="2400" dirty="0" smtClean="0"/>
+                  <a:t>で得た報酬</a:t>
+                </a:r>
+                <a:r>
+                  <a:rPr lang="en-US" altLang="ja-JP" sz="2400" dirty="0" smtClean="0"/>
+                  <a:t>, </a:t>
+                </a:r>
+                <a14:m>
+                  <m:oMath xmlns:m="http://schemas.openxmlformats.org/officeDocument/2006/math">
+                    <m:r>
+                      <a:rPr lang="en-US" altLang="ja-JP" sz="2400" b="0" i="1" smtClean="0">
+                        <a:latin typeface="Cambria Math" charset="0"/>
+                        <a:ea typeface="Cambria Math" charset="0"/>
+                        <a:cs typeface="Cambria Math" charset="0"/>
+                      </a:rPr>
+                      <m:t>𝛾</m:t>
+                    </m:r>
+                  </m:oMath>
+                </a14:m>
+                <a:r>
+                  <a:rPr lang="en-US" altLang="ja-JP" sz="2400" dirty="0" smtClean="0"/>
+                  <a:t>: </a:t>
+                </a:r>
+                <a:r>
+                  <a:rPr lang="ja-JP" altLang="en-US" sz="2400" dirty="0" smtClean="0"/>
+                  <a:t>割引係数</a:t>
+                </a:r>
+                <a:r>
+                  <a:rPr lang="en-US" altLang="ja-JP" sz="2400" dirty="0" smtClean="0"/>
+                  <a:t>,</a:t>
+                </a:r>
+              </a:p>
+              <a:p>
+                <a:pPr marL="0" indent="0">
+                  <a:buNone/>
+                </a:pPr>
+                <a14:m>
+                  <m:oMath xmlns:m="http://schemas.openxmlformats.org/officeDocument/2006/math">
+                    <m:sSub>
+                      <m:sSubPr>
+                        <m:ctrlPr>
+                          <a:rPr lang="en-US" altLang="ja-JP" sz="2400" i="1" smtClean="0">
+                            <a:latin typeface="Cambria Math" charset="0"/>
+                          </a:rPr>
+                        </m:ctrlPr>
+                      </m:sSubPr>
+                      <m:e>
+                        <m:r>
+                          <a:rPr lang="en-US" altLang="ja-JP" sz="2400" i="1">
+                            <a:latin typeface="Cambria Math" charset="0"/>
+                          </a:rPr>
+                          <m:t>𝑠</m:t>
+                        </m:r>
+                      </m:e>
+                      <m:sub>
+                        <m:r>
+                          <a:rPr lang="en-US" altLang="ja-JP" sz="2400" i="1">
+                            <a:latin typeface="Cambria Math" charset="0"/>
+                          </a:rPr>
+                          <m:t>𝑡</m:t>
+                        </m:r>
+                      </m:sub>
+                    </m:sSub>
+                    <m:r>
+                      <a:rPr lang="en-US" altLang="ja-JP" sz="2400" b="0" i="1" smtClean="0">
+                        <a:latin typeface="Cambria Math" charset="0"/>
+                      </a:rPr>
+                      <m:t>:</m:t>
+                    </m:r>
+                    <m:r>
+                      <a:rPr lang="en-US" altLang="ja-JP" sz="2400" b="0" i="1" smtClean="0">
+                        <a:latin typeface="Cambria Math" charset="0"/>
+                        <a:ea typeface="Cambria Math" charset="0"/>
+                        <a:cs typeface="Cambria Math" charset="0"/>
+                      </a:rPr>
+                      <m:t>𝑡</m:t>
+                    </m:r>
+                  </m:oMath>
+                </a14:m>
+                <a:r>
+                  <a:rPr lang="ja-JP" altLang="en-US" sz="2400" dirty="0" smtClean="0"/>
+                  <a:t>での状態</a:t>
+                </a:r>
+                <a:r>
+                  <a:rPr lang="en-US" altLang="ja-JP" sz="2400" dirty="0" smtClean="0"/>
+                  <a:t>, </a:t>
+                </a:r>
+                <a14:m>
+                  <m:oMath xmlns:m="http://schemas.openxmlformats.org/officeDocument/2006/math">
+                    <m:sSub>
+                      <m:sSubPr>
+                        <m:ctrlPr>
+                          <a:rPr lang="en-US" altLang="ja-JP" sz="2400" i="1" smtClean="0">
+                            <a:latin typeface="Cambria Math" charset="0"/>
+                          </a:rPr>
+                        </m:ctrlPr>
+                      </m:sSubPr>
+                      <m:e>
+                        <m:r>
+                          <a:rPr lang="en-US" altLang="ja-JP" sz="2400" i="1">
+                            <a:latin typeface="Cambria Math" charset="0"/>
+                          </a:rPr>
+                          <m:t>𝑎</m:t>
+                        </m:r>
+                      </m:e>
+                      <m:sub>
+                        <m:r>
+                          <a:rPr lang="en-US" altLang="ja-JP" sz="2400" i="1">
+                            <a:latin typeface="Cambria Math" charset="0"/>
+                          </a:rPr>
+                          <m:t>𝑡</m:t>
+                        </m:r>
+                      </m:sub>
+                    </m:sSub>
+                  </m:oMath>
+                </a14:m>
+                <a:r>
+                  <a:rPr lang="en-US" altLang="ja-JP" sz="2400" dirty="0" smtClean="0"/>
+                  <a:t>: </a:t>
+                </a:r>
+                <a14:m>
+                  <m:oMath xmlns:m="http://schemas.openxmlformats.org/officeDocument/2006/math">
+                    <m:r>
+                      <a:rPr lang="en-US" altLang="ja-JP" sz="2400" b="0" i="1" smtClean="0">
+                        <a:latin typeface="Cambria Math" charset="0"/>
+                        <a:ea typeface="Cambria Math" charset="0"/>
+                        <a:cs typeface="Cambria Math" charset="0"/>
+                      </a:rPr>
+                      <m:t>𝑡</m:t>
+                    </m:r>
+                  </m:oMath>
+                </a14:m>
+                <a:r>
+                  <a:rPr lang="ja-JP" altLang="en-US" sz="2400" dirty="0" smtClean="0"/>
+                  <a:t>での行動</a:t>
+                </a:r>
+                <a:endParaRPr lang="en-US" altLang="ja-JP" sz="2400" dirty="0" smtClean="0"/>
+              </a:p>
+              <a:p>
+                <a:pPr marL="0" indent="0">
+                  <a:buNone/>
+                </a:pPr>
+                <a:endParaRPr lang="ja-JP" altLang="en-US" sz="2400" dirty="0"/>
+              </a:p>
+            </p:txBody>
+          </p:sp>
+        </mc:Choice>
+        <mc:Fallback>
+          <p:sp>
+            <p:nvSpPr>
+              <p:cNvPr id="4" name="コンテンツ プレースホルダー 2"/>
+              <p:cNvSpPr txBox="1">
+                <a:spLocks noRot="1" noChangeAspect="1" noMove="1" noResize="1" noEditPoints="1" noAdjustHandles="1" noChangeArrowheads="1" noChangeShapeType="1" noTextEdit="1"/>
+              </p:cNvSpPr>
+              <p:nvPr/>
+            </p:nvSpPr>
+            <p:spPr>
+              <a:xfrm>
+                <a:off x="3794234" y="3650559"/>
+                <a:ext cx="8878619" cy="1158273"/>
+              </a:xfrm>
+              <a:prstGeom prst="rect">
+                <a:avLst/>
+              </a:prstGeom>
+              <a:blipFill rotWithShape="0">
+                <a:blip r:embed="rId3"/>
+                <a:stretch>
+                  <a:fillRect t="-44211"/>
+                </a:stretch>
+              </a:blipFill>
+            </p:spPr>
+            <p:txBody>
+              <a:bodyPr/>
+              <a:lstStyle/>
+              <a:p>
+                <a:r>
+                  <a:rPr lang="ja-JP" altLang="en-US">
+                    <a:noFill/>
+                  </a:rPr>
+                  <a:t> </a:t>
+                </a:r>
+              </a:p>
+            </p:txBody>
+          </p:sp>
+        </mc:Fallback>
+      </mc:AlternateContent>
+      <mc:AlternateContent xmlns:mc="http://schemas.openxmlformats.org/markup-compatibility/2006">
+        <mc:Choice xmlns:a14="http://schemas.microsoft.com/office/drawing/2010/main" Requires="a14">
+          <p:sp>
+            <p:nvSpPr>
+              <p:cNvPr id="5" name="テキスト ボックス 4"/>
+              <p:cNvSpPr txBox="1"/>
+              <p:nvPr/>
+            </p:nvSpPr>
+            <p:spPr>
+              <a:xfrm>
+                <a:off x="1502975" y="2883278"/>
+                <a:ext cx="9942787" cy="577530"/>
+              </a:xfrm>
+              <a:prstGeom prst="rect">
+                <a:avLst/>
+              </a:prstGeom>
+              <a:noFill/>
+            </p:spPr>
+            <p:txBody>
+              <a:bodyPr wrap="square" lIns="0" tIns="0" rIns="0" bIns="0" rtlCol="0">
+                <a:spAutoFit/>
+              </a:bodyPr>
+              <a:lstStyle/>
+              <a:p>
+                <a14:m>
+                  <m:oMathPara xmlns:m="http://schemas.openxmlformats.org/officeDocument/2006/math">
+                    <m:oMathParaPr>
+                      <m:jc m:val="centerGroup"/>
+                    </m:oMathParaPr>
+                    <m:oMath xmlns:m="http://schemas.openxmlformats.org/officeDocument/2006/math">
+                      <m:sSub>
+                        <m:sSubPr>
+                          <m:ctrlPr>
+                            <a:rPr lang="en-US" altLang="ja-JP" sz="2400" b="0" i="1" smtClean="0">
+                              <a:latin typeface="Cambria Math" charset="0"/>
+                              <a:ea typeface="Cambria Math" charset="0"/>
+                              <a:cs typeface="Cambria Math" charset="0"/>
+                            </a:rPr>
+                          </m:ctrlPr>
+                        </m:sSubPr>
+                        <m:e>
+                          <m:r>
+                            <a:rPr lang="en-US" altLang="ja-JP" sz="2400" b="0" i="1" smtClean="0">
+                              <a:latin typeface="Cambria Math" charset="0"/>
+                              <a:ea typeface="Cambria Math" charset="0"/>
+                              <a:cs typeface="Cambria Math" charset="0"/>
+                            </a:rPr>
+                            <m:t>𝜃</m:t>
+                          </m:r>
+                        </m:e>
+                        <m:sub>
+                          <m:r>
+                            <a:rPr lang="en-US" altLang="ja-JP" sz="2400" b="0" i="1" smtClean="0">
+                              <a:latin typeface="Cambria Math" charset="0"/>
+                              <a:ea typeface="Cambria Math" charset="0"/>
+                              <a:cs typeface="Cambria Math" charset="0"/>
+                            </a:rPr>
+                            <m:t>𝑡</m:t>
+                          </m:r>
+                          <m:r>
+                            <a:rPr lang="en-US" altLang="ja-JP" sz="2400" b="0" i="1" smtClean="0">
+                              <a:latin typeface="Cambria Math" charset="0"/>
+                              <a:ea typeface="Cambria Math" charset="0"/>
+                              <a:cs typeface="Cambria Math" charset="0"/>
+                            </a:rPr>
+                            <m:t>+1</m:t>
+                          </m:r>
+                        </m:sub>
+                      </m:sSub>
+                      <m:r>
+                        <a:rPr kumimoji="1" lang="en-US" altLang="ja-JP" sz="2400" b="0" i="1" smtClean="0">
+                          <a:latin typeface="Cambria Math" charset="0"/>
+                        </a:rPr>
+                        <m:t>=</m:t>
+                      </m:r>
+                      <m:sSub>
+                        <m:sSubPr>
+                          <m:ctrlPr>
+                            <a:rPr lang="en-US" altLang="ja-JP" sz="2400" b="0" i="1" smtClean="0">
+                              <a:latin typeface="Cambria Math" charset="0"/>
+                              <a:ea typeface="Cambria Math" charset="0"/>
+                              <a:cs typeface="Cambria Math" charset="0"/>
+                            </a:rPr>
+                          </m:ctrlPr>
+                        </m:sSubPr>
+                        <m:e>
+                          <m:r>
+                            <a:rPr lang="en-US" altLang="ja-JP" sz="2400" b="0" i="1" smtClean="0">
+                              <a:latin typeface="Cambria Math" charset="0"/>
+                              <a:ea typeface="Cambria Math" charset="0"/>
+                              <a:cs typeface="Cambria Math" charset="0"/>
+                            </a:rPr>
+                            <m:t>𝜃</m:t>
+                          </m:r>
+                        </m:e>
+                        <m:sub>
+                          <m:r>
+                            <a:rPr lang="en-US" altLang="ja-JP" sz="2400" b="0" i="1" smtClean="0">
+                              <a:latin typeface="Cambria Math" charset="0"/>
+                              <a:ea typeface="Cambria Math" charset="0"/>
+                              <a:cs typeface="Cambria Math" charset="0"/>
+                            </a:rPr>
+                            <m:t>𝑡</m:t>
+                          </m:r>
+                        </m:sub>
+                      </m:sSub>
+                      <m:r>
+                        <a:rPr lang="en-US" altLang="ja-JP" sz="2400" b="0" i="1" smtClean="0">
+                          <a:latin typeface="Cambria Math" charset="0"/>
+                        </a:rPr>
+                        <m:t>+</m:t>
+                      </m:r>
+                      <m:r>
+                        <a:rPr lang="en-US" altLang="ja-JP" sz="2400" b="0" i="1" smtClean="0">
+                          <a:latin typeface="Cambria Math" charset="0"/>
+                          <a:ea typeface="Cambria Math" charset="0"/>
+                          <a:cs typeface="Cambria Math" charset="0"/>
+                        </a:rPr>
+                        <m:t>𝛼</m:t>
+                      </m:r>
+                      <m:d>
+                        <m:dPr>
+                          <m:ctrlPr>
+                            <a:rPr lang="is-IS" altLang="ja-JP" sz="2400" b="0" i="1" smtClean="0">
+                              <a:latin typeface="Cambria Math" charset="0"/>
+                              <a:ea typeface="Cambria Math" charset="0"/>
+                              <a:cs typeface="Cambria Math" charset="0"/>
+                            </a:rPr>
+                          </m:ctrlPr>
+                        </m:dPr>
+                        <m:e>
+                          <m:sSub>
+                            <m:sSubPr>
+                              <m:ctrlPr>
+                                <a:rPr lang="en-US" altLang="ja-JP" sz="2400" b="0" i="1" smtClean="0">
+                                  <a:latin typeface="Cambria Math" charset="0"/>
+                                  <a:ea typeface="Cambria Math" charset="0"/>
+                                  <a:cs typeface="Cambria Math" charset="0"/>
+                                </a:rPr>
+                              </m:ctrlPr>
+                            </m:sSubPr>
+                            <m:e>
+                              <m:r>
+                                <a:rPr lang="en-US" altLang="ja-JP" sz="2400" b="0" i="1" smtClean="0">
+                                  <a:latin typeface="Cambria Math" charset="0"/>
+                                  <a:ea typeface="Cambria Math" charset="0"/>
+                                  <a:cs typeface="Cambria Math" charset="0"/>
+                                </a:rPr>
+                                <m:t>𝑅</m:t>
+                              </m:r>
+                            </m:e>
+                            <m:sub>
+                              <m:r>
+                                <a:rPr lang="en-US" altLang="ja-JP" sz="2400" b="0" i="1" smtClean="0">
+                                  <a:latin typeface="Cambria Math" charset="0"/>
+                                  <a:ea typeface="Cambria Math" charset="0"/>
+                                  <a:cs typeface="Cambria Math" charset="0"/>
+                                </a:rPr>
+                                <m:t>𝑡</m:t>
+                              </m:r>
+                              <m:r>
+                                <a:rPr lang="en-US" altLang="ja-JP" sz="2400" b="0" i="1" smtClean="0">
+                                  <a:latin typeface="Cambria Math" charset="0"/>
+                                  <a:ea typeface="Cambria Math" charset="0"/>
+                                  <a:cs typeface="Cambria Math" charset="0"/>
+                                </a:rPr>
+                                <m:t>+1</m:t>
+                              </m:r>
+                            </m:sub>
+                          </m:sSub>
+                          <m:r>
+                            <a:rPr lang="en-US" altLang="ja-JP" sz="2400" b="0" i="1" smtClean="0">
+                              <a:latin typeface="Cambria Math" charset="0"/>
+                              <a:ea typeface="Cambria Math" charset="0"/>
+                              <a:cs typeface="Cambria Math" charset="0"/>
+                            </a:rPr>
+                            <m:t>+</m:t>
+                          </m:r>
+                          <m:r>
+                            <a:rPr lang="en-US" altLang="ja-JP" sz="2400" b="0" i="1" smtClean="0">
+                              <a:latin typeface="Cambria Math" charset="0"/>
+                              <a:ea typeface="Cambria Math" charset="0"/>
+                              <a:cs typeface="Cambria Math" charset="0"/>
+                            </a:rPr>
+                            <m:t>𝛾</m:t>
+                          </m:r>
+                          <m:func>
+                            <m:funcPr>
+                              <m:ctrlPr>
+                                <a:rPr lang="en-US" altLang="ja-JP" sz="2400" b="0" i="1" smtClean="0">
+                                  <a:latin typeface="Cambria Math" charset="0"/>
+                                  <a:ea typeface="Cambria Math" charset="0"/>
+                                  <a:cs typeface="Cambria Math" charset="0"/>
+                                </a:rPr>
+                              </m:ctrlPr>
+                            </m:funcPr>
+                            <m:fName>
+                              <m:limLow>
+                                <m:limLowPr>
+                                  <m:ctrlPr>
+                                    <a:rPr lang="en-US" altLang="ja-JP" sz="2400" b="0" i="1" smtClean="0">
+                                      <a:latin typeface="Cambria Math" charset="0"/>
+                                      <a:ea typeface="Cambria Math" charset="0"/>
+                                      <a:cs typeface="Cambria Math" charset="0"/>
+                                    </a:rPr>
+                                  </m:ctrlPr>
+                                </m:limLowPr>
+                                <m:e>
+                                  <m:r>
+                                    <m:rPr>
+                                      <m:sty m:val="p"/>
+                                    </m:rPr>
+                                    <a:rPr lang="en-US" altLang="ja-JP" sz="2400" b="0" i="0" smtClean="0">
+                                      <a:latin typeface="Cambria Math" charset="0"/>
+                                      <a:ea typeface="Cambria Math" charset="0"/>
+                                      <a:cs typeface="Cambria Math" charset="0"/>
+                                    </a:rPr>
+                                    <m:t>max</m:t>
+                                  </m:r>
+                                </m:e>
+                                <m:lim>
+                                  <m:r>
+                                    <a:rPr lang="en-US" altLang="ja-JP" sz="2400" b="0" i="1" smtClean="0">
+                                      <a:latin typeface="Cambria Math" charset="0"/>
+                                      <a:ea typeface="Cambria Math" charset="0"/>
+                                      <a:cs typeface="Cambria Math" charset="0"/>
+                                    </a:rPr>
+                                    <m:t>𝑎</m:t>
+                                  </m:r>
+                                </m:lim>
+                              </m:limLow>
+                            </m:fName>
+                            <m:e>
+                              <m:r>
+                                <a:rPr lang="en-US" altLang="ja-JP" sz="2400" i="1">
+                                  <a:latin typeface="Cambria Math" charset="0"/>
+                                </a:rPr>
+                                <m:t>𝑄</m:t>
+                              </m:r>
+                              <m:d>
+                                <m:dPr>
+                                  <m:ctrlPr>
+                                    <a:rPr lang="en-US" altLang="ja-JP" sz="2400" i="1">
+                                      <a:latin typeface="Cambria Math" charset="0"/>
+                                    </a:rPr>
+                                  </m:ctrlPr>
+                                </m:dPr>
+                                <m:e>
+                                  <m:sSub>
+                                    <m:sSubPr>
+                                      <m:ctrlPr>
+                                        <a:rPr lang="en-US" altLang="ja-JP" sz="2400" i="1">
+                                          <a:latin typeface="Cambria Math" charset="0"/>
+                                        </a:rPr>
+                                      </m:ctrlPr>
+                                    </m:sSubPr>
+                                    <m:e>
+                                      <m:r>
+                                        <a:rPr lang="en-US" altLang="ja-JP" sz="2400" i="1">
+                                          <a:latin typeface="Cambria Math" charset="0"/>
+                                        </a:rPr>
+                                        <m:t>𝑠</m:t>
+                                      </m:r>
+                                    </m:e>
+                                    <m:sub>
+                                      <m:r>
+                                        <a:rPr lang="en-US" altLang="ja-JP" sz="2400" i="1">
+                                          <a:latin typeface="Cambria Math" charset="0"/>
+                                        </a:rPr>
+                                        <m:t>𝑡</m:t>
+                                      </m:r>
+                                      <m:r>
+                                        <a:rPr lang="en-US" altLang="ja-JP" sz="2400" b="0" i="1" smtClean="0">
+                                          <a:latin typeface="Cambria Math" charset="0"/>
+                                        </a:rPr>
+                                        <m:t>+1</m:t>
+                                      </m:r>
+                                    </m:sub>
+                                  </m:sSub>
+                                  <m:r>
+                                    <a:rPr lang="en-US" altLang="ja-JP" sz="2400" i="1">
+                                      <a:latin typeface="Cambria Math" charset="0"/>
+                                    </a:rPr>
+                                    <m:t>,</m:t>
+                                  </m:r>
+                                  <m:r>
+                                    <a:rPr lang="en-US" altLang="ja-JP" sz="2400" b="0" i="1" smtClean="0">
+                                      <a:latin typeface="Cambria Math" charset="0"/>
+                                    </a:rPr>
+                                    <m:t>𝑎</m:t>
+                                  </m:r>
+                                  <m:r>
+                                    <a:rPr lang="en-US" altLang="ja-JP" sz="2400" b="0" i="1" smtClean="0">
+                                      <a:latin typeface="Cambria Math" charset="0"/>
+                                    </a:rPr>
+                                    <m:t>;</m:t>
+                                  </m:r>
+                                  <m:sSub>
+                                    <m:sSubPr>
+                                      <m:ctrlPr>
+                                        <a:rPr lang="en-US" altLang="ja-JP" sz="2400" b="0" i="1" smtClean="0">
+                                          <a:latin typeface="Cambria Math" charset="0"/>
+                                          <a:ea typeface="Cambria Math" charset="0"/>
+                                          <a:cs typeface="Cambria Math" charset="0"/>
+                                        </a:rPr>
+                                      </m:ctrlPr>
+                                    </m:sSubPr>
+                                    <m:e>
+                                      <m:r>
+                                        <a:rPr lang="en-US" altLang="ja-JP" sz="2400" b="0" i="1" smtClean="0">
+                                          <a:latin typeface="Cambria Math" charset="0"/>
+                                          <a:ea typeface="Cambria Math" charset="0"/>
+                                          <a:cs typeface="Cambria Math" charset="0"/>
+                                        </a:rPr>
+                                        <m:t>𝜃</m:t>
+                                      </m:r>
+                                    </m:e>
+                                    <m:sub>
+                                      <m:r>
+                                        <a:rPr lang="en-US" altLang="ja-JP" sz="2400" b="0" i="1" smtClean="0">
+                                          <a:latin typeface="Cambria Math" charset="0"/>
+                                          <a:ea typeface="Cambria Math" charset="0"/>
+                                          <a:cs typeface="Cambria Math" charset="0"/>
+                                        </a:rPr>
+                                        <m:t>𝑡</m:t>
+                                      </m:r>
+                                    </m:sub>
+                                  </m:sSub>
+                                </m:e>
+                              </m:d>
+                              <m:r>
+                                <a:rPr lang="en-US" altLang="ja-JP" sz="2400" b="0" i="1" smtClean="0">
+                                  <a:latin typeface="Cambria Math" charset="0"/>
+                                </a:rPr>
+                                <m:t>−</m:t>
+                              </m:r>
+                              <m:r>
+                                <a:rPr lang="en-US" altLang="ja-JP" sz="2400" i="1">
+                                  <a:latin typeface="Cambria Math" charset="0"/>
+                                </a:rPr>
+                                <m:t>𝑄</m:t>
+                              </m:r>
+                              <m:d>
+                                <m:dPr>
+                                  <m:ctrlPr>
+                                    <a:rPr lang="en-US" altLang="ja-JP" sz="2400" i="1">
+                                      <a:latin typeface="Cambria Math" charset="0"/>
+                                    </a:rPr>
+                                  </m:ctrlPr>
+                                </m:dPr>
+                                <m:e>
+                                  <m:sSub>
+                                    <m:sSubPr>
+                                      <m:ctrlPr>
+                                        <a:rPr lang="en-US" altLang="ja-JP" sz="2400" i="1">
+                                          <a:latin typeface="Cambria Math" charset="0"/>
+                                        </a:rPr>
+                                      </m:ctrlPr>
+                                    </m:sSubPr>
+                                    <m:e>
+                                      <m:r>
+                                        <a:rPr lang="en-US" altLang="ja-JP" sz="2400" i="1">
+                                          <a:latin typeface="Cambria Math" charset="0"/>
+                                        </a:rPr>
+                                        <m:t>𝑠</m:t>
+                                      </m:r>
+                                    </m:e>
+                                    <m:sub>
+                                      <m:r>
+                                        <a:rPr lang="en-US" altLang="ja-JP" sz="2400" i="1">
+                                          <a:latin typeface="Cambria Math" charset="0"/>
+                                        </a:rPr>
+                                        <m:t>𝑡</m:t>
+                                      </m:r>
+                                    </m:sub>
+                                  </m:sSub>
+                                  <m:r>
+                                    <a:rPr lang="en-US" altLang="ja-JP" sz="2400" i="1">
+                                      <a:latin typeface="Cambria Math" charset="0"/>
+                                    </a:rPr>
+                                    <m:t>,</m:t>
+                                  </m:r>
+                                  <m:sSub>
+                                    <m:sSubPr>
+                                      <m:ctrlPr>
+                                        <a:rPr lang="en-US" altLang="ja-JP" sz="2400" i="1">
+                                          <a:latin typeface="Cambria Math" charset="0"/>
+                                        </a:rPr>
+                                      </m:ctrlPr>
+                                    </m:sSubPr>
+                                    <m:e>
+                                      <m:r>
+                                        <a:rPr lang="en-US" altLang="ja-JP" sz="2400" i="1">
+                                          <a:latin typeface="Cambria Math" charset="0"/>
+                                        </a:rPr>
+                                        <m:t>𝑎</m:t>
+                                      </m:r>
+                                    </m:e>
+                                    <m:sub>
+                                      <m:r>
+                                        <a:rPr lang="en-US" altLang="ja-JP" sz="2400" i="1">
+                                          <a:latin typeface="Cambria Math" charset="0"/>
+                                        </a:rPr>
+                                        <m:t>𝑡</m:t>
+                                      </m:r>
+                                    </m:sub>
+                                  </m:sSub>
+                                  <m:r>
+                                    <a:rPr lang="en-US" altLang="ja-JP" sz="2400" b="0" i="1" smtClean="0">
+                                      <a:latin typeface="Cambria Math" charset="0"/>
+                                    </a:rPr>
+                                    <m:t>;</m:t>
+                                  </m:r>
+                                  <m:sSub>
+                                    <m:sSubPr>
+                                      <m:ctrlPr>
+                                        <a:rPr lang="en-US" altLang="ja-JP" sz="2400" b="0" i="1" smtClean="0">
+                                          <a:latin typeface="Cambria Math" charset="0"/>
+                                          <a:ea typeface="Cambria Math" charset="0"/>
+                                          <a:cs typeface="Cambria Math" charset="0"/>
+                                        </a:rPr>
+                                      </m:ctrlPr>
+                                    </m:sSubPr>
+                                    <m:e>
+                                      <m:r>
+                                        <a:rPr lang="en-US" altLang="ja-JP" sz="2400" b="0" i="1" smtClean="0">
+                                          <a:latin typeface="Cambria Math" charset="0"/>
+                                          <a:ea typeface="Cambria Math" charset="0"/>
+                                          <a:cs typeface="Cambria Math" charset="0"/>
+                                        </a:rPr>
+                                        <m:t>𝜃</m:t>
+                                      </m:r>
+                                    </m:e>
+                                    <m:sub>
+                                      <m:r>
+                                        <a:rPr lang="en-US" altLang="ja-JP" sz="2400" b="0" i="1" smtClean="0">
+                                          <a:latin typeface="Cambria Math" charset="0"/>
+                                          <a:ea typeface="Cambria Math" charset="0"/>
+                                          <a:cs typeface="Cambria Math" charset="0"/>
+                                        </a:rPr>
+                                        <m:t>𝑡</m:t>
+                                      </m:r>
+                                    </m:sub>
+                                  </m:sSub>
+                                </m:e>
+                              </m:d>
+                            </m:e>
+                          </m:func>
+                        </m:e>
+                      </m:d>
+                      <m:sSub>
+                        <m:sSubPr>
+                          <m:ctrlPr>
+                            <a:rPr lang="en-US" altLang="ja-JP" sz="2400" b="0" i="1" smtClean="0">
+                              <a:latin typeface="Cambria Math" charset="0"/>
+                              <a:ea typeface="Cambria Math" charset="0"/>
+                              <a:cs typeface="Cambria Math" charset="0"/>
+                            </a:rPr>
+                          </m:ctrlPr>
+                        </m:sSubPr>
+                        <m:e>
+                          <m:r>
+                            <a:rPr lang="en-US" altLang="ja-JP" sz="2400" b="0" i="1" smtClean="0">
+                              <a:latin typeface="Cambria Math" charset="0"/>
+                              <a:ea typeface="Cambria Math" charset="0"/>
+                              <a:cs typeface="Cambria Math" charset="0"/>
+                            </a:rPr>
+                            <m:t>∇</m:t>
+                          </m:r>
+                        </m:e>
+                        <m:sub>
+                          <m:sSub>
+                            <m:sSubPr>
+                              <m:ctrlPr>
+                                <a:rPr lang="en-US" altLang="ja-JP" sz="2400" b="0" i="1" smtClean="0">
+                                  <a:latin typeface="Cambria Math" charset="0"/>
+                                  <a:ea typeface="Cambria Math" charset="0"/>
+                                  <a:cs typeface="Cambria Math" charset="0"/>
+                                </a:rPr>
+                              </m:ctrlPr>
+                            </m:sSubPr>
+                            <m:e>
+                              <m:r>
+                                <a:rPr lang="en-US" altLang="ja-JP" sz="2400" b="0" i="1" smtClean="0">
+                                  <a:latin typeface="Cambria Math" charset="0"/>
+                                  <a:ea typeface="Cambria Math" charset="0"/>
+                                  <a:cs typeface="Cambria Math" charset="0"/>
+                                </a:rPr>
+                                <m:t>𝜃</m:t>
+                              </m:r>
+                            </m:e>
+                            <m:sub>
+                              <m:r>
+                                <a:rPr lang="en-US" altLang="ja-JP" sz="2400" b="0" i="1" smtClean="0">
+                                  <a:latin typeface="Cambria Math" charset="0"/>
+                                  <a:ea typeface="Cambria Math" charset="0"/>
+                                  <a:cs typeface="Cambria Math" charset="0"/>
+                                </a:rPr>
+                                <m:t>𝑡</m:t>
+                              </m:r>
+                            </m:sub>
+                          </m:sSub>
+                        </m:sub>
+                      </m:sSub>
+                      <m:r>
+                        <a:rPr lang="en-US" altLang="ja-JP" sz="2400" i="1" smtClean="0">
+                          <a:latin typeface="Cambria Math" charset="0"/>
+                        </a:rPr>
+                        <m:t>𝑄</m:t>
+                      </m:r>
+                      <m:d>
+                        <m:dPr>
+                          <m:ctrlPr>
+                            <a:rPr lang="en-US" altLang="ja-JP" sz="2400" i="1">
+                              <a:latin typeface="Cambria Math" charset="0"/>
+                            </a:rPr>
+                          </m:ctrlPr>
+                        </m:dPr>
+                        <m:e>
+                          <m:sSub>
+                            <m:sSubPr>
+                              <m:ctrlPr>
+                                <a:rPr lang="en-US" altLang="ja-JP" sz="2400" i="1">
+                                  <a:latin typeface="Cambria Math" charset="0"/>
+                                </a:rPr>
+                              </m:ctrlPr>
+                            </m:sSubPr>
+                            <m:e>
+                              <m:r>
+                                <a:rPr lang="en-US" altLang="ja-JP" sz="2400" i="1">
+                                  <a:latin typeface="Cambria Math" charset="0"/>
+                                </a:rPr>
+                                <m:t>𝑠</m:t>
+                              </m:r>
+                            </m:e>
+                            <m:sub>
+                              <m:r>
+                                <a:rPr lang="en-US" altLang="ja-JP" sz="2400" i="1">
+                                  <a:latin typeface="Cambria Math" charset="0"/>
+                                </a:rPr>
+                                <m:t>𝑡</m:t>
+                              </m:r>
+                            </m:sub>
+                          </m:sSub>
+                          <m:r>
+                            <a:rPr lang="en-US" altLang="ja-JP" sz="2400" i="1">
+                              <a:latin typeface="Cambria Math" charset="0"/>
+                            </a:rPr>
+                            <m:t>,</m:t>
+                          </m:r>
+                          <m:sSub>
+                            <m:sSubPr>
+                              <m:ctrlPr>
+                                <a:rPr lang="en-US" altLang="ja-JP" sz="2400" i="1">
+                                  <a:latin typeface="Cambria Math" charset="0"/>
+                                </a:rPr>
+                              </m:ctrlPr>
+                            </m:sSubPr>
+                            <m:e>
+                              <m:r>
+                                <a:rPr lang="en-US" altLang="ja-JP" sz="2400" i="1">
+                                  <a:latin typeface="Cambria Math" charset="0"/>
+                                </a:rPr>
+                                <m:t>𝑎</m:t>
+                              </m:r>
+                            </m:e>
+                            <m:sub>
+                              <m:r>
+                                <a:rPr lang="en-US" altLang="ja-JP" sz="2400" i="1">
+                                  <a:latin typeface="Cambria Math" charset="0"/>
+                                </a:rPr>
+                                <m:t>𝑡</m:t>
+                              </m:r>
+                            </m:sub>
+                          </m:sSub>
+                          <m:r>
+                            <a:rPr lang="en-US" altLang="ja-JP" sz="2400" b="0" i="1" smtClean="0">
+                              <a:latin typeface="Cambria Math" charset="0"/>
+                            </a:rPr>
+                            <m:t>;</m:t>
+                          </m:r>
+                          <m:sSub>
+                            <m:sSubPr>
+                              <m:ctrlPr>
+                                <a:rPr lang="en-US" altLang="ja-JP" sz="2400" b="0" i="1" smtClean="0">
+                                  <a:latin typeface="Cambria Math" charset="0"/>
+                                  <a:ea typeface="Cambria Math" charset="0"/>
+                                  <a:cs typeface="Cambria Math" charset="0"/>
+                                </a:rPr>
+                              </m:ctrlPr>
+                            </m:sSubPr>
+                            <m:e>
+                              <m:r>
+                                <a:rPr lang="en-US" altLang="ja-JP" sz="2400" b="0" i="1" smtClean="0">
+                                  <a:latin typeface="Cambria Math" charset="0"/>
+                                  <a:ea typeface="Cambria Math" charset="0"/>
+                                  <a:cs typeface="Cambria Math" charset="0"/>
+                                </a:rPr>
+                                <m:t>𝜃</m:t>
+                              </m:r>
+                            </m:e>
+                            <m:sub>
+                              <m:r>
+                                <a:rPr lang="en-US" altLang="ja-JP" sz="2400" b="0" i="1" smtClean="0">
+                                  <a:latin typeface="Cambria Math" charset="0"/>
+                                  <a:ea typeface="Cambria Math" charset="0"/>
+                                  <a:cs typeface="Cambria Math" charset="0"/>
+                                </a:rPr>
+                                <m:t>𝑡</m:t>
+                              </m:r>
+                            </m:sub>
+                          </m:sSub>
+                        </m:e>
+                      </m:d>
+                    </m:oMath>
+                  </m:oMathPara>
+                </a14:m>
+                <a:endParaRPr kumimoji="1" lang="ja-JP" altLang="en-US" sz="2400" dirty="0"/>
+              </a:p>
+            </p:txBody>
+          </p:sp>
+        </mc:Choice>
+        <mc:Fallback>
+          <p:sp>
+            <p:nvSpPr>
+              <p:cNvPr id="5" name="テキスト ボックス 4"/>
+              <p:cNvSpPr txBox="1">
+                <a:spLocks noRot="1" noChangeAspect="1" noMove="1" noResize="1" noEditPoints="1" noAdjustHandles="1" noChangeArrowheads="1" noChangeShapeType="1" noTextEdit="1"/>
+              </p:cNvSpPr>
+              <p:nvPr/>
+            </p:nvSpPr>
+            <p:spPr>
+              <a:xfrm>
+                <a:off x="1502975" y="2883278"/>
+                <a:ext cx="9942787" cy="577530"/>
+              </a:xfrm>
+              <a:prstGeom prst="rect">
+                <a:avLst/>
+              </a:prstGeom>
+              <a:blipFill rotWithShape="0">
+                <a:blip r:embed="rId4"/>
+                <a:stretch>
+                  <a:fillRect/>
+                </a:stretch>
+              </a:blipFill>
+            </p:spPr>
+            <p:txBody>
+              <a:bodyPr/>
+              <a:lstStyle/>
+              <a:p>
+                <a:r>
+                  <a:rPr lang="ja-JP" altLang="en-US">
+                    <a:noFill/>
+                  </a:rPr>
+                  <a:t> </a:t>
+                </a:r>
+              </a:p>
+            </p:txBody>
+          </p:sp>
+        </mc:Fallback>
+      </mc:AlternateContent>
+      <p:cxnSp>
+        <p:nvCxnSpPr>
+          <p:cNvPr id="7" name="直線コネクタ 6"/>
+          <p:cNvCxnSpPr/>
+          <p:nvPr/>
+        </p:nvCxnSpPr>
+        <p:spPr>
+          <a:xfrm flipV="1">
+            <a:off x="325821" y="6053959"/>
+            <a:ext cx="11317014" cy="31531"/>
+          </a:xfrm>
+          <a:prstGeom prst="line">
+            <a:avLst/>
+          </a:prstGeom>
+        </p:spPr>
+        <p:style>
+          <a:lnRef idx="1">
+            <a:schemeClr val="accent1"/>
+          </a:lnRef>
+          <a:fillRef idx="0">
+            <a:schemeClr val="accent1"/>
+          </a:fillRef>
+          <a:effectRef idx="0">
+            <a:schemeClr val="accent1"/>
+          </a:effectRef>
+          <a:fontRef idx="minor">
+            <a:schemeClr val="tx1"/>
+          </a:fontRef>
+        </p:style>
+      </p:cxnSp>
+      <p:sp>
+        <p:nvSpPr>
+          <p:cNvPr id="10" name="テキスト ボックス 9"/>
+          <p:cNvSpPr txBox="1"/>
+          <p:nvPr/>
+        </p:nvSpPr>
+        <p:spPr>
+          <a:xfrm>
+            <a:off x="168165" y="6167546"/>
+            <a:ext cx="9350637" cy="923330"/>
+          </a:xfrm>
+          <a:prstGeom prst="rect">
+            <a:avLst/>
+          </a:prstGeom>
+          <a:noFill/>
+        </p:spPr>
+        <p:txBody>
+          <a:bodyPr wrap="none" rtlCol="0">
+            <a:spAutoFit/>
+          </a:bodyPr>
+          <a:lstStyle/>
+          <a:p>
+            <a:r>
+              <a:rPr kumimoji="1" lang="en-US" altLang="ja-JP" dirty="0" smtClean="0"/>
+              <a:t>[1]</a:t>
+            </a:r>
+            <a:r>
+              <a:rPr lang="en-US" altLang="ja-JP" dirty="0"/>
+              <a:t> </a:t>
+            </a:r>
+            <a:r>
+              <a:rPr lang="en-US" altLang="ja-JP" dirty="0" err="1"/>
+              <a:t>Volodymyr</a:t>
+            </a:r>
+            <a:r>
+              <a:rPr lang="en-US" altLang="ja-JP" dirty="0"/>
+              <a:t> </a:t>
+            </a:r>
+            <a:r>
+              <a:rPr lang="en-US" altLang="ja-JP" dirty="0" err="1"/>
+              <a:t>Mnih</a:t>
+            </a:r>
+            <a:r>
+              <a:rPr lang="en-US" altLang="ja-JP" dirty="0"/>
+              <a:t> et al. Human-level control through deep </a:t>
+            </a:r>
+            <a:r>
+              <a:rPr lang="en-US" altLang="ja-JP" dirty="0" smtClean="0"/>
+              <a:t>rein-</a:t>
+            </a:r>
+            <a:r>
+              <a:rPr lang="en-US" altLang="ja-JP" dirty="0" err="1" smtClean="0"/>
+              <a:t>forcement</a:t>
+            </a:r>
+            <a:r>
+              <a:rPr lang="en-US" altLang="ja-JP" dirty="0" smtClean="0"/>
+              <a:t> </a:t>
+            </a:r>
+            <a:r>
+              <a:rPr lang="en-US" altLang="ja-JP" dirty="0"/>
+              <a:t>learning. </a:t>
+            </a:r>
+            <a:endParaRPr lang="en-US" altLang="ja-JP" dirty="0" smtClean="0"/>
+          </a:p>
+          <a:p>
+            <a:r>
+              <a:rPr lang="en-US" altLang="ja-JP" i="1" dirty="0" smtClean="0"/>
+              <a:t>      Nature</a:t>
+            </a:r>
+            <a:r>
+              <a:rPr lang="en-US" altLang="ja-JP" dirty="0"/>
+              <a:t>, Vol. 518, No. 7540, pp. 529–533, 02 2015. </a:t>
+            </a:r>
+            <a:endParaRPr lang="en-US" altLang="ja-JP" dirty="0" smtClean="0">
+              <a:effectLst/>
+            </a:endParaRPr>
+          </a:p>
+          <a:p>
+            <a:endParaRPr kumimoji="1" lang="ja-JP" altLang="en-US" dirty="0"/>
+          </a:p>
+        </p:txBody>
+      </p:sp>
+      <mc:AlternateContent xmlns:mc="http://schemas.openxmlformats.org/markup-compatibility/2006">
+        <mc:Choice xmlns:a14="http://schemas.microsoft.com/office/drawing/2010/main" Requires="a14">
+          <p:sp>
+            <p:nvSpPr>
+              <p:cNvPr id="14" name="コンテンツ プレースホルダー 2"/>
+              <p:cNvSpPr txBox="1">
+                <a:spLocks/>
+              </p:cNvSpPr>
+              <p:nvPr/>
+            </p:nvSpPr>
+            <p:spPr>
+              <a:xfrm>
+                <a:off x="838200" y="4852605"/>
+                <a:ext cx="10515600" cy="1314941"/>
+              </a:xfrm>
+              <a:prstGeom prst="rect">
+                <a:avLst/>
+              </a:prstGeom>
+            </p:spPr>
+            <p:txBody>
+              <a:bodyPr vert="horz" lIns="91440" tIns="45720" rIns="91440" bIns="45720" rtlCol="0">
+                <a:normAutofit/>
+              </a:bodyPr>
+              <a:lstStyle>
+                <a:lvl1pPr marL="228600" indent="-228600" algn="l" defTabSz="914400" rtl="0" eaLnBrk="1" latinLnBrk="0" hangingPunct="1">
+                  <a:lnSpc>
+                    <a:spcPct val="90000"/>
+                  </a:lnSpc>
+                  <a:spcBef>
+                    <a:spcPts val="1000"/>
+                  </a:spcBef>
+                  <a:buFont typeface="Arial"/>
+                  <a:buChar char="•"/>
+                  <a:defRPr kumimoji="1" sz="2800" kern="1200">
+                    <a:solidFill>
+                      <a:schemeClr val="tx1"/>
+                    </a:solidFill>
+                    <a:latin typeface="+mn-lt"/>
+                    <a:ea typeface="+mn-ea"/>
+                    <a:cs typeface="+mn-cs"/>
+                  </a:defRPr>
+                </a:lvl1pPr>
+                <a:lvl2pPr marL="685800" indent="-228600" algn="l" defTabSz="914400" rtl="0" eaLnBrk="1" latinLnBrk="0" hangingPunct="1">
+                  <a:lnSpc>
+                    <a:spcPct val="90000"/>
+                  </a:lnSpc>
+                  <a:spcBef>
+                    <a:spcPts val="500"/>
+                  </a:spcBef>
+                  <a:buFont typeface="Arial"/>
+                  <a:buChar char="•"/>
+                  <a:defRPr kumimoji="1" sz="2400" kern="1200">
+                    <a:solidFill>
+                      <a:schemeClr val="tx1"/>
+                    </a:solidFill>
+                    <a:latin typeface="+mn-lt"/>
+                    <a:ea typeface="+mn-ea"/>
+                    <a:cs typeface="+mn-cs"/>
+                  </a:defRPr>
+                </a:lvl2pPr>
+                <a:lvl3pPr marL="1143000" indent="-228600" algn="l" defTabSz="914400" rtl="0" eaLnBrk="1" latinLnBrk="0" hangingPunct="1">
+                  <a:lnSpc>
+                    <a:spcPct val="90000"/>
+                  </a:lnSpc>
+                  <a:spcBef>
+                    <a:spcPts val="500"/>
+                  </a:spcBef>
+                  <a:buFont typeface="Arial"/>
+                  <a:buChar char="•"/>
+                  <a:defRPr kumimoji="1" sz="2000" kern="1200">
+                    <a:solidFill>
+                      <a:schemeClr val="tx1"/>
+                    </a:solidFill>
+                    <a:latin typeface="+mn-lt"/>
+                    <a:ea typeface="+mn-ea"/>
+                    <a:cs typeface="+mn-cs"/>
+                  </a:defRPr>
+                </a:lvl3pPr>
+                <a:lvl4pPr marL="1600200" indent="-228600" algn="l" defTabSz="914400" rtl="0" eaLnBrk="1" latinLnBrk="0" hangingPunct="1">
+                  <a:lnSpc>
+                    <a:spcPct val="90000"/>
+                  </a:lnSpc>
+                  <a:spcBef>
+                    <a:spcPts val="500"/>
+                  </a:spcBef>
+                  <a:buFont typeface="Arial"/>
+                  <a:buChar char="•"/>
+                  <a:defRPr kumimoji="1" sz="1800" kern="1200">
+                    <a:solidFill>
+                      <a:schemeClr val="tx1"/>
+                    </a:solidFill>
+                    <a:latin typeface="+mn-lt"/>
+                    <a:ea typeface="+mn-ea"/>
+                    <a:cs typeface="+mn-cs"/>
+                  </a:defRPr>
+                </a:lvl4pPr>
+                <a:lvl5pPr marL="2057400" indent="-228600" algn="l" defTabSz="914400" rtl="0" eaLnBrk="1" latinLnBrk="0" hangingPunct="1">
+                  <a:lnSpc>
+                    <a:spcPct val="90000"/>
+                  </a:lnSpc>
+                  <a:spcBef>
+                    <a:spcPts val="500"/>
+                  </a:spcBef>
+                  <a:buFont typeface="Arial"/>
+                  <a:buChar char="•"/>
+                  <a:defRPr kumimoji="1" sz="1800" kern="1200">
+                    <a:solidFill>
+                      <a:schemeClr val="tx1"/>
+                    </a:solidFill>
+                    <a:latin typeface="+mn-lt"/>
+                    <a:ea typeface="+mn-ea"/>
+                    <a:cs typeface="+mn-cs"/>
+                  </a:defRPr>
+                </a:lvl5pPr>
+                <a:lvl6pPr marL="2514600" indent="-228600" algn="l" defTabSz="914400" rtl="0" eaLnBrk="1" latinLnBrk="0" hangingPunct="1">
+                  <a:lnSpc>
+                    <a:spcPct val="90000"/>
+                  </a:lnSpc>
+                  <a:spcBef>
+                    <a:spcPts val="500"/>
+                  </a:spcBef>
+                  <a:buFont typeface="Arial"/>
+                  <a:buChar char="•"/>
+                  <a:defRPr kumimoji="1" sz="1800" kern="1200">
+                    <a:solidFill>
+                      <a:schemeClr val="tx1"/>
+                    </a:solidFill>
+                    <a:latin typeface="+mn-lt"/>
+                    <a:ea typeface="+mn-ea"/>
+                    <a:cs typeface="+mn-cs"/>
+                  </a:defRPr>
+                </a:lvl6pPr>
+                <a:lvl7pPr marL="2971800" indent="-228600" algn="l" defTabSz="914400" rtl="0" eaLnBrk="1" latinLnBrk="0" hangingPunct="1">
+                  <a:lnSpc>
+                    <a:spcPct val="90000"/>
+                  </a:lnSpc>
+                  <a:spcBef>
+                    <a:spcPts val="500"/>
+                  </a:spcBef>
+                  <a:buFont typeface="Arial"/>
+                  <a:buChar char="•"/>
+                  <a:defRPr kumimoji="1" sz="1800" kern="1200">
+                    <a:solidFill>
+                      <a:schemeClr val="tx1"/>
+                    </a:solidFill>
+                    <a:latin typeface="+mn-lt"/>
+                    <a:ea typeface="+mn-ea"/>
+                    <a:cs typeface="+mn-cs"/>
+                  </a:defRPr>
+                </a:lvl7pPr>
+                <a:lvl8pPr marL="3429000" indent="-228600" algn="l" defTabSz="914400" rtl="0" eaLnBrk="1" latinLnBrk="0" hangingPunct="1">
+                  <a:lnSpc>
+                    <a:spcPct val="90000"/>
+                  </a:lnSpc>
+                  <a:spcBef>
+                    <a:spcPts val="500"/>
+                  </a:spcBef>
+                  <a:buFont typeface="Arial"/>
+                  <a:buChar char="•"/>
+                  <a:defRPr kumimoji="1" sz="1800" kern="1200">
+                    <a:solidFill>
+                      <a:schemeClr val="tx1"/>
+                    </a:solidFill>
+                    <a:latin typeface="+mn-lt"/>
+                    <a:ea typeface="+mn-ea"/>
+                    <a:cs typeface="+mn-cs"/>
+                  </a:defRPr>
+                </a:lvl8pPr>
+                <a:lvl9pPr marL="3886200" indent="-228600" algn="l" defTabSz="914400" rtl="0" eaLnBrk="1" latinLnBrk="0" hangingPunct="1">
+                  <a:lnSpc>
+                    <a:spcPct val="90000"/>
+                  </a:lnSpc>
+                  <a:spcBef>
+                    <a:spcPts val="500"/>
+                  </a:spcBef>
+                  <a:buFont typeface="Arial"/>
+                  <a:buChar char="•"/>
+                  <a:defRPr kumimoji="1" sz="1800" kern="1200">
+                    <a:solidFill>
+                      <a:schemeClr val="tx1"/>
+                    </a:solidFill>
+                    <a:latin typeface="+mn-lt"/>
+                    <a:ea typeface="+mn-ea"/>
+                    <a:cs typeface="+mn-cs"/>
+                  </a:defRPr>
+                </a:lvl9pPr>
+              </a:lstStyle>
+              <a:p>
+                <a:r>
+                  <a:rPr lang="ja-JP" altLang="en-US" dirty="0" smtClean="0">
+                    <a:solidFill>
+                      <a:srgbClr val="FF0000"/>
+                    </a:solidFill>
+                  </a:rPr>
+                  <a:t>ゲーム内</a:t>
+                </a:r>
+                <a:r>
+                  <a:rPr lang="en-US" altLang="ja-JP" dirty="0" smtClean="0">
+                    <a:solidFill>
+                      <a:srgbClr val="FF0000"/>
+                    </a:solidFill>
+                  </a:rPr>
+                  <a:t>AI</a:t>
+                </a:r>
+                <a:r>
+                  <a:rPr lang="ja-JP" altLang="en-US" dirty="0" smtClean="0">
+                    <a:solidFill>
+                      <a:srgbClr val="FF0000"/>
+                    </a:solidFill>
+                  </a:rPr>
+                  <a:t>との対戦</a:t>
+                </a:r>
+                <a:r>
+                  <a:rPr lang="ja-JP" altLang="en-US" dirty="0" smtClean="0"/>
+                  <a:t>で戦術を学習</a:t>
+                </a:r>
+                <a:endParaRPr lang="en-US" altLang="ja-JP" dirty="0" smtClean="0"/>
+              </a:p>
+              <a:p>
+                <a:r>
+                  <a:rPr lang="ja-JP" altLang="en-US" dirty="0" smtClean="0"/>
+                  <a:t>報酬</a:t>
+                </a:r>
+                <a14:m>
+                  <m:oMath xmlns:m="http://schemas.openxmlformats.org/officeDocument/2006/math">
+                    <m:sSub>
+                      <m:sSubPr>
+                        <m:ctrlPr>
+                          <a:rPr lang="en-US" altLang="ja-JP" b="0" i="1" smtClean="0">
+                            <a:latin typeface="Cambria Math" charset="0"/>
+                            <a:ea typeface="Cambria Math" charset="0"/>
+                            <a:cs typeface="Cambria Math" charset="0"/>
+                          </a:rPr>
+                        </m:ctrlPr>
+                      </m:sSubPr>
+                      <m:e>
+                        <m:r>
+                          <a:rPr lang="en-US" altLang="ja-JP" b="0" i="1" smtClean="0">
+                            <a:latin typeface="Cambria Math" charset="0"/>
+                            <a:ea typeface="Cambria Math" charset="0"/>
+                            <a:cs typeface="Cambria Math" charset="0"/>
+                          </a:rPr>
+                          <m:t>𝑅</m:t>
+                        </m:r>
+                      </m:e>
+                      <m:sub>
+                        <m:r>
+                          <a:rPr lang="en-US" altLang="ja-JP" b="0" i="1" smtClean="0">
+                            <a:latin typeface="Cambria Math" charset="0"/>
+                            <a:ea typeface="Cambria Math" charset="0"/>
+                            <a:cs typeface="Cambria Math" charset="0"/>
+                          </a:rPr>
+                          <m:t>𝑡</m:t>
+                        </m:r>
+                        <m:r>
+                          <a:rPr lang="en-US" altLang="ja-JP" b="0" i="1" smtClean="0">
+                            <a:latin typeface="Cambria Math" charset="0"/>
+                            <a:ea typeface="Cambria Math" charset="0"/>
+                            <a:cs typeface="Cambria Math" charset="0"/>
+                          </a:rPr>
+                          <m:t>+1</m:t>
+                        </m:r>
+                      </m:sub>
+                    </m:sSub>
+                  </m:oMath>
+                </a14:m>
+                <a:r>
+                  <a:rPr lang="en-US" altLang="ja-JP" dirty="0" smtClean="0"/>
+                  <a:t>: (</a:t>
+                </a:r>
+                <a:r>
+                  <a:rPr lang="ja-JP" altLang="en-US" dirty="0" smtClean="0"/>
+                  <a:t>自スコア</a:t>
+                </a:r>
+                <a:r>
+                  <a:rPr lang="en-US" altLang="ja-JP" dirty="0" smtClean="0"/>
+                  <a:t>-</a:t>
+                </a:r>
+                <a:r>
+                  <a:rPr lang="ja-JP" altLang="en-US" dirty="0" smtClean="0"/>
+                  <a:t>相手スコア</a:t>
+                </a:r>
+                <a:r>
+                  <a:rPr lang="en-US" altLang="ja-JP" dirty="0" smtClean="0"/>
+                  <a:t>)</a:t>
+                </a:r>
+                <a:r>
+                  <a:rPr lang="ja-JP" altLang="en-US" dirty="0" smtClean="0"/>
+                  <a:t>の変化</a:t>
+                </a:r>
+                <a:endParaRPr lang="ja-JP" altLang="en-US" dirty="0"/>
+              </a:p>
+            </p:txBody>
+          </p:sp>
+        </mc:Choice>
+        <mc:Fallback>
+          <p:sp>
+            <p:nvSpPr>
+              <p:cNvPr id="14" name="コンテンツ プレースホルダー 2"/>
+              <p:cNvSpPr txBox="1">
+                <a:spLocks noRot="1" noChangeAspect="1" noMove="1" noResize="1" noEditPoints="1" noAdjustHandles="1" noChangeArrowheads="1" noChangeShapeType="1" noTextEdit="1"/>
+              </p:cNvSpPr>
+              <p:nvPr/>
+            </p:nvSpPr>
+            <p:spPr>
+              <a:xfrm>
+                <a:off x="838200" y="4852605"/>
+                <a:ext cx="10515600" cy="1314941"/>
+              </a:xfrm>
+              <a:prstGeom prst="rect">
+                <a:avLst/>
+              </a:prstGeom>
+              <a:blipFill rotWithShape="0">
+                <a:blip r:embed="rId5"/>
+                <a:stretch>
+                  <a:fillRect l="-1043" t="-7870"/>
+                </a:stretch>
+              </a:blipFill>
+            </p:spPr>
+            <p:txBody>
+              <a:bodyPr/>
+              <a:lstStyle/>
+              <a:p>
+                <a:r>
+                  <a:rPr lang="ja-JP" altLang="en-US">
+                    <a:noFill/>
+                  </a:rPr>
+                  <a:t> </a:t>
+                </a:r>
+              </a:p>
+            </p:txBody>
+          </p:sp>
+        </mc:Fallback>
+      </mc:AlternateContent>
+    </p:spTree>
+    <p:extLst>
+      <p:ext uri="{BB962C8B-B14F-4D97-AF65-F5344CB8AC3E}">
+        <p14:creationId xmlns:p14="http://schemas.microsoft.com/office/powerpoint/2010/main" val="1170155946"/>
+      </p:ext>
+    </p:extLst>
+  </p:cSld>
+  <p:clrMapOvr>
+    <a:masterClrMapping/>
+  </p:clrMapOvr>
+  <p:timing>
+    <p:tnLst>
+      <p:par>
+        <p:cTn id="1" dur="indefinite" restart="never" nodeType="tmRoot"/>
+      </p:par>
+    </p:tnLst>
+  </p:timing>
+</p:sld>
+</file>
+
+<file path=ppt/slides/slide2.xml><?xml version="1.0" encoding="utf-8"?>
+<p:sld xmlns:a="http://schemas.openxmlformats.org/drawingml/2006/main" xmlns:r="http://schemas.openxmlformats.org/officeDocument/2006/relationships" xmlns:p="http://schemas.openxmlformats.org/presentationml/2006/main">
+  <p:cSld>
+    <p:spTree>
+      <p:nvGrpSpPr>
+        <p:cNvPr id="1" name=""/>
+        <p:cNvGrpSpPr/>
+        <p:nvPr/>
+      </p:nvGrpSpPr>
+      <p:grpSpPr>
+        <a:xfrm>
+          <a:off x="0" y="0"/>
+          <a:ext cx="0" cy="0"/>
+          <a:chOff x="0" y="0"/>
+          <a:chExt cx="0" cy="0"/>
+        </a:xfrm>
+      </p:grpSpPr>
+      <p:sp>
+        <p:nvSpPr>
+          <p:cNvPr id="2" name="タイトル 1"/>
+          <p:cNvSpPr>
+            <a:spLocks noGrp="1"/>
+          </p:cNvSpPr>
+          <p:nvPr>
+            <p:ph type="title"/>
+          </p:nvPr>
+        </p:nvSpPr>
+        <p:spPr/>
+        <p:txBody>
+          <a:bodyPr/>
+          <a:lstStyle/>
+          <a:p>
+            <a:r>
               <a:rPr kumimoji="1" lang="ja-JP" altLang="en-US" dirty="0" smtClean="0"/>
-              <a:t>対戦結果</a:t>
+              <a:t>背景：ゲーム</a:t>
+            </a:r>
+            <a:r>
+              <a:rPr kumimoji="1" lang="en-US" altLang="ja-JP" dirty="0" smtClean="0"/>
+              <a:t>AI</a:t>
+            </a:r>
+            <a:r>
+              <a:rPr kumimoji="1" lang="ja-JP" altLang="en-US" dirty="0" smtClean="0"/>
+              <a:t>の現状</a:t>
             </a:r>
             <a:endParaRPr kumimoji="1" lang="ja-JP" altLang="en-US" dirty="0"/>
           </a:p>
@@ -3598,21 +6063,2585 @@
             <p:ph idx="1"/>
           </p:nvPr>
         </p:nvSpPr>
+        <p:spPr>
+          <a:xfrm>
+            <a:off x="838200" y="1587062"/>
+            <a:ext cx="10515600" cy="1639614"/>
+          </a:xfrm>
+        </p:spPr>
+        <p:txBody>
+          <a:bodyPr>
+            <a:normAutofit/>
+          </a:bodyPr>
+          <a:lstStyle/>
+          <a:p>
+            <a:r>
+              <a:rPr kumimoji="1" lang="en-US" altLang="ja-JP" sz="3200" dirty="0" smtClean="0"/>
+              <a:t>AI</a:t>
+            </a:r>
+            <a:r>
+              <a:rPr kumimoji="1" lang="ja-JP" altLang="en-US" sz="3200" dirty="0" smtClean="0"/>
+              <a:t>がプロの人間プレイヤーに勝つ</a:t>
+            </a:r>
+            <a:endParaRPr kumimoji="1" lang="en-US" altLang="ja-JP" sz="3200" dirty="0" smtClean="0"/>
+          </a:p>
+          <a:p>
+            <a:pPr lvl="1"/>
+            <a:r>
+              <a:rPr kumimoji="1" lang="en-US" altLang="ja-JP" sz="2800" dirty="0" err="1" smtClean="0"/>
+              <a:t>AlphaGo</a:t>
+            </a:r>
+            <a:r>
+              <a:rPr kumimoji="1" lang="en-US" altLang="ja-JP" sz="2800" dirty="0" smtClean="0"/>
+              <a:t>……</a:t>
+            </a:r>
+            <a:r>
+              <a:rPr lang="ja-JP" altLang="en-US" sz="2800" dirty="0" smtClean="0"/>
+              <a:t>囲碁</a:t>
+            </a:r>
+            <a:endParaRPr kumimoji="1" lang="en-US" altLang="ja-JP" sz="2800" dirty="0" smtClean="0"/>
+          </a:p>
+          <a:p>
+            <a:pPr lvl="1"/>
+            <a:r>
+              <a:rPr lang="en-US" altLang="ja-JP" sz="2800" dirty="0" smtClean="0"/>
+              <a:t>DQN</a:t>
+            </a:r>
+            <a:r>
+              <a:rPr lang="en-US" altLang="ja-JP" sz="2800" dirty="0"/>
+              <a:t> </a:t>
+            </a:r>
+            <a:r>
+              <a:rPr lang="en-US" altLang="ja-JP" sz="2800" dirty="0" smtClean="0"/>
+              <a:t>……Atari 2600</a:t>
+            </a:r>
+            <a:r>
+              <a:rPr lang="ja-JP" altLang="en-US" sz="2800" dirty="0" smtClean="0"/>
+              <a:t>ゲームの</a:t>
+            </a:r>
+            <a:r>
+              <a:rPr lang="en-US" altLang="ja-JP" sz="2800" dirty="0" smtClean="0"/>
+              <a:t>29</a:t>
+            </a:r>
+            <a:r>
+              <a:rPr lang="ja-JP" altLang="en-US" sz="2800" dirty="0" smtClean="0"/>
+              <a:t>種類</a:t>
+            </a:r>
+            <a:endParaRPr lang="en-US" altLang="ja-JP" sz="2800" dirty="0" smtClean="0"/>
+          </a:p>
+        </p:txBody>
+      </p:sp>
+      <p:sp>
+        <p:nvSpPr>
+          <p:cNvPr id="4" name="コンテンツ プレースホルダー 2"/>
+          <p:cNvSpPr txBox="1">
+            <a:spLocks/>
+          </p:cNvSpPr>
+          <p:nvPr/>
+        </p:nvSpPr>
+        <p:spPr>
+          <a:xfrm>
+            <a:off x="2054884" y="4882611"/>
+            <a:ext cx="7183701" cy="1839312"/>
+          </a:xfrm>
+          <a:prstGeom prst="rect">
+            <a:avLst/>
+          </a:prstGeom>
+        </p:spPr>
+        <p:style>
+          <a:lnRef idx="2">
+            <a:schemeClr val="accent6"/>
+          </a:lnRef>
+          <a:fillRef idx="1">
+            <a:schemeClr val="lt1"/>
+          </a:fillRef>
+          <a:effectRef idx="0">
+            <a:schemeClr val="accent6"/>
+          </a:effectRef>
+          <a:fontRef idx="minor">
+            <a:schemeClr val="dk1"/>
+          </a:fontRef>
+        </p:style>
+        <p:txBody>
+          <a:bodyPr vert="horz" lIns="1080000" tIns="45720" rIns="91440" bIns="45720" rtlCol="0" anchor="ctr">
+            <a:normAutofit/>
+          </a:bodyPr>
+          <a:lstStyle>
+            <a:lvl1pPr marL="228600" indent="-228600" algn="l" defTabSz="914400" rtl="0" eaLnBrk="1" latinLnBrk="0" hangingPunct="1">
+              <a:lnSpc>
+                <a:spcPct val="90000"/>
+              </a:lnSpc>
+              <a:spcBef>
+                <a:spcPts val="1000"/>
+              </a:spcBef>
+              <a:buFont typeface="Arial"/>
+              <a:buChar char="•"/>
+              <a:defRPr kumimoji="1" sz="2800" kern="1200">
+                <a:solidFill>
+                  <a:schemeClr val="tx1"/>
+                </a:solidFill>
+                <a:latin typeface="+mn-lt"/>
+                <a:ea typeface="+mn-ea"/>
+                <a:cs typeface="+mn-cs"/>
+              </a:defRPr>
+            </a:lvl1pPr>
+            <a:lvl2pPr marL="685800" indent="-228600" algn="l" defTabSz="914400" rtl="0" eaLnBrk="1" latinLnBrk="0" hangingPunct="1">
+              <a:lnSpc>
+                <a:spcPct val="90000"/>
+              </a:lnSpc>
+              <a:spcBef>
+                <a:spcPts val="500"/>
+              </a:spcBef>
+              <a:buFont typeface="Arial"/>
+              <a:buChar char="•"/>
+              <a:defRPr kumimoji="1" sz="2400" kern="1200">
+                <a:solidFill>
+                  <a:schemeClr val="tx1"/>
+                </a:solidFill>
+                <a:latin typeface="+mn-lt"/>
+                <a:ea typeface="+mn-ea"/>
+                <a:cs typeface="+mn-cs"/>
+              </a:defRPr>
+            </a:lvl2pPr>
+            <a:lvl3pPr marL="1143000" indent="-228600" algn="l" defTabSz="914400" rtl="0" eaLnBrk="1" latinLnBrk="0" hangingPunct="1">
+              <a:lnSpc>
+                <a:spcPct val="90000"/>
+              </a:lnSpc>
+              <a:spcBef>
+                <a:spcPts val="500"/>
+              </a:spcBef>
+              <a:buFont typeface="Arial"/>
+              <a:buChar char="•"/>
+              <a:defRPr kumimoji="1" sz="2000" kern="1200">
+                <a:solidFill>
+                  <a:schemeClr val="tx1"/>
+                </a:solidFill>
+                <a:latin typeface="+mn-lt"/>
+                <a:ea typeface="+mn-ea"/>
+                <a:cs typeface="+mn-cs"/>
+              </a:defRPr>
+            </a:lvl3pPr>
+            <a:lvl4pPr marL="1600200" indent="-228600" algn="l" defTabSz="914400" rtl="0" eaLnBrk="1" latinLnBrk="0" hangingPunct="1">
+              <a:lnSpc>
+                <a:spcPct val="90000"/>
+              </a:lnSpc>
+              <a:spcBef>
+                <a:spcPts val="500"/>
+              </a:spcBef>
+              <a:buFont typeface="Arial"/>
+              <a:buChar char="•"/>
+              <a:defRPr kumimoji="1" sz="1800" kern="1200">
+                <a:solidFill>
+                  <a:schemeClr val="tx1"/>
+                </a:solidFill>
+                <a:latin typeface="+mn-lt"/>
+                <a:ea typeface="+mn-ea"/>
+                <a:cs typeface="+mn-cs"/>
+              </a:defRPr>
+            </a:lvl4pPr>
+            <a:lvl5pPr marL="2057400" indent="-228600" algn="l" defTabSz="914400" rtl="0" eaLnBrk="1" latinLnBrk="0" hangingPunct="1">
+              <a:lnSpc>
+                <a:spcPct val="90000"/>
+              </a:lnSpc>
+              <a:spcBef>
+                <a:spcPts val="500"/>
+              </a:spcBef>
+              <a:buFont typeface="Arial"/>
+              <a:buChar char="•"/>
+              <a:defRPr kumimoji="1" sz="1800" kern="1200">
+                <a:solidFill>
+                  <a:schemeClr val="tx1"/>
+                </a:solidFill>
+                <a:latin typeface="+mn-lt"/>
+                <a:ea typeface="+mn-ea"/>
+                <a:cs typeface="+mn-cs"/>
+              </a:defRPr>
+            </a:lvl5pPr>
+            <a:lvl6pPr marL="2514600" indent="-228600" algn="l" defTabSz="914400" rtl="0" eaLnBrk="1" latinLnBrk="0" hangingPunct="1">
+              <a:lnSpc>
+                <a:spcPct val="90000"/>
+              </a:lnSpc>
+              <a:spcBef>
+                <a:spcPts val="500"/>
+              </a:spcBef>
+              <a:buFont typeface="Arial"/>
+              <a:buChar char="•"/>
+              <a:defRPr kumimoji="1" sz="1800" kern="1200">
+                <a:solidFill>
+                  <a:schemeClr val="tx1"/>
+                </a:solidFill>
+                <a:latin typeface="+mn-lt"/>
+                <a:ea typeface="+mn-ea"/>
+                <a:cs typeface="+mn-cs"/>
+              </a:defRPr>
+            </a:lvl6pPr>
+            <a:lvl7pPr marL="2971800" indent="-228600" algn="l" defTabSz="914400" rtl="0" eaLnBrk="1" latinLnBrk="0" hangingPunct="1">
+              <a:lnSpc>
+                <a:spcPct val="90000"/>
+              </a:lnSpc>
+              <a:spcBef>
+                <a:spcPts val="500"/>
+              </a:spcBef>
+              <a:buFont typeface="Arial"/>
+              <a:buChar char="•"/>
+              <a:defRPr kumimoji="1" sz="1800" kern="1200">
+                <a:solidFill>
+                  <a:schemeClr val="tx1"/>
+                </a:solidFill>
+                <a:latin typeface="+mn-lt"/>
+                <a:ea typeface="+mn-ea"/>
+                <a:cs typeface="+mn-cs"/>
+              </a:defRPr>
+            </a:lvl7pPr>
+            <a:lvl8pPr marL="3429000" indent="-228600" algn="l" defTabSz="914400" rtl="0" eaLnBrk="1" latinLnBrk="0" hangingPunct="1">
+              <a:lnSpc>
+                <a:spcPct val="90000"/>
+              </a:lnSpc>
+              <a:spcBef>
+                <a:spcPts val="500"/>
+              </a:spcBef>
+              <a:buFont typeface="Arial"/>
+              <a:buChar char="•"/>
+              <a:defRPr kumimoji="1" sz="1800" kern="1200">
+                <a:solidFill>
+                  <a:schemeClr val="tx1"/>
+                </a:solidFill>
+                <a:latin typeface="+mn-lt"/>
+                <a:ea typeface="+mn-ea"/>
+                <a:cs typeface="+mn-cs"/>
+              </a:defRPr>
+            </a:lvl8pPr>
+            <a:lvl9pPr marL="3886200" indent="-228600" algn="l" defTabSz="914400" rtl="0" eaLnBrk="1" latinLnBrk="0" hangingPunct="1">
+              <a:lnSpc>
+                <a:spcPct val="90000"/>
+              </a:lnSpc>
+              <a:spcBef>
+                <a:spcPts val="500"/>
+              </a:spcBef>
+              <a:buFont typeface="Arial"/>
+              <a:buChar char="•"/>
+              <a:defRPr kumimoji="1" sz="1800" kern="1200">
+                <a:solidFill>
+                  <a:schemeClr val="tx1"/>
+                </a:solidFill>
+                <a:latin typeface="+mn-lt"/>
+                <a:ea typeface="+mn-ea"/>
+                <a:cs typeface="+mn-cs"/>
+              </a:defRPr>
+            </a:lvl9pPr>
+          </a:lstStyle>
+          <a:p>
+            <a:r>
+              <a:rPr lang="ja-JP" altLang="en-US" dirty="0" smtClean="0"/>
+              <a:t>内部処理がブラックボックス</a:t>
+            </a:r>
+            <a:endParaRPr lang="en-US" altLang="ja-JP" dirty="0"/>
+          </a:p>
+          <a:p>
+            <a:r>
+              <a:rPr lang="ja-JP" altLang="en-US" dirty="0" smtClean="0"/>
+              <a:t>処理、挙動の解釈が難しい</a:t>
+            </a:r>
+            <a:endParaRPr lang="en-US" altLang="ja-JP" dirty="0" smtClean="0"/>
+          </a:p>
+          <a:p>
+            <a:r>
+              <a:rPr lang="ja-JP" altLang="en-US" dirty="0" smtClean="0"/>
+              <a:t>学習結果の再利用が難しい</a:t>
+            </a:r>
+            <a:endParaRPr lang="en-US" altLang="ja-JP" dirty="0" smtClean="0"/>
+          </a:p>
+        </p:txBody>
+      </p:sp>
+      <p:sp>
+        <p:nvSpPr>
+          <p:cNvPr id="6" name="円/楕円 5"/>
+          <p:cNvSpPr/>
+          <p:nvPr/>
+        </p:nvSpPr>
+        <p:spPr>
+          <a:xfrm>
+            <a:off x="1035382" y="4478788"/>
+            <a:ext cx="2039007" cy="882869"/>
+          </a:xfrm>
+          <a:prstGeom prst="ellipse">
+            <a:avLst/>
+          </a:prstGeom>
+        </p:spPr>
+        <p:style>
+          <a:lnRef idx="3">
+            <a:schemeClr val="lt1"/>
+          </a:lnRef>
+          <a:fillRef idx="1">
+            <a:schemeClr val="accent6"/>
+          </a:fillRef>
+          <a:effectRef idx="1">
+            <a:schemeClr val="accent6"/>
+          </a:effectRef>
+          <a:fontRef idx="minor">
+            <a:schemeClr val="lt1"/>
+          </a:fontRef>
+        </p:style>
+        <p:txBody>
+          <a:bodyPr rtlCol="0" anchor="ctr"/>
+          <a:lstStyle/>
+          <a:p>
+            <a:pPr algn="ctr"/>
+            <a:r>
+              <a:rPr kumimoji="1" lang="ja-JP" altLang="en-US" sz="3200" smtClean="0"/>
+              <a:t>問題</a:t>
+            </a:r>
+            <a:endParaRPr kumimoji="1" lang="ja-JP" altLang="en-US" sz="3200"/>
+          </a:p>
+        </p:txBody>
+      </p:sp>
+      <p:sp>
+        <p:nvSpPr>
+          <p:cNvPr id="8" name="曲折矢印 7"/>
+          <p:cNvSpPr/>
+          <p:nvPr/>
+        </p:nvSpPr>
+        <p:spPr>
+          <a:xfrm rot="16200000">
+            <a:off x="1102055" y="2999880"/>
+            <a:ext cx="875506" cy="1030157"/>
+          </a:xfrm>
+          <a:prstGeom prst="bentArrow">
+            <a:avLst>
+              <a:gd name="adj1" fmla="val 28602"/>
+              <a:gd name="adj2" fmla="val 37605"/>
+              <a:gd name="adj3" fmla="val 43008"/>
+              <a:gd name="adj4" fmla="val 37747"/>
+            </a:avLst>
+          </a:prstGeom>
+        </p:spPr>
+        <p:style>
+          <a:lnRef idx="2">
+            <a:schemeClr val="accent1">
+              <a:shade val="50000"/>
+            </a:schemeClr>
+          </a:lnRef>
+          <a:fillRef idx="1">
+            <a:schemeClr val="accent1"/>
+          </a:fillRef>
+          <a:effectRef idx="0">
+            <a:schemeClr val="accent1"/>
+          </a:effectRef>
+          <a:fontRef idx="minor">
+            <a:schemeClr val="lt1"/>
+          </a:fontRef>
+        </p:style>
+        <p:txBody>
+          <a:bodyPr rtlCol="0" anchor="ctr"/>
+          <a:lstStyle/>
+          <a:p>
+            <a:pPr algn="ctr"/>
+            <a:endParaRPr kumimoji="1" lang="ja-JP" altLang="en-US">
+              <a:solidFill>
+                <a:schemeClr val="tx1"/>
+              </a:solidFill>
+            </a:endParaRPr>
+          </a:p>
+        </p:txBody>
+      </p:sp>
+      <p:sp>
+        <p:nvSpPr>
+          <p:cNvPr id="9" name="正方形/長方形 8"/>
+          <p:cNvSpPr/>
+          <p:nvPr/>
+        </p:nvSpPr>
+        <p:spPr>
+          <a:xfrm>
+            <a:off x="2293827" y="3546489"/>
+            <a:ext cx="6647974" cy="523220"/>
+          </a:xfrm>
+          <a:prstGeom prst="rect">
+            <a:avLst/>
+          </a:prstGeom>
+        </p:spPr>
+        <p:txBody>
+          <a:bodyPr wrap="none">
+            <a:spAutoFit/>
+          </a:bodyPr>
+          <a:lstStyle/>
+          <a:p>
+            <a:r>
+              <a:rPr lang="ja-JP" altLang="en-US" sz="2800" smtClean="0"/>
+              <a:t>機械学習（ディープラーニング）の発展</a:t>
+            </a:r>
+            <a:endParaRPr lang="en-US" altLang="ja-JP" sz="2800" dirty="0" smtClean="0"/>
+          </a:p>
+        </p:txBody>
+      </p:sp>
+      <p:pic>
+        <p:nvPicPr>
+          <p:cNvPr id="11" name="図 10"/>
+          <p:cNvPicPr>
+            <a:picLocks noChangeAspect="1"/>
+          </p:cNvPicPr>
+          <p:nvPr/>
+        </p:nvPicPr>
+        <p:blipFill>
+          <a:blip r:embed="rId2">
+            <a:extLst>
+              <a:ext uri="{28A0092B-C50C-407E-A947-70E740481C1C}">
+                <a14:useLocalDpi xmlns:a14="http://schemas.microsoft.com/office/drawing/2010/main" val="0"/>
+              </a:ext>
+            </a:extLst>
+          </a:blip>
+          <a:stretch>
+            <a:fillRect/>
+          </a:stretch>
+        </p:blipFill>
+        <p:spPr>
+          <a:xfrm>
+            <a:off x="8096907" y="463732"/>
+            <a:ext cx="3789824" cy="2453911"/>
+          </a:xfrm>
+          <a:prstGeom prst="rect">
+            <a:avLst/>
+          </a:prstGeom>
+        </p:spPr>
+      </p:pic>
+    </p:spTree>
+    <p:extLst>
+      <p:ext uri="{BB962C8B-B14F-4D97-AF65-F5344CB8AC3E}">
+        <p14:creationId xmlns:p14="http://schemas.microsoft.com/office/powerpoint/2010/main" val="536583430"/>
+      </p:ext>
+    </p:extLst>
+  </p:cSld>
+  <p:clrMapOvr>
+    <a:masterClrMapping/>
+  </p:clrMapOvr>
+  <p:timing>
+    <p:tnLst>
+      <p:par>
+        <p:cTn id="1" dur="indefinite" restart="never" nodeType="tmRoot"/>
+      </p:par>
+    </p:tnLst>
+  </p:timing>
+</p:sld>
+</file>
+
+<file path=ppt/slides/slide3.xml><?xml version="1.0" encoding="utf-8"?>
+<p:sld xmlns:a="http://schemas.openxmlformats.org/drawingml/2006/main" xmlns:r="http://schemas.openxmlformats.org/officeDocument/2006/relationships" xmlns:p="http://schemas.openxmlformats.org/presentationml/2006/main">
+  <p:cSld>
+    <p:spTree>
+      <p:nvGrpSpPr>
+        <p:cNvPr id="1" name=""/>
+        <p:cNvGrpSpPr/>
+        <p:nvPr/>
+      </p:nvGrpSpPr>
+      <p:grpSpPr>
+        <a:xfrm>
+          <a:off x="0" y="0"/>
+          <a:ext cx="0" cy="0"/>
+          <a:chOff x="0" y="0"/>
+          <a:chExt cx="0" cy="0"/>
+        </a:xfrm>
+      </p:grpSpPr>
+      <p:sp>
+        <p:nvSpPr>
+          <p:cNvPr id="2" name="タイトル 1"/>
+          <p:cNvSpPr>
+            <a:spLocks noGrp="1"/>
+          </p:cNvSpPr>
+          <p:nvPr>
+            <p:ph type="title"/>
+          </p:nvPr>
+        </p:nvSpPr>
         <p:spPr/>
         <p:txBody>
           <a:bodyPr/>
           <a:lstStyle/>
           <a:p>
             <a:r>
+              <a:rPr kumimoji="1" lang="ja-JP" altLang="en-US" dirty="0" smtClean="0"/>
+              <a:t>目的</a:t>
+            </a:r>
+            <a:endParaRPr kumimoji="1" lang="ja-JP" altLang="en-US" dirty="0"/>
+          </a:p>
+        </p:txBody>
+      </p:sp>
+      <p:sp>
+        <p:nvSpPr>
+          <p:cNvPr id="3" name="コンテンツ プレースホルダー 2"/>
+          <p:cNvSpPr>
+            <a:spLocks noGrp="1"/>
+          </p:cNvSpPr>
+          <p:nvPr>
+            <p:ph idx="1"/>
+          </p:nvPr>
+        </p:nvSpPr>
+        <p:spPr>
+          <a:xfrm>
+            <a:off x="838200" y="1446715"/>
+            <a:ext cx="10515600" cy="4162644"/>
+          </a:xfrm>
+        </p:spPr>
+        <p:txBody>
+          <a:bodyPr>
+            <a:normAutofit/>
+          </a:bodyPr>
+          <a:lstStyle/>
+          <a:p>
+            <a:pPr>
+              <a:lnSpc>
+                <a:spcPct val="100000"/>
+              </a:lnSpc>
+              <a:spcAft>
+                <a:spcPts val="1200"/>
+              </a:spcAft>
+            </a:pPr>
+            <a:r>
+              <a:rPr lang="ja-JP" altLang="en-US" sz="3200" dirty="0" smtClean="0"/>
+              <a:t>機械学習</a:t>
+            </a:r>
+            <a:r>
+              <a:rPr lang="en-US" altLang="ja-JP" sz="3200" dirty="0" smtClean="0"/>
+              <a:t>AI</a:t>
+            </a:r>
+          </a:p>
+          <a:p>
+            <a:pPr marL="457200" lvl="1" indent="0">
+              <a:lnSpc>
+                <a:spcPct val="100000"/>
+              </a:lnSpc>
+              <a:spcAft>
+                <a:spcPts val="1200"/>
+              </a:spcAft>
+              <a:buNone/>
+            </a:pPr>
+            <a:r>
+              <a:rPr lang="ja-JP" altLang="en-US" sz="2800" dirty="0" smtClean="0">
+                <a:solidFill>
+                  <a:srgbClr val="FF0000"/>
+                </a:solidFill>
+              </a:rPr>
+              <a:t>◯</a:t>
+            </a:r>
+            <a:r>
+              <a:rPr lang="en-US" altLang="ja-JP" sz="2800" dirty="0" smtClean="0"/>
+              <a:t> </a:t>
+            </a:r>
+            <a:r>
+              <a:rPr lang="ja-JP" altLang="en-US" sz="2800" dirty="0" smtClean="0"/>
+              <a:t>強い、事前知識不要</a:t>
+            </a:r>
+            <a:endParaRPr lang="en-US" altLang="ja-JP" sz="2800" dirty="0" smtClean="0"/>
+          </a:p>
+          <a:p>
+            <a:pPr marL="457200" lvl="1" indent="0">
+              <a:lnSpc>
+                <a:spcPct val="100000"/>
+              </a:lnSpc>
+              <a:spcAft>
+                <a:spcPts val="1200"/>
+              </a:spcAft>
+              <a:buNone/>
+            </a:pPr>
+            <a:r>
+              <a:rPr lang="en-US" altLang="ja-JP" sz="2800" dirty="0" smtClean="0">
+                <a:solidFill>
+                  <a:srgbClr val="0070C0"/>
+                </a:solidFill>
+              </a:rPr>
+              <a:t>×</a:t>
+            </a:r>
+            <a:r>
+              <a:rPr lang="en-US" altLang="ja-JP" sz="2800" dirty="0" smtClean="0"/>
+              <a:t> </a:t>
+            </a:r>
+            <a:r>
+              <a:rPr lang="ja-JP" altLang="en-US" sz="2800" dirty="0" smtClean="0"/>
+              <a:t>学習結果の解釈が難しい</a:t>
+            </a:r>
+            <a:endParaRPr lang="en-US" altLang="ja-JP" sz="2800" dirty="0"/>
+          </a:p>
+          <a:p>
+            <a:pPr>
+              <a:lnSpc>
+                <a:spcPct val="100000"/>
+              </a:lnSpc>
+              <a:spcAft>
+                <a:spcPts val="1200"/>
+              </a:spcAft>
+            </a:pPr>
+            <a:r>
+              <a:rPr lang="ja-JP" altLang="en-US" sz="3200" dirty="0" smtClean="0"/>
+              <a:t>ルールベース</a:t>
+            </a:r>
+            <a:r>
+              <a:rPr lang="en-US" altLang="ja-JP" sz="3200" dirty="0" smtClean="0"/>
+              <a:t>AI</a:t>
+            </a:r>
+          </a:p>
+          <a:p>
+            <a:pPr marL="457200" lvl="1" indent="0">
+              <a:lnSpc>
+                <a:spcPct val="100000"/>
+              </a:lnSpc>
+              <a:spcAft>
+                <a:spcPts val="1200"/>
+              </a:spcAft>
+              <a:buNone/>
+            </a:pPr>
+            <a:r>
+              <a:rPr lang="ja-JP" altLang="en-US" sz="2800" dirty="0" smtClean="0">
+                <a:solidFill>
+                  <a:srgbClr val="FF0000"/>
+                </a:solidFill>
+              </a:rPr>
+              <a:t>◯</a:t>
+            </a:r>
+            <a:r>
+              <a:rPr lang="en-US" altLang="ja-JP" sz="2800" dirty="0" smtClean="0"/>
+              <a:t> </a:t>
+            </a:r>
+            <a:r>
+              <a:rPr lang="ja-JP" altLang="en-US" sz="2800" dirty="0" smtClean="0"/>
+              <a:t>処理の解釈、改良が容易</a:t>
+            </a:r>
+            <a:endParaRPr lang="en-US" altLang="ja-JP" sz="2800" dirty="0" smtClean="0"/>
+          </a:p>
+          <a:p>
+            <a:pPr marL="457200" lvl="1" indent="0">
+              <a:lnSpc>
+                <a:spcPct val="100000"/>
+              </a:lnSpc>
+              <a:spcAft>
+                <a:spcPts val="1200"/>
+              </a:spcAft>
+              <a:buNone/>
+            </a:pPr>
+            <a:r>
+              <a:rPr lang="en-US" altLang="ja-JP" sz="2800" dirty="0" smtClean="0">
+                <a:solidFill>
+                  <a:srgbClr val="0070C0"/>
+                </a:solidFill>
+              </a:rPr>
+              <a:t>×</a:t>
+            </a:r>
+            <a:r>
+              <a:rPr lang="en-US" altLang="ja-JP" sz="2800" dirty="0" smtClean="0"/>
+              <a:t> </a:t>
+            </a:r>
+            <a:r>
+              <a:rPr lang="ja-JP" altLang="en-US" sz="2800" dirty="0" smtClean="0"/>
+              <a:t>知識のルール化が難しい</a:t>
+            </a:r>
+            <a:endParaRPr lang="en-US" altLang="ja-JP" sz="2800" dirty="0"/>
+          </a:p>
+        </p:txBody>
+      </p:sp>
+      <p:sp>
+        <p:nvSpPr>
+          <p:cNvPr id="6" name="コンテンツ プレースホルダー 2"/>
+          <p:cNvSpPr txBox="1">
+            <a:spLocks/>
+          </p:cNvSpPr>
+          <p:nvPr/>
+        </p:nvSpPr>
+        <p:spPr>
+          <a:xfrm>
+            <a:off x="2599996" y="5609359"/>
+            <a:ext cx="6992007" cy="909144"/>
+          </a:xfrm>
+          <a:prstGeom prst="rect">
+            <a:avLst/>
+          </a:prstGeom>
+        </p:spPr>
+        <p:style>
+          <a:lnRef idx="1">
+            <a:schemeClr val="accent6"/>
+          </a:lnRef>
+          <a:fillRef idx="2">
+            <a:schemeClr val="accent6"/>
+          </a:fillRef>
+          <a:effectRef idx="1">
+            <a:schemeClr val="accent6"/>
+          </a:effectRef>
+          <a:fontRef idx="minor">
+            <a:schemeClr val="dk1"/>
+          </a:fontRef>
+        </p:style>
+        <p:txBody>
+          <a:bodyPr vert="horz" lIns="91440" tIns="45720" rIns="91440" bIns="45720" rtlCol="0">
+            <a:normAutofit/>
+          </a:bodyPr>
+          <a:lstStyle>
+            <a:lvl1pPr marL="228600" indent="-228600" algn="l" defTabSz="914400" rtl="0" eaLnBrk="1" latinLnBrk="0" hangingPunct="1">
+              <a:lnSpc>
+                <a:spcPct val="90000"/>
+              </a:lnSpc>
+              <a:spcBef>
+                <a:spcPts val="1000"/>
+              </a:spcBef>
+              <a:buFont typeface="Arial"/>
+              <a:buChar char="•"/>
+              <a:defRPr kumimoji="1" sz="2800" kern="1200">
+                <a:solidFill>
+                  <a:schemeClr val="tx1"/>
+                </a:solidFill>
+                <a:latin typeface="+mn-lt"/>
+                <a:ea typeface="+mn-ea"/>
+                <a:cs typeface="+mn-cs"/>
+              </a:defRPr>
+            </a:lvl1pPr>
+            <a:lvl2pPr marL="685800" indent="-228600" algn="l" defTabSz="914400" rtl="0" eaLnBrk="1" latinLnBrk="0" hangingPunct="1">
+              <a:lnSpc>
+                <a:spcPct val="90000"/>
+              </a:lnSpc>
+              <a:spcBef>
+                <a:spcPts val="500"/>
+              </a:spcBef>
+              <a:buFont typeface="Arial"/>
+              <a:buChar char="•"/>
+              <a:defRPr kumimoji="1" sz="2400" kern="1200">
+                <a:solidFill>
+                  <a:schemeClr val="tx1"/>
+                </a:solidFill>
+                <a:latin typeface="+mn-lt"/>
+                <a:ea typeface="+mn-ea"/>
+                <a:cs typeface="+mn-cs"/>
+              </a:defRPr>
+            </a:lvl2pPr>
+            <a:lvl3pPr marL="1143000" indent="-228600" algn="l" defTabSz="914400" rtl="0" eaLnBrk="1" latinLnBrk="0" hangingPunct="1">
+              <a:lnSpc>
+                <a:spcPct val="90000"/>
+              </a:lnSpc>
+              <a:spcBef>
+                <a:spcPts val="500"/>
+              </a:spcBef>
+              <a:buFont typeface="Arial"/>
+              <a:buChar char="•"/>
+              <a:defRPr kumimoji="1" sz="2000" kern="1200">
+                <a:solidFill>
+                  <a:schemeClr val="tx1"/>
+                </a:solidFill>
+                <a:latin typeface="+mn-lt"/>
+                <a:ea typeface="+mn-ea"/>
+                <a:cs typeface="+mn-cs"/>
+              </a:defRPr>
+            </a:lvl3pPr>
+            <a:lvl4pPr marL="1600200" indent="-228600" algn="l" defTabSz="914400" rtl="0" eaLnBrk="1" latinLnBrk="0" hangingPunct="1">
+              <a:lnSpc>
+                <a:spcPct val="90000"/>
+              </a:lnSpc>
+              <a:spcBef>
+                <a:spcPts val="500"/>
+              </a:spcBef>
+              <a:buFont typeface="Arial"/>
+              <a:buChar char="•"/>
+              <a:defRPr kumimoji="1" sz="1800" kern="1200">
+                <a:solidFill>
+                  <a:schemeClr val="tx1"/>
+                </a:solidFill>
+                <a:latin typeface="+mn-lt"/>
+                <a:ea typeface="+mn-ea"/>
+                <a:cs typeface="+mn-cs"/>
+              </a:defRPr>
+            </a:lvl4pPr>
+            <a:lvl5pPr marL="2057400" indent="-228600" algn="l" defTabSz="914400" rtl="0" eaLnBrk="1" latinLnBrk="0" hangingPunct="1">
+              <a:lnSpc>
+                <a:spcPct val="90000"/>
+              </a:lnSpc>
+              <a:spcBef>
+                <a:spcPts val="500"/>
+              </a:spcBef>
+              <a:buFont typeface="Arial"/>
+              <a:buChar char="•"/>
+              <a:defRPr kumimoji="1" sz="1800" kern="1200">
+                <a:solidFill>
+                  <a:schemeClr val="tx1"/>
+                </a:solidFill>
+                <a:latin typeface="+mn-lt"/>
+                <a:ea typeface="+mn-ea"/>
+                <a:cs typeface="+mn-cs"/>
+              </a:defRPr>
+            </a:lvl5pPr>
+            <a:lvl6pPr marL="2514600" indent="-228600" algn="l" defTabSz="914400" rtl="0" eaLnBrk="1" latinLnBrk="0" hangingPunct="1">
+              <a:lnSpc>
+                <a:spcPct val="90000"/>
+              </a:lnSpc>
+              <a:spcBef>
+                <a:spcPts val="500"/>
+              </a:spcBef>
+              <a:buFont typeface="Arial"/>
+              <a:buChar char="•"/>
+              <a:defRPr kumimoji="1" sz="1800" kern="1200">
+                <a:solidFill>
+                  <a:schemeClr val="tx1"/>
+                </a:solidFill>
+                <a:latin typeface="+mn-lt"/>
+                <a:ea typeface="+mn-ea"/>
+                <a:cs typeface="+mn-cs"/>
+              </a:defRPr>
+            </a:lvl6pPr>
+            <a:lvl7pPr marL="2971800" indent="-228600" algn="l" defTabSz="914400" rtl="0" eaLnBrk="1" latinLnBrk="0" hangingPunct="1">
+              <a:lnSpc>
+                <a:spcPct val="90000"/>
+              </a:lnSpc>
+              <a:spcBef>
+                <a:spcPts val="500"/>
+              </a:spcBef>
+              <a:buFont typeface="Arial"/>
+              <a:buChar char="•"/>
+              <a:defRPr kumimoji="1" sz="1800" kern="1200">
+                <a:solidFill>
+                  <a:schemeClr val="tx1"/>
+                </a:solidFill>
+                <a:latin typeface="+mn-lt"/>
+                <a:ea typeface="+mn-ea"/>
+                <a:cs typeface="+mn-cs"/>
+              </a:defRPr>
+            </a:lvl7pPr>
+            <a:lvl8pPr marL="3429000" indent="-228600" algn="l" defTabSz="914400" rtl="0" eaLnBrk="1" latinLnBrk="0" hangingPunct="1">
+              <a:lnSpc>
+                <a:spcPct val="90000"/>
+              </a:lnSpc>
+              <a:spcBef>
+                <a:spcPts val="500"/>
+              </a:spcBef>
+              <a:buFont typeface="Arial"/>
+              <a:buChar char="•"/>
+              <a:defRPr kumimoji="1" sz="1800" kern="1200">
+                <a:solidFill>
+                  <a:schemeClr val="tx1"/>
+                </a:solidFill>
+                <a:latin typeface="+mn-lt"/>
+                <a:ea typeface="+mn-ea"/>
+                <a:cs typeface="+mn-cs"/>
+              </a:defRPr>
+            </a:lvl8pPr>
+            <a:lvl9pPr marL="3886200" indent="-228600" algn="l" defTabSz="914400" rtl="0" eaLnBrk="1" latinLnBrk="0" hangingPunct="1">
+              <a:lnSpc>
+                <a:spcPct val="90000"/>
+              </a:lnSpc>
+              <a:spcBef>
+                <a:spcPts val="500"/>
+              </a:spcBef>
+              <a:buFont typeface="Arial"/>
+              <a:buChar char="•"/>
+              <a:defRPr kumimoji="1" sz="1800" kern="1200">
+                <a:solidFill>
+                  <a:schemeClr val="tx1"/>
+                </a:solidFill>
+                <a:latin typeface="+mn-lt"/>
+                <a:ea typeface="+mn-ea"/>
+                <a:cs typeface="+mn-cs"/>
+              </a:defRPr>
+            </a:lvl9pPr>
+          </a:lstStyle>
+          <a:p>
+            <a:pPr marL="0" indent="0" algn="ctr">
+              <a:lnSpc>
+                <a:spcPct val="150000"/>
+              </a:lnSpc>
+              <a:buNone/>
+            </a:pPr>
+            <a:r>
+              <a:rPr lang="en-US" altLang="ja-JP" sz="3200" dirty="0" smtClean="0"/>
+              <a:t>2</a:t>
+            </a:r>
+            <a:r>
+              <a:rPr lang="ja-JP" altLang="en-US" sz="3200" dirty="0" smtClean="0"/>
+              <a:t>つの手法を比較、検討</a:t>
+            </a:r>
+            <a:endParaRPr lang="en-US" altLang="ja-JP" sz="3200" dirty="0"/>
+          </a:p>
+        </p:txBody>
+      </p:sp>
+    </p:spTree>
+    <p:extLst>
+      <p:ext uri="{BB962C8B-B14F-4D97-AF65-F5344CB8AC3E}">
+        <p14:creationId xmlns:p14="http://schemas.microsoft.com/office/powerpoint/2010/main" val="2056080120"/>
+      </p:ext>
+    </p:extLst>
+  </p:cSld>
+  <p:clrMapOvr>
+    <a:masterClrMapping/>
+  </p:clrMapOvr>
+  <p:timing>
+    <p:tnLst>
+      <p:par>
+        <p:cTn id="1" dur="indefinite" restart="never" nodeType="tmRoot"/>
+      </p:par>
+    </p:tnLst>
+  </p:timing>
+</p:sld>
+</file>
+
+<file path=ppt/slides/slide4.xml><?xml version="1.0" encoding="utf-8"?>
+<p:sld xmlns:a="http://schemas.openxmlformats.org/drawingml/2006/main" xmlns:r="http://schemas.openxmlformats.org/officeDocument/2006/relationships" xmlns:p="http://schemas.openxmlformats.org/presentationml/2006/main">
+  <p:cSld>
+    <p:spTree>
+      <p:nvGrpSpPr>
+        <p:cNvPr id="1" name=""/>
+        <p:cNvGrpSpPr/>
+        <p:nvPr/>
+      </p:nvGrpSpPr>
+      <p:grpSpPr>
+        <a:xfrm>
+          <a:off x="0" y="0"/>
+          <a:ext cx="0" cy="0"/>
+          <a:chOff x="0" y="0"/>
+          <a:chExt cx="0" cy="0"/>
+        </a:xfrm>
+      </p:grpSpPr>
+      <p:sp>
+        <p:nvSpPr>
+          <p:cNvPr id="2" name="タイトル 1"/>
+          <p:cNvSpPr>
+            <a:spLocks noGrp="1"/>
+          </p:cNvSpPr>
+          <p:nvPr>
+            <p:ph type="title"/>
+          </p:nvPr>
+        </p:nvSpPr>
+        <p:spPr/>
+        <p:txBody>
+          <a:bodyPr/>
+          <a:lstStyle/>
+          <a:p>
+            <a:r>
+              <a:rPr kumimoji="1" lang="ja-JP" altLang="en-US" dirty="0" smtClean="0"/>
+              <a:t>ぷよぷよ</a:t>
+            </a:r>
+            <a:endParaRPr kumimoji="1" lang="ja-JP" altLang="en-US" dirty="0"/>
+          </a:p>
+        </p:txBody>
+      </p:sp>
+      <p:sp>
+        <p:nvSpPr>
+          <p:cNvPr id="3" name="コンテンツ プレースホルダー 2"/>
+          <p:cNvSpPr>
+            <a:spLocks noGrp="1"/>
+          </p:cNvSpPr>
+          <p:nvPr>
+            <p:ph idx="1"/>
+          </p:nvPr>
+        </p:nvSpPr>
+        <p:spPr/>
+        <p:txBody>
+          <a:bodyPr/>
+          <a:lstStyle/>
+          <a:p>
+            <a:r>
+              <a:rPr lang="ja-JP" altLang="en-US" dirty="0" smtClean="0"/>
+              <a:t>色付きブロック「ぷよ」が降下</a:t>
+            </a:r>
+            <a:endParaRPr lang="en-US" altLang="ja-JP" dirty="0" smtClean="0"/>
+          </a:p>
+          <a:p>
+            <a:r>
+              <a:rPr lang="ja-JP" altLang="en-US" dirty="0" smtClean="0"/>
+              <a:t>同色ぷよを</a:t>
+            </a:r>
+            <a:r>
+              <a:rPr lang="en-US" altLang="ja-JP" dirty="0" smtClean="0"/>
+              <a:t>4</a:t>
+            </a:r>
+            <a:r>
+              <a:rPr lang="ja-JP" altLang="en-US" dirty="0" smtClean="0"/>
+              <a:t>つ繋げると消える</a:t>
+            </a:r>
+            <a:endParaRPr lang="en-US" altLang="ja-JP" dirty="0"/>
+          </a:p>
+          <a:p>
+            <a:r>
+              <a:rPr lang="ja-JP" altLang="en-US" dirty="0" smtClean="0"/>
+              <a:t>連続で消すと</a:t>
+            </a:r>
+            <a:r>
+              <a:rPr lang="ja-JP" altLang="en-US" dirty="0" smtClean="0">
+                <a:solidFill>
+                  <a:srgbClr val="FF0000"/>
+                </a:solidFill>
+              </a:rPr>
+              <a:t>連鎖</a:t>
+            </a:r>
+            <a:endParaRPr lang="en-US" altLang="ja-JP" dirty="0" smtClean="0">
+              <a:solidFill>
+                <a:srgbClr val="FF0000"/>
+              </a:solidFill>
+            </a:endParaRPr>
+          </a:p>
+          <a:p>
+            <a:r>
+              <a:rPr lang="ja-JP" altLang="en-US" dirty="0" smtClean="0"/>
+              <a:t>ぷよの予告は</a:t>
+            </a:r>
+            <a:r>
+              <a:rPr lang="en-US" altLang="ja-JP" dirty="0" smtClean="0"/>
+              <a:t>3</a:t>
+            </a:r>
+            <a:r>
+              <a:rPr lang="ja-JP" altLang="en-US" dirty="0" smtClean="0"/>
+              <a:t>手先まで</a:t>
+            </a:r>
+            <a:endParaRPr lang="en-US" altLang="ja-JP" dirty="0" smtClean="0"/>
+          </a:p>
+          <a:p>
+            <a:endParaRPr lang="en-US" altLang="ja-JP" dirty="0"/>
+          </a:p>
+          <a:p>
+            <a:r>
+              <a:rPr lang="ja-JP" altLang="en-US" dirty="0" smtClean="0"/>
+              <a:t>連鎖</a:t>
+            </a:r>
+            <a:r>
+              <a:rPr lang="en-US" altLang="ja-JP" dirty="0" smtClean="0"/>
+              <a:t>=&gt;</a:t>
+            </a:r>
+            <a:r>
+              <a:rPr lang="ja-JP" altLang="en-US" dirty="0" smtClean="0"/>
+              <a:t>スコア</a:t>
+            </a:r>
+            <a:r>
+              <a:rPr lang="en-US" altLang="ja-JP" dirty="0" smtClean="0"/>
+              <a:t>=&gt;</a:t>
+            </a:r>
+            <a:r>
+              <a:rPr lang="ja-JP" altLang="en-US" dirty="0" smtClean="0"/>
+              <a:t>おじゃま</a:t>
+            </a:r>
+            <a:endParaRPr lang="en-US" altLang="ja-JP" dirty="0" smtClean="0"/>
+          </a:p>
+          <a:p>
+            <a:r>
+              <a:rPr lang="ja-JP" altLang="en-US" dirty="0" smtClean="0"/>
+              <a:t>大連鎖が勝利へ</a:t>
+            </a:r>
+            <a:endParaRPr lang="en-US" altLang="ja-JP" dirty="0" smtClean="0"/>
+          </a:p>
+          <a:p>
+            <a:r>
+              <a:rPr lang="ja-JP" altLang="en-US" dirty="0" smtClean="0"/>
+              <a:t>難しさ：先読み、長期的視点の必要性</a:t>
+            </a:r>
+            <a:endParaRPr lang="en-US" altLang="ja-JP" dirty="0"/>
+          </a:p>
+        </p:txBody>
+      </p:sp>
+      <p:pic>
+        <p:nvPicPr>
+          <p:cNvPr id="8" name="図 7"/>
+          <p:cNvPicPr>
+            <a:picLocks noChangeAspect="1"/>
+          </p:cNvPicPr>
+          <p:nvPr/>
+        </p:nvPicPr>
+        <p:blipFill rotWithShape="1">
+          <a:blip r:embed="rId2">
+            <a:extLst>
+              <a:ext uri="{28A0092B-C50C-407E-A947-70E740481C1C}">
+                <a14:useLocalDpi xmlns:a14="http://schemas.microsoft.com/office/drawing/2010/main" val="0"/>
+              </a:ext>
+            </a:extLst>
+          </a:blip>
+          <a:srcRect r="81375"/>
+          <a:stretch/>
+        </p:blipFill>
+        <p:spPr>
+          <a:xfrm>
+            <a:off x="10321158" y="3585712"/>
+            <a:ext cx="1555531" cy="3094062"/>
+          </a:xfrm>
+          <a:prstGeom prst="rect">
+            <a:avLst/>
+          </a:prstGeom>
+        </p:spPr>
+      </p:pic>
+      <p:pic>
+        <p:nvPicPr>
+          <p:cNvPr id="4" name="図 3"/>
+          <p:cNvPicPr>
+            <a:picLocks noChangeAspect="1"/>
+          </p:cNvPicPr>
+          <p:nvPr/>
+        </p:nvPicPr>
+        <p:blipFill rotWithShape="1">
+          <a:blip r:embed="rId3">
+            <a:extLst>
+              <a:ext uri="{28A0092B-C50C-407E-A947-70E740481C1C}">
+                <a14:useLocalDpi xmlns:a14="http://schemas.microsoft.com/office/drawing/2010/main" val="0"/>
+              </a:ext>
+            </a:extLst>
+          </a:blip>
+          <a:srcRect l="12162" r="12535"/>
+          <a:stretch/>
+        </p:blipFill>
+        <p:spPr>
+          <a:xfrm>
+            <a:off x="7067926" y="560300"/>
+            <a:ext cx="4915180" cy="3528223"/>
+          </a:xfrm>
+          <a:prstGeom prst="rect">
+            <a:avLst/>
+          </a:prstGeom>
+        </p:spPr>
+      </p:pic>
+    </p:spTree>
+    <p:extLst>
+      <p:ext uri="{BB962C8B-B14F-4D97-AF65-F5344CB8AC3E}">
+        <p14:creationId xmlns:p14="http://schemas.microsoft.com/office/powerpoint/2010/main" val="97919576"/>
+      </p:ext>
+    </p:extLst>
+  </p:cSld>
+  <p:clrMapOvr>
+    <a:masterClrMapping/>
+  </p:clrMapOvr>
+  <p:timing>
+    <p:tnLst>
+      <p:par>
+        <p:cTn id="1" dur="indefinite" restart="never" nodeType="tmRoot"/>
+      </p:par>
+    </p:tnLst>
+  </p:timing>
+</p:sld>
+</file>
+
+<file path=ppt/slides/slide5.xml><?xml version="1.0" encoding="utf-8"?>
+<p:sld xmlns:a="http://schemas.openxmlformats.org/drawingml/2006/main" xmlns:r="http://schemas.openxmlformats.org/officeDocument/2006/relationships" xmlns:p="http://schemas.openxmlformats.org/presentationml/2006/main">
+  <p:cSld>
+    <p:spTree>
+      <p:nvGrpSpPr>
+        <p:cNvPr id="1" name=""/>
+        <p:cNvGrpSpPr/>
+        <p:nvPr/>
+      </p:nvGrpSpPr>
+      <p:grpSpPr>
+        <a:xfrm>
+          <a:off x="0" y="0"/>
+          <a:ext cx="0" cy="0"/>
+          <a:chOff x="0" y="0"/>
+          <a:chExt cx="0" cy="0"/>
+        </a:xfrm>
+      </p:grpSpPr>
+      <p:sp>
+        <p:nvSpPr>
+          <p:cNvPr id="2" name="タイトル 1"/>
+          <p:cNvSpPr>
+            <a:spLocks noGrp="1"/>
+          </p:cNvSpPr>
+          <p:nvPr>
+            <p:ph type="title"/>
+          </p:nvPr>
+        </p:nvSpPr>
+        <p:spPr/>
+        <p:txBody>
+          <a:bodyPr/>
+          <a:lstStyle/>
+          <a:p>
+            <a:r>
+              <a:rPr lang="ja-JP" altLang="en-US" dirty="0" smtClean="0"/>
+              <a:t>連鎖ポテンシャル法</a:t>
+            </a:r>
+            <a:r>
+              <a:rPr lang="en-US" altLang="ja-JP" baseline="30000" dirty="0" smtClean="0"/>
+              <a:t>[2][3]</a:t>
+            </a:r>
+            <a:endParaRPr kumimoji="1" lang="ja-JP" altLang="en-US" baseline="30000" dirty="0"/>
+          </a:p>
+        </p:txBody>
+      </p:sp>
+      <p:sp>
+        <p:nvSpPr>
+          <p:cNvPr id="3" name="コンテンツ プレースホルダー 2"/>
+          <p:cNvSpPr>
+            <a:spLocks noGrp="1"/>
+          </p:cNvSpPr>
+          <p:nvPr>
+            <p:ph idx="1"/>
+          </p:nvPr>
+        </p:nvSpPr>
+        <p:spPr>
+          <a:xfrm>
+            <a:off x="838200" y="1825625"/>
+            <a:ext cx="10515600" cy="1695341"/>
+          </a:xfrm>
+        </p:spPr>
+        <p:txBody>
+          <a:bodyPr/>
+          <a:lstStyle/>
+          <a:p>
+            <a:r>
+              <a:rPr kumimoji="1" lang="ja-JP" altLang="en-US" dirty="0" smtClean="0"/>
+              <a:t>見えている手のみ</a:t>
+            </a:r>
+            <a:r>
+              <a:rPr kumimoji="1" lang="ja-JP" altLang="en-US" dirty="0" smtClean="0">
+                <a:solidFill>
+                  <a:srgbClr val="FF0000"/>
+                </a:solidFill>
+              </a:rPr>
+              <a:t>（</a:t>
+            </a:r>
+            <a:r>
+              <a:rPr kumimoji="1" lang="en-US" altLang="ja-JP" dirty="0" smtClean="0">
+                <a:solidFill>
+                  <a:srgbClr val="FF0000"/>
+                </a:solidFill>
+              </a:rPr>
+              <a:t>3</a:t>
+            </a:r>
+            <a:r>
+              <a:rPr kumimoji="1" lang="ja-JP" altLang="en-US" dirty="0" smtClean="0">
+                <a:solidFill>
+                  <a:srgbClr val="FF0000"/>
+                </a:solidFill>
+              </a:rPr>
+              <a:t>手分）を全探索</a:t>
+            </a:r>
+            <a:endParaRPr kumimoji="1" lang="en-US" altLang="ja-JP" dirty="0" smtClean="0">
+              <a:solidFill>
+                <a:srgbClr val="FF0000"/>
+              </a:solidFill>
+            </a:endParaRPr>
+          </a:p>
+          <a:p>
+            <a:r>
               <a:rPr kumimoji="1" lang="en-US" altLang="ja-JP" dirty="0" smtClean="0"/>
-              <a:t>table: win, score</a:t>
-            </a:r>
-          </a:p>
-          <a:p>
+              <a:t>1</a:t>
+            </a:r>
+            <a:r>
+              <a:rPr kumimoji="1" lang="ja-JP" altLang="en-US" dirty="0" smtClean="0"/>
+              <a:t>手目での消去なし</a:t>
+            </a:r>
             <a:endParaRPr kumimoji="1" lang="en-US" altLang="ja-JP" dirty="0" smtClean="0"/>
           </a:p>
           <a:p>
+            <a:r>
+              <a:rPr kumimoji="1" lang="en-US" altLang="ja-JP" dirty="0" smtClean="0"/>
+              <a:t>2, 3</a:t>
+            </a:r>
+            <a:r>
+              <a:rPr kumimoji="1" lang="ja-JP" altLang="en-US" dirty="0" smtClean="0"/>
+              <a:t>手目で発動する連鎖の</a:t>
+            </a:r>
+            <a:r>
+              <a:rPr kumimoji="1" lang="ja-JP" altLang="en-US" dirty="0" smtClean="0">
+                <a:solidFill>
+                  <a:srgbClr val="FF0000"/>
+                </a:solidFill>
+              </a:rPr>
+              <a:t>スコアを最大化</a:t>
+            </a:r>
+            <a:endParaRPr kumimoji="1" lang="en-US" altLang="ja-JP" dirty="0" smtClean="0">
+              <a:solidFill>
+                <a:srgbClr val="FF0000"/>
+              </a:solidFill>
+            </a:endParaRPr>
+          </a:p>
+        </p:txBody>
+      </p:sp>
+      <p:cxnSp>
+        <p:nvCxnSpPr>
+          <p:cNvPr id="4" name="直線コネクタ 3"/>
+          <p:cNvCxnSpPr/>
+          <p:nvPr/>
+        </p:nvCxnSpPr>
+        <p:spPr>
+          <a:xfrm flipV="1">
+            <a:off x="441434" y="5465376"/>
+            <a:ext cx="10804635" cy="31532"/>
+          </a:xfrm>
+          <a:prstGeom prst="line">
+            <a:avLst/>
+          </a:prstGeom>
+        </p:spPr>
+        <p:style>
+          <a:lnRef idx="1">
+            <a:schemeClr val="accent1"/>
+          </a:lnRef>
+          <a:fillRef idx="0">
+            <a:schemeClr val="accent1"/>
+          </a:fillRef>
+          <a:effectRef idx="0">
+            <a:schemeClr val="accent1"/>
+          </a:effectRef>
+          <a:fontRef idx="minor">
+            <a:schemeClr val="tx1"/>
+          </a:fontRef>
+        </p:style>
+      </p:cxnSp>
+      <p:sp>
+        <p:nvSpPr>
+          <p:cNvPr id="5" name="正方形/長方形 4"/>
+          <p:cNvSpPr/>
+          <p:nvPr/>
+        </p:nvSpPr>
+        <p:spPr>
+          <a:xfrm>
+            <a:off x="152399" y="5576798"/>
+            <a:ext cx="11887201" cy="1200329"/>
+          </a:xfrm>
+          <a:prstGeom prst="rect">
+            <a:avLst/>
+          </a:prstGeom>
+        </p:spPr>
+        <p:txBody>
+          <a:bodyPr wrap="square">
+            <a:spAutoFit/>
+          </a:bodyPr>
+          <a:lstStyle/>
+          <a:p>
+            <a:r>
+              <a:rPr lang="en-US" altLang="ja-JP" sz="1600" dirty="0" smtClean="0">
+                <a:effectLst/>
+                <a:latin typeface="IPAexMincho" charset="0"/>
+              </a:rPr>
+              <a:t>[2] </a:t>
+            </a:r>
+            <a:r>
+              <a:rPr lang="ja-JP" altLang="en-US" sz="1600" dirty="0" smtClean="0">
+                <a:effectLst/>
+                <a:latin typeface="IPAexMincho" charset="0"/>
+              </a:rPr>
+              <a:t>富沢大介</a:t>
+            </a:r>
+            <a:r>
+              <a:rPr lang="en-US" altLang="ja-JP" dirty="0" smtClean="0">
+                <a:effectLst/>
+                <a:latin typeface="NimbusRomNo9L" charset="0"/>
+              </a:rPr>
+              <a:t>, </a:t>
+            </a:r>
+            <a:r>
+              <a:rPr lang="ja-JP" altLang="en-US" sz="1600" dirty="0" smtClean="0">
+                <a:effectLst/>
+                <a:latin typeface="IPAexMincho" charset="0"/>
+              </a:rPr>
+              <a:t>池田心</a:t>
+            </a:r>
+            <a:r>
+              <a:rPr lang="en-US" altLang="ja-JP" dirty="0" smtClean="0">
+                <a:effectLst/>
+                <a:latin typeface="NimbusRomNo9L" charset="0"/>
+              </a:rPr>
+              <a:t>, </a:t>
+            </a:r>
+            <a:r>
+              <a:rPr lang="ja-JP" altLang="en-US" sz="1600" dirty="0" smtClean="0">
+                <a:effectLst/>
+                <a:latin typeface="IPAexMincho" charset="0"/>
+              </a:rPr>
+              <a:t>シモンビエノ</a:t>
+            </a:r>
+            <a:r>
+              <a:rPr lang="en-US" altLang="ja-JP" dirty="0" smtClean="0">
+                <a:effectLst/>
+                <a:latin typeface="NimbusRomNo9L" charset="0"/>
+              </a:rPr>
+              <a:t>. </a:t>
+            </a:r>
+            <a:r>
+              <a:rPr lang="ja-JP" altLang="en-US" sz="1600" dirty="0" smtClean="0">
+                <a:effectLst/>
+                <a:latin typeface="IPAexMincho" charset="0"/>
+              </a:rPr>
+              <a:t>落下型パズルゲームの定石形配置法とぷよぷよへの適用</a:t>
+            </a:r>
+            <a:r>
+              <a:rPr lang="en-US" altLang="ja-JP" dirty="0" smtClean="0">
+                <a:effectLst/>
+                <a:latin typeface="NimbusRomNo9L" charset="0"/>
+              </a:rPr>
+              <a:t>. </a:t>
+            </a:r>
+            <a:r>
+              <a:rPr lang="ja-JP" altLang="en-US" sz="1600" dirty="0" smtClean="0">
+                <a:effectLst/>
+                <a:latin typeface="IPAexMincho" charset="0"/>
+              </a:rPr>
+              <a:t>情報処理学会論文誌</a:t>
+            </a:r>
+            <a:r>
+              <a:rPr lang="en-US" altLang="ja-JP" dirty="0" smtClean="0">
+                <a:effectLst/>
+                <a:latin typeface="NimbusRomNo9L" charset="0"/>
+              </a:rPr>
+              <a:t>, Vol. 53,  </a:t>
+            </a:r>
+          </a:p>
+          <a:p>
+            <a:r>
+              <a:rPr lang="en-US" altLang="ja-JP" dirty="0">
+                <a:latin typeface="NimbusRomNo9L" charset="0"/>
+              </a:rPr>
+              <a:t> </a:t>
+            </a:r>
+            <a:r>
+              <a:rPr lang="en-US" altLang="ja-JP" dirty="0" smtClean="0">
+                <a:latin typeface="NimbusRomNo9L" charset="0"/>
+              </a:rPr>
+              <a:t>    </a:t>
+            </a:r>
+            <a:r>
+              <a:rPr lang="en-US" altLang="ja-JP" dirty="0" smtClean="0">
+                <a:effectLst/>
+                <a:latin typeface="NimbusRomNo9L" charset="0"/>
+              </a:rPr>
+              <a:t>No. 11, pp. 2560–2570, </a:t>
+            </a:r>
+            <a:r>
+              <a:rPr lang="en-US" altLang="ja-JP" dirty="0" err="1" smtClean="0">
+                <a:effectLst/>
+                <a:latin typeface="NimbusRomNo9L" charset="0"/>
+              </a:rPr>
+              <a:t>nov</a:t>
+            </a:r>
+            <a:r>
+              <a:rPr lang="en-US" altLang="ja-JP" dirty="0" smtClean="0">
+                <a:effectLst/>
+                <a:latin typeface="NimbusRomNo9L" charset="0"/>
+              </a:rPr>
+              <a:t> 2012. </a:t>
+            </a:r>
+            <a:endParaRPr lang="en-US" altLang="ja-JP" sz="1600" dirty="0"/>
+          </a:p>
+          <a:p>
+            <a:r>
+              <a:rPr lang="en-US" altLang="ja-JP" dirty="0" smtClean="0">
+                <a:effectLst/>
+                <a:latin typeface="NimbusRomNo9L" charset="0"/>
+              </a:rPr>
+              <a:t>[3]  </a:t>
+            </a:r>
+            <a:r>
+              <a:rPr lang="ja-JP" altLang="en-US" sz="1600" dirty="0" smtClean="0">
+                <a:effectLst/>
+                <a:latin typeface="IPAexMincho" charset="0"/>
+              </a:rPr>
+              <a:t>大月龍</a:t>
+            </a:r>
+            <a:r>
+              <a:rPr lang="en-US" altLang="ja-JP" dirty="0" smtClean="0">
+                <a:effectLst/>
+                <a:latin typeface="NimbusRomNo9L" charset="0"/>
+              </a:rPr>
+              <a:t>, </a:t>
+            </a:r>
+            <a:r>
+              <a:rPr lang="ja-JP" altLang="en-US" sz="1600" dirty="0" smtClean="0">
+                <a:effectLst/>
+                <a:latin typeface="IPAexMincho" charset="0"/>
+              </a:rPr>
+              <a:t>前田新一</a:t>
+            </a:r>
+            <a:r>
+              <a:rPr lang="en-US" altLang="ja-JP" dirty="0" smtClean="0">
+                <a:effectLst/>
+                <a:latin typeface="NimbusRomNo9L" charset="0"/>
+              </a:rPr>
+              <a:t>, </a:t>
+            </a:r>
+            <a:r>
+              <a:rPr lang="ja-JP" altLang="en-US" sz="1600" dirty="0" smtClean="0">
+                <a:effectLst/>
+                <a:latin typeface="IPAexMincho" charset="0"/>
+              </a:rPr>
+              <a:t>石井信</a:t>
+            </a:r>
+            <a:r>
+              <a:rPr lang="en-US" altLang="ja-JP" dirty="0" smtClean="0">
+                <a:effectLst/>
+                <a:latin typeface="NimbusRomNo9L" charset="0"/>
+              </a:rPr>
+              <a:t>. </a:t>
+            </a:r>
+            <a:r>
+              <a:rPr lang="ja-JP" altLang="en-US" sz="1600" dirty="0" smtClean="0">
+                <a:effectLst/>
+                <a:latin typeface="IPAexMincho" charset="0"/>
+              </a:rPr>
+              <a:t>不完全情報ゲームに対する階層化したモンテカルロ探索とそのぷよぷよへの適用</a:t>
+            </a:r>
+            <a:r>
+              <a:rPr lang="en-US" altLang="ja-JP" dirty="0" smtClean="0">
+                <a:effectLst/>
+                <a:latin typeface="NimbusRomNo9L" charset="0"/>
+              </a:rPr>
+              <a:t>. </a:t>
+            </a:r>
+          </a:p>
+          <a:p>
+            <a:r>
+              <a:rPr lang="en-US" altLang="ja-JP" sz="1600" dirty="0">
+                <a:latin typeface="NimbusRomNo9L" charset="0"/>
+              </a:rPr>
+              <a:t> </a:t>
+            </a:r>
+            <a:r>
+              <a:rPr lang="en-US" altLang="ja-JP" sz="1600" dirty="0" smtClean="0">
+                <a:latin typeface="NimbusRomNo9L" charset="0"/>
+              </a:rPr>
+              <a:t>     </a:t>
+            </a:r>
+            <a:r>
+              <a:rPr lang="ja-JP" altLang="en-US" sz="1600" dirty="0" smtClean="0">
+                <a:effectLst/>
+                <a:latin typeface="IPAexMincho" charset="0"/>
+              </a:rPr>
+              <a:t>電子情報通信学会技術研究報告</a:t>
+            </a:r>
+            <a:r>
+              <a:rPr lang="en-US" altLang="ja-JP" dirty="0" smtClean="0">
+                <a:effectLst/>
+                <a:latin typeface="NimbusRomNo9L" charset="0"/>
+              </a:rPr>
+              <a:t>. NC, </a:t>
+            </a:r>
+            <a:r>
+              <a:rPr lang="ja-JP" altLang="en-US" sz="1600" dirty="0" smtClean="0">
+                <a:effectLst/>
+                <a:latin typeface="IPAexMincho" charset="0"/>
+              </a:rPr>
+              <a:t>ニューロコンピューティング</a:t>
+            </a:r>
+            <a:r>
+              <a:rPr lang="en-US" altLang="ja-JP" dirty="0" smtClean="0">
+                <a:effectLst/>
+                <a:latin typeface="NimbusRomNo9L" charset="0"/>
+              </a:rPr>
+              <a:t>, Vol. 113, No. 500, pp. 275–280, mar 2014. </a:t>
+            </a:r>
+            <a:endParaRPr lang="ja-JP" altLang="en-US" sz="1600" dirty="0">
+              <a:effectLst/>
+            </a:endParaRPr>
+          </a:p>
+        </p:txBody>
+      </p:sp>
+      <p:sp>
+        <p:nvSpPr>
+          <p:cNvPr id="6" name="コンテンツ プレースホルダー 2"/>
+          <p:cNvSpPr txBox="1">
+            <a:spLocks/>
+          </p:cNvSpPr>
+          <p:nvPr/>
+        </p:nvSpPr>
+        <p:spPr>
+          <a:xfrm>
+            <a:off x="2509344" y="4260876"/>
+            <a:ext cx="5877911" cy="857657"/>
+          </a:xfrm>
+          <a:prstGeom prst="rect">
+            <a:avLst/>
+          </a:prstGeom>
+        </p:spPr>
+        <p:txBody>
+          <a:bodyPr vert="horz" lIns="91440" tIns="45720" rIns="91440" bIns="45720" rtlCol="0">
+            <a:normAutofit/>
+          </a:bodyPr>
+          <a:lstStyle>
+            <a:lvl1pPr marL="228600" indent="-228600" algn="l" defTabSz="914400" rtl="0" eaLnBrk="1" latinLnBrk="0" hangingPunct="1">
+              <a:lnSpc>
+                <a:spcPct val="90000"/>
+              </a:lnSpc>
+              <a:spcBef>
+                <a:spcPts val="1000"/>
+              </a:spcBef>
+              <a:buFont typeface="Arial"/>
+              <a:buChar char="•"/>
+              <a:defRPr kumimoji="1" sz="2800" kern="1200">
+                <a:solidFill>
+                  <a:schemeClr val="tx1"/>
+                </a:solidFill>
+                <a:latin typeface="+mn-lt"/>
+                <a:ea typeface="+mn-ea"/>
+                <a:cs typeface="+mn-cs"/>
+              </a:defRPr>
+            </a:lvl1pPr>
+            <a:lvl2pPr marL="685800" indent="-228600" algn="l" defTabSz="914400" rtl="0" eaLnBrk="1" latinLnBrk="0" hangingPunct="1">
+              <a:lnSpc>
+                <a:spcPct val="90000"/>
+              </a:lnSpc>
+              <a:spcBef>
+                <a:spcPts val="500"/>
+              </a:spcBef>
+              <a:buFont typeface="Arial"/>
+              <a:buChar char="•"/>
+              <a:defRPr kumimoji="1" sz="2400" kern="1200">
+                <a:solidFill>
+                  <a:schemeClr val="tx1"/>
+                </a:solidFill>
+                <a:latin typeface="+mn-lt"/>
+                <a:ea typeface="+mn-ea"/>
+                <a:cs typeface="+mn-cs"/>
+              </a:defRPr>
+            </a:lvl2pPr>
+            <a:lvl3pPr marL="1143000" indent="-228600" algn="l" defTabSz="914400" rtl="0" eaLnBrk="1" latinLnBrk="0" hangingPunct="1">
+              <a:lnSpc>
+                <a:spcPct val="90000"/>
+              </a:lnSpc>
+              <a:spcBef>
+                <a:spcPts val="500"/>
+              </a:spcBef>
+              <a:buFont typeface="Arial"/>
+              <a:buChar char="•"/>
+              <a:defRPr kumimoji="1" sz="2000" kern="1200">
+                <a:solidFill>
+                  <a:schemeClr val="tx1"/>
+                </a:solidFill>
+                <a:latin typeface="+mn-lt"/>
+                <a:ea typeface="+mn-ea"/>
+                <a:cs typeface="+mn-cs"/>
+              </a:defRPr>
+            </a:lvl3pPr>
+            <a:lvl4pPr marL="1600200" indent="-228600" algn="l" defTabSz="914400" rtl="0" eaLnBrk="1" latinLnBrk="0" hangingPunct="1">
+              <a:lnSpc>
+                <a:spcPct val="90000"/>
+              </a:lnSpc>
+              <a:spcBef>
+                <a:spcPts val="500"/>
+              </a:spcBef>
+              <a:buFont typeface="Arial"/>
+              <a:buChar char="•"/>
+              <a:defRPr kumimoji="1" sz="1800" kern="1200">
+                <a:solidFill>
+                  <a:schemeClr val="tx1"/>
+                </a:solidFill>
+                <a:latin typeface="+mn-lt"/>
+                <a:ea typeface="+mn-ea"/>
+                <a:cs typeface="+mn-cs"/>
+              </a:defRPr>
+            </a:lvl4pPr>
+            <a:lvl5pPr marL="2057400" indent="-228600" algn="l" defTabSz="914400" rtl="0" eaLnBrk="1" latinLnBrk="0" hangingPunct="1">
+              <a:lnSpc>
+                <a:spcPct val="90000"/>
+              </a:lnSpc>
+              <a:spcBef>
+                <a:spcPts val="500"/>
+              </a:spcBef>
+              <a:buFont typeface="Arial"/>
+              <a:buChar char="•"/>
+              <a:defRPr kumimoji="1" sz="1800" kern="1200">
+                <a:solidFill>
+                  <a:schemeClr val="tx1"/>
+                </a:solidFill>
+                <a:latin typeface="+mn-lt"/>
+                <a:ea typeface="+mn-ea"/>
+                <a:cs typeface="+mn-cs"/>
+              </a:defRPr>
+            </a:lvl5pPr>
+            <a:lvl6pPr marL="2514600" indent="-228600" algn="l" defTabSz="914400" rtl="0" eaLnBrk="1" latinLnBrk="0" hangingPunct="1">
+              <a:lnSpc>
+                <a:spcPct val="90000"/>
+              </a:lnSpc>
+              <a:spcBef>
+                <a:spcPts val="500"/>
+              </a:spcBef>
+              <a:buFont typeface="Arial"/>
+              <a:buChar char="•"/>
+              <a:defRPr kumimoji="1" sz="1800" kern="1200">
+                <a:solidFill>
+                  <a:schemeClr val="tx1"/>
+                </a:solidFill>
+                <a:latin typeface="+mn-lt"/>
+                <a:ea typeface="+mn-ea"/>
+                <a:cs typeface="+mn-cs"/>
+              </a:defRPr>
+            </a:lvl6pPr>
+            <a:lvl7pPr marL="2971800" indent="-228600" algn="l" defTabSz="914400" rtl="0" eaLnBrk="1" latinLnBrk="0" hangingPunct="1">
+              <a:lnSpc>
+                <a:spcPct val="90000"/>
+              </a:lnSpc>
+              <a:spcBef>
+                <a:spcPts val="500"/>
+              </a:spcBef>
+              <a:buFont typeface="Arial"/>
+              <a:buChar char="•"/>
+              <a:defRPr kumimoji="1" sz="1800" kern="1200">
+                <a:solidFill>
+                  <a:schemeClr val="tx1"/>
+                </a:solidFill>
+                <a:latin typeface="+mn-lt"/>
+                <a:ea typeface="+mn-ea"/>
+                <a:cs typeface="+mn-cs"/>
+              </a:defRPr>
+            </a:lvl7pPr>
+            <a:lvl8pPr marL="3429000" indent="-228600" algn="l" defTabSz="914400" rtl="0" eaLnBrk="1" latinLnBrk="0" hangingPunct="1">
+              <a:lnSpc>
+                <a:spcPct val="90000"/>
+              </a:lnSpc>
+              <a:spcBef>
+                <a:spcPts val="500"/>
+              </a:spcBef>
+              <a:buFont typeface="Arial"/>
+              <a:buChar char="•"/>
+              <a:defRPr kumimoji="1" sz="1800" kern="1200">
+                <a:solidFill>
+                  <a:schemeClr val="tx1"/>
+                </a:solidFill>
+                <a:latin typeface="+mn-lt"/>
+                <a:ea typeface="+mn-ea"/>
+                <a:cs typeface="+mn-cs"/>
+              </a:defRPr>
+            </a:lvl8pPr>
+            <a:lvl9pPr marL="3886200" indent="-228600" algn="l" defTabSz="914400" rtl="0" eaLnBrk="1" latinLnBrk="0" hangingPunct="1">
+              <a:lnSpc>
+                <a:spcPct val="90000"/>
+              </a:lnSpc>
+              <a:spcBef>
+                <a:spcPts val="500"/>
+              </a:spcBef>
+              <a:buFont typeface="Arial"/>
+              <a:buChar char="•"/>
+              <a:defRPr kumimoji="1" sz="1800" kern="1200">
+                <a:solidFill>
+                  <a:schemeClr val="tx1"/>
+                </a:solidFill>
+                <a:latin typeface="+mn-lt"/>
+                <a:ea typeface="+mn-ea"/>
+                <a:cs typeface="+mn-cs"/>
+              </a:defRPr>
+            </a:lvl9pPr>
+          </a:lstStyle>
+          <a:p>
+            <a:pPr marL="0" indent="0">
+              <a:buNone/>
+            </a:pPr>
+            <a:r>
+              <a:rPr lang="en-US" altLang="ja-JP" dirty="0" smtClean="0"/>
+              <a:t>3</a:t>
+            </a:r>
+            <a:r>
+              <a:rPr lang="ja-JP" altLang="en-US" dirty="0" smtClean="0"/>
+              <a:t>手目を全幅探索＋消去の許可</a:t>
+            </a:r>
+            <a:endParaRPr lang="en-US" altLang="ja-JP" dirty="0" smtClean="0"/>
+          </a:p>
+          <a:p>
+            <a:endParaRPr lang="ja-JP" altLang="en-US" dirty="0"/>
+          </a:p>
+        </p:txBody>
+      </p:sp>
+      <p:sp>
+        <p:nvSpPr>
+          <p:cNvPr id="7" name="右矢印 6"/>
+          <p:cNvSpPr/>
+          <p:nvPr/>
+        </p:nvSpPr>
+        <p:spPr>
+          <a:xfrm>
+            <a:off x="838200" y="3951878"/>
+            <a:ext cx="1576552" cy="1095180"/>
+          </a:xfrm>
+          <a:prstGeom prst="rightArrow">
+            <a:avLst/>
+          </a:prstGeom>
+        </p:spPr>
+        <p:style>
+          <a:lnRef idx="2">
+            <a:schemeClr val="accent1">
+              <a:shade val="50000"/>
+            </a:schemeClr>
+          </a:lnRef>
+          <a:fillRef idx="1">
+            <a:schemeClr val="accent1"/>
+          </a:fillRef>
+          <a:effectRef idx="0">
+            <a:schemeClr val="accent1"/>
+          </a:effectRef>
+          <a:fontRef idx="minor">
+            <a:schemeClr val="lt1"/>
+          </a:fontRef>
+        </p:style>
+        <p:txBody>
+          <a:bodyPr rtlCol="0" anchor="ctr"/>
+          <a:lstStyle/>
+          <a:p>
+            <a:pPr algn="ctr"/>
+            <a:r>
+              <a:rPr kumimoji="1" lang="ja-JP" altLang="en-US" sz="2800" smtClean="0"/>
+              <a:t>改良</a:t>
+            </a:r>
+            <a:endParaRPr kumimoji="1" lang="ja-JP" altLang="en-US" sz="2800"/>
+          </a:p>
+        </p:txBody>
+      </p:sp>
+    </p:spTree>
+    <p:extLst>
+      <p:ext uri="{BB962C8B-B14F-4D97-AF65-F5344CB8AC3E}">
+        <p14:creationId xmlns:p14="http://schemas.microsoft.com/office/powerpoint/2010/main" val="1518743559"/>
+      </p:ext>
+    </p:extLst>
+  </p:cSld>
+  <p:clrMapOvr>
+    <a:masterClrMapping/>
+  </p:clrMapOvr>
+  <p:timing>
+    <p:tnLst>
+      <p:par>
+        <p:cTn id="1" dur="indefinite" restart="never" nodeType="tmRoot"/>
+      </p:par>
+    </p:tnLst>
+  </p:timing>
+</p:sld>
+</file>
+
+<file path=ppt/slides/slide6.xml><?xml version="1.0" encoding="utf-8"?>
+<p:sld xmlns:a="http://schemas.openxmlformats.org/drawingml/2006/main" xmlns:r="http://schemas.openxmlformats.org/officeDocument/2006/relationships" xmlns:p="http://schemas.openxmlformats.org/presentationml/2006/main">
+  <p:cSld>
+    <p:spTree>
+      <p:nvGrpSpPr>
+        <p:cNvPr id="1" name=""/>
+        <p:cNvGrpSpPr/>
+        <p:nvPr/>
+      </p:nvGrpSpPr>
+      <p:grpSpPr>
+        <a:xfrm>
+          <a:off x="0" y="0"/>
+          <a:ext cx="0" cy="0"/>
+          <a:chOff x="0" y="0"/>
+          <a:chExt cx="0" cy="0"/>
+        </a:xfrm>
+      </p:grpSpPr>
+      <p:sp>
+        <p:nvSpPr>
+          <p:cNvPr id="2" name="タイトル 1"/>
+          <p:cNvSpPr>
+            <a:spLocks noGrp="1"/>
+          </p:cNvSpPr>
+          <p:nvPr>
+            <p:ph type="title"/>
+          </p:nvPr>
+        </p:nvSpPr>
+        <p:spPr/>
+        <p:txBody>
+          <a:bodyPr/>
+          <a:lstStyle/>
+          <a:p>
+            <a:r>
+              <a:rPr kumimoji="1" lang="ja-JP" altLang="en-US" dirty="0" smtClean="0"/>
+              <a:t>人の知識を適用した</a:t>
+            </a:r>
+            <a:r>
+              <a:rPr kumimoji="1" lang="en-US" altLang="ja-JP" dirty="0" smtClean="0"/>
+              <a:t>AI</a:t>
+            </a:r>
             <a:endParaRPr kumimoji="1" lang="ja-JP" altLang="en-US" dirty="0"/>
+          </a:p>
+        </p:txBody>
+      </p:sp>
+      <p:sp>
+        <p:nvSpPr>
+          <p:cNvPr id="3" name="コンテンツ プレースホルダー 2"/>
+          <p:cNvSpPr>
+            <a:spLocks noGrp="1"/>
+          </p:cNvSpPr>
+          <p:nvPr>
+            <p:ph idx="1"/>
+          </p:nvPr>
+        </p:nvSpPr>
+        <p:spPr>
+          <a:xfrm>
+            <a:off x="3471038" y="1992601"/>
+            <a:ext cx="8353100" cy="4351338"/>
+          </a:xfrm>
+        </p:spPr>
+        <p:txBody>
+          <a:bodyPr>
+            <a:noAutofit/>
+          </a:bodyPr>
+          <a:lstStyle/>
+          <a:p>
+            <a:r>
+              <a:rPr kumimoji="1" lang="ja-JP" altLang="en-US" sz="3600" dirty="0" smtClean="0"/>
+              <a:t>知識</a:t>
+            </a:r>
+            <a:endParaRPr kumimoji="1" lang="en-US" altLang="ja-JP" sz="3600" dirty="0" smtClean="0"/>
+          </a:p>
+          <a:p>
+            <a:pPr lvl="1"/>
+            <a:r>
+              <a:rPr kumimoji="1" lang="en-US" altLang="ja-JP" sz="3200" dirty="0" smtClean="0"/>
+              <a:t>3-1</a:t>
+            </a:r>
+            <a:r>
+              <a:rPr kumimoji="1" lang="ja-JP" altLang="en-US" sz="3200" dirty="0" smtClean="0"/>
+              <a:t>階段の構築ルール</a:t>
+            </a:r>
+            <a:endParaRPr kumimoji="1" lang="en-US" altLang="ja-JP" sz="3200" dirty="0" smtClean="0"/>
+          </a:p>
+          <a:p>
+            <a:pPr lvl="1"/>
+            <a:r>
+              <a:rPr lang="en-US" altLang="ja-JP" sz="3200" dirty="0" smtClean="0"/>
+              <a:t>if-then</a:t>
+            </a:r>
+            <a:r>
+              <a:rPr lang="ja-JP" altLang="en-US" sz="3200" dirty="0" smtClean="0"/>
+              <a:t>ルールを書き下し（設置法</a:t>
+            </a:r>
+            <a:r>
+              <a:rPr lang="en-US" altLang="ja-JP" sz="3200" dirty="0" smtClean="0"/>
+              <a:t>20</a:t>
+            </a:r>
+            <a:r>
+              <a:rPr lang="ja-JP" altLang="en-US" sz="3200" dirty="0" smtClean="0"/>
+              <a:t>種）</a:t>
+            </a:r>
+            <a:endParaRPr lang="en-US" altLang="ja-JP" sz="3200" dirty="0" smtClean="0"/>
+          </a:p>
+          <a:p>
+            <a:pPr lvl="1"/>
+            <a:endParaRPr lang="en-US" altLang="ja-JP" sz="3200" dirty="0" smtClean="0"/>
+          </a:p>
+          <a:p>
+            <a:r>
+              <a:rPr kumimoji="1" lang="ja-JP" altLang="en-US" sz="3600" dirty="0" smtClean="0"/>
+              <a:t>実装</a:t>
+            </a:r>
+            <a:endParaRPr kumimoji="1" lang="en-US" altLang="ja-JP" sz="3600" dirty="0"/>
+          </a:p>
+          <a:p>
+            <a:pPr lvl="1"/>
+            <a:r>
+              <a:rPr lang="ja-JP" altLang="en-US" sz="3200" dirty="0" smtClean="0"/>
+              <a:t>初手</a:t>
+            </a:r>
+            <a:r>
+              <a:rPr lang="en-US" altLang="ja-JP" sz="3200" dirty="0" smtClean="0"/>
+              <a:t>6</a:t>
+            </a:r>
+            <a:r>
+              <a:rPr lang="ja-JP" altLang="en-US" sz="3200" dirty="0" smtClean="0"/>
+              <a:t>手に適用＋連鎖ポテンシャル法</a:t>
+            </a:r>
+            <a:endParaRPr lang="en-US" altLang="ja-JP" sz="3200" dirty="0" smtClean="0"/>
+          </a:p>
+          <a:p>
+            <a:pPr lvl="1"/>
+            <a:r>
+              <a:rPr kumimoji="1" lang="ja-JP" altLang="en-US" sz="3200" dirty="0" smtClean="0"/>
+              <a:t>連鎖数の安定を目指す</a:t>
+            </a:r>
+            <a:endParaRPr kumimoji="1" lang="ja-JP" altLang="en-US" sz="3200" dirty="0"/>
+          </a:p>
+        </p:txBody>
+      </p:sp>
+      <p:pic>
+        <p:nvPicPr>
+          <p:cNvPr id="6" name="図 5"/>
+          <p:cNvPicPr>
+            <a:picLocks noChangeAspect="1"/>
+          </p:cNvPicPr>
+          <p:nvPr/>
+        </p:nvPicPr>
+        <p:blipFill rotWithShape="1">
+          <a:blip r:embed="rId2">
+            <a:extLst>
+              <a:ext uri="{28A0092B-C50C-407E-A947-70E740481C1C}">
+                <a14:useLocalDpi xmlns:a14="http://schemas.microsoft.com/office/drawing/2010/main" val="0"/>
+              </a:ext>
+            </a:extLst>
+          </a:blip>
+          <a:srcRect r="82691"/>
+          <a:stretch/>
+        </p:blipFill>
+        <p:spPr>
+          <a:xfrm>
+            <a:off x="332423" y="1478541"/>
+            <a:ext cx="2274141" cy="5379459"/>
+          </a:xfrm>
+          <a:prstGeom prst="rect">
+            <a:avLst/>
+          </a:prstGeom>
+        </p:spPr>
+      </p:pic>
+    </p:spTree>
+    <p:extLst>
+      <p:ext uri="{BB962C8B-B14F-4D97-AF65-F5344CB8AC3E}">
+        <p14:creationId xmlns:p14="http://schemas.microsoft.com/office/powerpoint/2010/main" val="58443893"/>
+      </p:ext>
+    </p:extLst>
+  </p:cSld>
+  <p:clrMapOvr>
+    <a:masterClrMapping/>
+  </p:clrMapOvr>
+  <p:timing>
+    <p:tnLst>
+      <p:par>
+        <p:cTn id="1" dur="indefinite" restart="never" nodeType="tmRoot"/>
+      </p:par>
+    </p:tnLst>
+  </p:timing>
+</p:sld>
+</file>
+
+<file path=ppt/slides/slide7.xml><?xml version="1.0" encoding="utf-8"?>
+<p:sld xmlns:a="http://schemas.openxmlformats.org/drawingml/2006/main" xmlns:r="http://schemas.openxmlformats.org/officeDocument/2006/relationships" xmlns:p="http://schemas.openxmlformats.org/presentationml/2006/main">
+  <p:cSld>
+    <p:spTree>
+      <p:nvGrpSpPr>
+        <p:cNvPr id="1" name=""/>
+        <p:cNvGrpSpPr/>
+        <p:nvPr/>
+      </p:nvGrpSpPr>
+      <p:grpSpPr>
+        <a:xfrm>
+          <a:off x="0" y="0"/>
+          <a:ext cx="0" cy="0"/>
+          <a:chOff x="0" y="0"/>
+          <a:chExt cx="0" cy="0"/>
+        </a:xfrm>
+      </p:grpSpPr>
+      <p:sp>
+        <p:nvSpPr>
+          <p:cNvPr id="2" name="タイトル 1"/>
+          <p:cNvSpPr>
+            <a:spLocks noGrp="1"/>
+          </p:cNvSpPr>
+          <p:nvPr>
+            <p:ph type="title"/>
+          </p:nvPr>
+        </p:nvSpPr>
+        <p:spPr/>
+        <p:txBody>
+          <a:bodyPr/>
+          <a:lstStyle/>
+          <a:p>
+            <a:r>
+              <a:rPr kumimoji="1" lang="ja-JP" altLang="en-US" dirty="0" smtClean="0"/>
+              <a:t>実験</a:t>
+            </a:r>
+            <a:r>
+              <a:rPr kumimoji="1" lang="en-US" altLang="ja-JP" dirty="0" smtClean="0"/>
+              <a:t>1</a:t>
+            </a:r>
+            <a:r>
+              <a:rPr kumimoji="1" lang="ja-JP" altLang="en-US" dirty="0" smtClean="0"/>
+              <a:t>：連鎖構築シミュレーション</a:t>
+            </a:r>
+            <a:endParaRPr kumimoji="1" lang="ja-JP" altLang="en-US" dirty="0"/>
+          </a:p>
+        </p:txBody>
+      </p:sp>
+      <p:sp>
+        <p:nvSpPr>
+          <p:cNvPr id="3" name="コンテンツ プレースホルダー 2"/>
+          <p:cNvSpPr>
+            <a:spLocks noGrp="1"/>
+          </p:cNvSpPr>
+          <p:nvPr>
+            <p:ph idx="1"/>
+          </p:nvPr>
+        </p:nvSpPr>
+        <p:spPr>
+          <a:xfrm>
+            <a:off x="838200" y="1825625"/>
+            <a:ext cx="10515600" cy="1506154"/>
+          </a:xfrm>
+        </p:spPr>
+        <p:txBody>
+          <a:bodyPr/>
+          <a:lstStyle/>
+          <a:p>
+            <a:r>
+              <a:rPr lang="ja-JP" altLang="en-US" dirty="0" smtClean="0"/>
+              <a:t>ポテンシャル法、人の知識を適用した</a:t>
+            </a:r>
+            <a:r>
+              <a:rPr lang="en-US" altLang="ja-JP" dirty="0" smtClean="0"/>
+              <a:t>AI</a:t>
+            </a:r>
+          </a:p>
+          <a:p>
+            <a:r>
+              <a:rPr lang="ja-JP" altLang="en-US" dirty="0" smtClean="0"/>
+              <a:t>実験条件：</a:t>
+            </a:r>
+            <a:r>
+              <a:rPr lang="en-US" altLang="ja-JP" dirty="0" smtClean="0"/>
+              <a:t>32</a:t>
+            </a:r>
+            <a:r>
+              <a:rPr lang="ja-JP" altLang="en-US" dirty="0" smtClean="0"/>
+              <a:t>手</a:t>
+            </a:r>
+            <a:r>
+              <a:rPr lang="en-US" altLang="ja-JP" dirty="0" smtClean="0"/>
+              <a:t>+</a:t>
+            </a:r>
+            <a:r>
+              <a:rPr lang="ja-JP" altLang="en-US" dirty="0" smtClean="0"/>
+              <a:t>発動</a:t>
+            </a:r>
+            <a:r>
+              <a:rPr lang="en-US" altLang="ja-JP" dirty="0" smtClean="0"/>
+              <a:t>1</a:t>
+            </a:r>
+            <a:r>
+              <a:rPr lang="ja-JP" altLang="en-US" dirty="0" smtClean="0"/>
+              <a:t>手、</a:t>
+            </a:r>
+            <a:r>
+              <a:rPr lang="en-US" altLang="ja-JP" dirty="0" smtClean="0"/>
+              <a:t>50</a:t>
+            </a:r>
+            <a:r>
+              <a:rPr lang="ja-JP" altLang="en-US" dirty="0" smtClean="0"/>
+              <a:t>試行（同配石）</a:t>
+            </a:r>
+            <a:endParaRPr lang="en-US" altLang="ja-JP" dirty="0" smtClean="0"/>
+          </a:p>
+          <a:p>
+            <a:endParaRPr kumimoji="1" lang="en-US" altLang="ja-JP" dirty="0" smtClean="0"/>
+          </a:p>
+        </p:txBody>
+      </p:sp>
+      <p:pic>
+        <p:nvPicPr>
+          <p:cNvPr id="6" name="図 5"/>
+          <p:cNvPicPr>
+            <a:picLocks noChangeAspect="1"/>
+          </p:cNvPicPr>
+          <p:nvPr/>
+        </p:nvPicPr>
+        <p:blipFill>
+          <a:blip r:embed="rId2">
+            <a:extLst>
+              <a:ext uri="{28A0092B-C50C-407E-A947-70E740481C1C}">
+                <a14:useLocalDpi xmlns:a14="http://schemas.microsoft.com/office/drawing/2010/main" val="0"/>
+              </a:ext>
+            </a:extLst>
+          </a:blip>
+          <a:stretch>
+            <a:fillRect/>
+          </a:stretch>
+        </p:blipFill>
+        <p:spPr>
+          <a:xfrm>
+            <a:off x="268470" y="2776826"/>
+            <a:ext cx="5091805" cy="3818854"/>
+          </a:xfrm>
+          <a:prstGeom prst="rect">
+            <a:avLst/>
+          </a:prstGeom>
+        </p:spPr>
+      </p:pic>
+      <p:sp>
+        <p:nvSpPr>
+          <p:cNvPr id="7" name="正方形/長方形 6"/>
+          <p:cNvSpPr/>
+          <p:nvPr/>
+        </p:nvSpPr>
+        <p:spPr>
+          <a:xfrm>
+            <a:off x="6671441" y="3004656"/>
+            <a:ext cx="3841532" cy="461665"/>
+          </a:xfrm>
+          <a:prstGeom prst="rect">
+            <a:avLst/>
+          </a:prstGeom>
+        </p:spPr>
+        <p:txBody>
+          <a:bodyPr wrap="square">
+            <a:spAutoFit/>
+          </a:bodyPr>
+          <a:lstStyle/>
+          <a:p>
+            <a:pPr algn="ctr"/>
+            <a:r>
+              <a:rPr lang="ja-JP" altLang="en-US" sz="2400" dirty="0"/>
+              <a:t>平均</a:t>
+            </a:r>
+            <a:r>
+              <a:rPr lang="ja-JP" altLang="en-US" sz="2400" dirty="0" smtClean="0"/>
+              <a:t>連鎖数</a:t>
+            </a:r>
+            <a:endParaRPr lang="en-US" altLang="ja-JP" sz="2400" dirty="0"/>
+          </a:p>
+        </p:txBody>
+      </p:sp>
+      <p:graphicFrame>
+        <p:nvGraphicFramePr>
+          <p:cNvPr id="8" name="表 7"/>
+          <p:cNvGraphicFramePr>
+            <a:graphicFrameLocks noGrp="1"/>
+          </p:cNvGraphicFramePr>
+          <p:nvPr>
+            <p:extLst>
+              <p:ext uri="{D42A27DB-BD31-4B8C-83A1-F6EECF244321}">
+                <p14:modId xmlns:p14="http://schemas.microsoft.com/office/powerpoint/2010/main" val="2011332890"/>
+              </p:ext>
+            </p:extLst>
+          </p:nvPr>
+        </p:nvGraphicFramePr>
+        <p:xfrm>
+          <a:off x="5720255" y="3563007"/>
+          <a:ext cx="5633545" cy="1419523"/>
+        </p:xfrm>
+        <a:graphic>
+          <a:graphicData uri="http://schemas.openxmlformats.org/drawingml/2006/table">
+            <a:tbl>
+              <a:tblPr firstRow="1" bandRow="1">
+                <a:tableStyleId>{5940675A-B579-460E-94D1-54222C63F5DA}</a:tableStyleId>
+              </a:tblPr>
+              <a:tblGrid>
+                <a:gridCol w="4445876"/>
+                <a:gridCol w="1187669"/>
+              </a:tblGrid>
+              <a:tr h="505123">
+                <a:tc>
+                  <a:txBody>
+                    <a:bodyPr/>
+                    <a:lstStyle/>
+                    <a:p>
+                      <a:r>
+                        <a:rPr kumimoji="1" lang="ja-JP" altLang="en-US" sz="2400" dirty="0" smtClean="0"/>
+                        <a:t>ポテンシャル最大化法</a:t>
+                      </a:r>
+                      <a:endParaRPr kumimoji="1" lang="ja-JP" altLang="en-US" sz="2400" dirty="0"/>
+                    </a:p>
+                  </a:txBody>
+                  <a:tcPr/>
+                </a:tc>
+                <a:tc>
+                  <a:txBody>
+                    <a:bodyPr/>
+                    <a:lstStyle/>
+                    <a:p>
+                      <a:pPr algn="ctr"/>
+                      <a:r>
+                        <a:rPr kumimoji="1" lang="en-US" altLang="ja-JP" sz="2400" dirty="0" smtClean="0"/>
+                        <a:t>5.96</a:t>
+                      </a:r>
+                      <a:endParaRPr kumimoji="1" lang="ja-JP" altLang="en-US" sz="2400" dirty="0"/>
+                    </a:p>
+                  </a:txBody>
+                  <a:tcPr/>
+                </a:tc>
+              </a:tr>
+              <a:tr h="370840">
+                <a:tc>
+                  <a:txBody>
+                    <a:bodyPr/>
+                    <a:lstStyle/>
+                    <a:p>
+                      <a:r>
+                        <a:rPr kumimoji="1" lang="ja-JP" altLang="en-US" sz="2400" dirty="0" smtClean="0"/>
+                        <a:t>ポテンシャル法の改良法</a:t>
+                      </a:r>
+                      <a:endParaRPr kumimoji="1" lang="ja-JP" altLang="en-US" sz="2400" dirty="0"/>
+                    </a:p>
+                  </a:txBody>
+                  <a:tcPr/>
+                </a:tc>
+                <a:tc>
+                  <a:txBody>
+                    <a:bodyPr/>
+                    <a:lstStyle/>
+                    <a:p>
+                      <a:pPr algn="ctr"/>
+                      <a:r>
+                        <a:rPr kumimoji="1" lang="en-US" altLang="ja-JP" sz="2400" dirty="0" smtClean="0"/>
+                        <a:t>7.78</a:t>
+                      </a:r>
+                      <a:endParaRPr kumimoji="1" lang="ja-JP" altLang="en-US" sz="2400" dirty="0"/>
+                    </a:p>
+                  </a:txBody>
+                  <a:tcPr/>
+                </a:tc>
+              </a:tr>
+              <a:tr h="370840">
+                <a:tc>
+                  <a:txBody>
+                    <a:bodyPr/>
+                    <a:lstStyle/>
+                    <a:p>
+                      <a:r>
+                        <a:rPr kumimoji="1" lang="ja-JP" altLang="en-US" sz="2400" dirty="0" smtClean="0">
+                          <a:solidFill>
+                            <a:schemeClr val="tx1"/>
+                          </a:solidFill>
+                        </a:rPr>
+                        <a:t>人の知識を適用した</a:t>
+                      </a:r>
+                      <a:r>
+                        <a:rPr kumimoji="1" lang="en-US" altLang="ja-JP" sz="2400" dirty="0" smtClean="0">
+                          <a:solidFill>
+                            <a:schemeClr val="tx1"/>
+                          </a:solidFill>
+                        </a:rPr>
+                        <a:t>AI</a:t>
+                      </a:r>
+                      <a:endParaRPr kumimoji="1" lang="ja-JP" altLang="en-US" sz="2400" dirty="0">
+                        <a:solidFill>
+                          <a:schemeClr val="tx1"/>
+                        </a:solidFill>
+                      </a:endParaRPr>
+                    </a:p>
+                  </a:txBody>
+                  <a:tcPr/>
+                </a:tc>
+                <a:tc>
+                  <a:txBody>
+                    <a:bodyPr/>
+                    <a:lstStyle/>
+                    <a:p>
+                      <a:pPr algn="ctr"/>
+                      <a:r>
+                        <a:rPr kumimoji="1" lang="en-US" altLang="ja-JP" sz="2400" dirty="0" smtClean="0">
+                          <a:solidFill>
+                            <a:srgbClr val="FF0000"/>
+                          </a:solidFill>
+                        </a:rPr>
+                        <a:t>8.10</a:t>
+                      </a:r>
+                      <a:endParaRPr kumimoji="1" lang="ja-JP" altLang="en-US" sz="2400" dirty="0">
+                        <a:solidFill>
+                          <a:srgbClr val="FF0000"/>
+                        </a:solidFill>
+                      </a:endParaRPr>
+                    </a:p>
+                  </a:txBody>
+                  <a:tcPr/>
+                </a:tc>
+              </a:tr>
+            </a:tbl>
+          </a:graphicData>
+        </a:graphic>
+      </p:graphicFrame>
+      <p:sp>
+        <p:nvSpPr>
+          <p:cNvPr id="9" name="正方形/長方形 8"/>
+          <p:cNvSpPr/>
+          <p:nvPr/>
+        </p:nvSpPr>
+        <p:spPr>
+          <a:xfrm>
+            <a:off x="6613635" y="5614431"/>
+            <a:ext cx="4758559" cy="584775"/>
+          </a:xfrm>
+          <a:prstGeom prst="rect">
+            <a:avLst/>
+          </a:prstGeom>
+        </p:spPr>
+        <p:txBody>
+          <a:bodyPr wrap="square">
+            <a:spAutoFit/>
+          </a:bodyPr>
+          <a:lstStyle/>
+          <a:p>
+            <a:r>
+              <a:rPr lang="ja-JP" altLang="en-US" sz="3200" u="sng" dirty="0" smtClean="0">
+                <a:solidFill>
+                  <a:srgbClr val="FF0000"/>
+                </a:solidFill>
+              </a:rPr>
+              <a:t>人の知識で連鎖数が安定</a:t>
+            </a:r>
+            <a:endParaRPr lang="en-US" altLang="ja-JP" sz="3200" u="sng" dirty="0">
+              <a:solidFill>
+                <a:srgbClr val="FF0000"/>
+              </a:solidFill>
+            </a:endParaRPr>
+          </a:p>
+        </p:txBody>
+      </p:sp>
+      <p:sp>
+        <p:nvSpPr>
+          <p:cNvPr id="10" name="右矢印 9"/>
+          <p:cNvSpPr/>
+          <p:nvPr/>
+        </p:nvSpPr>
+        <p:spPr>
+          <a:xfrm>
+            <a:off x="5778059" y="5645963"/>
+            <a:ext cx="769883" cy="525518"/>
+          </a:xfrm>
+          <a:prstGeom prst="rightArrow">
+            <a:avLst/>
+          </a:prstGeom>
+        </p:spPr>
+        <p:style>
+          <a:lnRef idx="2">
+            <a:schemeClr val="accent1">
+              <a:shade val="50000"/>
+            </a:schemeClr>
+          </a:lnRef>
+          <a:fillRef idx="1">
+            <a:schemeClr val="accent1"/>
+          </a:fillRef>
+          <a:effectRef idx="0">
+            <a:schemeClr val="accent1"/>
+          </a:effectRef>
+          <a:fontRef idx="minor">
+            <a:schemeClr val="lt1"/>
+          </a:fontRef>
+        </p:style>
+        <p:txBody>
+          <a:bodyPr rtlCol="0" anchor="ctr"/>
+          <a:lstStyle/>
+          <a:p>
+            <a:pPr algn="ctr"/>
+            <a:endParaRPr kumimoji="1" lang="ja-JP" altLang="en-US"/>
+          </a:p>
+        </p:txBody>
+      </p:sp>
+    </p:spTree>
+    <p:extLst>
+      <p:ext uri="{BB962C8B-B14F-4D97-AF65-F5344CB8AC3E}">
+        <p14:creationId xmlns:p14="http://schemas.microsoft.com/office/powerpoint/2010/main" val="649948087"/>
+      </p:ext>
+    </p:extLst>
+  </p:cSld>
+  <p:clrMapOvr>
+    <a:masterClrMapping/>
+  </p:clrMapOvr>
+  <p:timing>
+    <p:tnLst>
+      <p:par>
+        <p:cTn id="1" dur="indefinite" restart="never" nodeType="tmRoot"/>
+      </p:par>
+    </p:tnLst>
+  </p:timing>
+</p:sld>
+</file>
+
+<file path=ppt/slides/slide8.xml><?xml version="1.0" encoding="utf-8"?>
+<p:sld xmlns:a="http://schemas.openxmlformats.org/drawingml/2006/main" xmlns:r="http://schemas.openxmlformats.org/officeDocument/2006/relationships" xmlns:p="http://schemas.openxmlformats.org/presentationml/2006/main">
+  <p:cSld>
+    <p:spTree>
+      <p:nvGrpSpPr>
+        <p:cNvPr id="1" name=""/>
+        <p:cNvGrpSpPr/>
+        <p:nvPr/>
+      </p:nvGrpSpPr>
+      <p:grpSpPr>
+        <a:xfrm>
+          <a:off x="0" y="0"/>
+          <a:ext cx="0" cy="0"/>
+          <a:chOff x="0" y="0"/>
+          <a:chExt cx="0" cy="0"/>
+        </a:xfrm>
+      </p:grpSpPr>
+      <p:sp>
+        <p:nvSpPr>
+          <p:cNvPr id="2" name="タイトル 1"/>
+          <p:cNvSpPr>
+            <a:spLocks noGrp="1"/>
+          </p:cNvSpPr>
+          <p:nvPr>
+            <p:ph type="title"/>
+          </p:nvPr>
+        </p:nvSpPr>
+        <p:spPr/>
+        <p:txBody>
+          <a:bodyPr/>
+          <a:lstStyle/>
+          <a:p>
+            <a:r>
+              <a:rPr kumimoji="1" lang="ja-JP" altLang="en-US" dirty="0" smtClean="0"/>
+              <a:t>実験</a:t>
+            </a:r>
+            <a:r>
+              <a:rPr lang="en-US" altLang="ja-JP" dirty="0"/>
+              <a:t>2</a:t>
+            </a:r>
+            <a:r>
+              <a:rPr kumimoji="1" lang="ja-JP" altLang="en-US" dirty="0" smtClean="0"/>
+              <a:t>：対戦</a:t>
+            </a:r>
+            <a:endParaRPr kumimoji="1" lang="ja-JP" altLang="en-US" dirty="0"/>
+          </a:p>
+        </p:txBody>
+      </p:sp>
+      <p:sp>
+        <p:nvSpPr>
+          <p:cNvPr id="3" name="コンテンツ プレースホルダー 2"/>
+          <p:cNvSpPr>
+            <a:spLocks noGrp="1"/>
+          </p:cNvSpPr>
+          <p:nvPr>
+            <p:ph idx="1"/>
+          </p:nvPr>
+        </p:nvSpPr>
+        <p:spPr>
+          <a:xfrm>
+            <a:off x="670035" y="1690688"/>
+            <a:ext cx="10515600" cy="2000546"/>
+          </a:xfrm>
+        </p:spPr>
+        <p:txBody>
+          <a:bodyPr>
+            <a:normAutofit/>
+          </a:bodyPr>
+          <a:lstStyle/>
+          <a:p>
+            <a:pPr>
+              <a:lnSpc>
+                <a:spcPct val="100000"/>
+              </a:lnSpc>
+              <a:spcAft>
+                <a:spcPts val="1200"/>
+              </a:spcAft>
+            </a:pPr>
+            <a:r>
+              <a:rPr kumimoji="1" lang="ja-JP" altLang="en-US" sz="3200" dirty="0" smtClean="0"/>
+              <a:t>ゲーム内の</a:t>
+            </a:r>
+            <a:r>
+              <a:rPr kumimoji="1" lang="en-US" altLang="ja-JP" sz="3200" dirty="0" smtClean="0"/>
+              <a:t>AI</a:t>
+            </a:r>
+            <a:r>
+              <a:rPr kumimoji="1" lang="ja-JP" altLang="en-US" sz="3200" dirty="0" smtClean="0"/>
+              <a:t>と対戦</a:t>
+            </a:r>
+            <a:endParaRPr kumimoji="1" lang="en-US" altLang="ja-JP" sz="3200" dirty="0" smtClean="0"/>
+          </a:p>
+          <a:p>
+            <a:pPr lvl="1">
+              <a:lnSpc>
+                <a:spcPct val="100000"/>
+              </a:lnSpc>
+              <a:spcAft>
+                <a:spcPts val="1200"/>
+              </a:spcAft>
+            </a:pPr>
+            <a:r>
+              <a:rPr lang="en-US" altLang="ja-JP" sz="2800" dirty="0" smtClean="0"/>
+              <a:t>DQN</a:t>
+            </a:r>
+            <a:r>
+              <a:rPr lang="ja-JP" altLang="en-US" sz="2800" dirty="0" smtClean="0"/>
+              <a:t>：学習環境と同条件で対戦</a:t>
+            </a:r>
+            <a:endParaRPr lang="en-US" altLang="ja-JP" sz="2800" dirty="0" smtClean="0"/>
+          </a:p>
+          <a:p>
+            <a:pPr lvl="1">
+              <a:lnSpc>
+                <a:spcPct val="100000"/>
+              </a:lnSpc>
+              <a:spcAft>
+                <a:spcPts val="1200"/>
+              </a:spcAft>
+            </a:pPr>
+            <a:r>
+              <a:rPr kumimoji="1" lang="ja-JP" altLang="en-US" sz="2800" dirty="0" smtClean="0"/>
+              <a:t>人の知識適用</a:t>
+            </a:r>
+            <a:r>
+              <a:rPr kumimoji="1" lang="en-US" altLang="ja-JP" sz="2800" dirty="0" smtClean="0"/>
+              <a:t>AI</a:t>
+            </a:r>
+            <a:r>
+              <a:rPr kumimoji="1" lang="ja-JP" altLang="en-US" sz="2800" dirty="0" smtClean="0"/>
+              <a:t>：スコア閾値</a:t>
+            </a:r>
+            <a:r>
+              <a:rPr kumimoji="1" lang="en-US" altLang="ja-JP" sz="2800" dirty="0" smtClean="0"/>
+              <a:t>2100</a:t>
+            </a:r>
+            <a:r>
+              <a:rPr kumimoji="1" lang="ja-JP" altLang="en-US" sz="2800" dirty="0" smtClean="0"/>
+              <a:t>点で連鎖発動</a:t>
+            </a:r>
           </a:p>
         </p:txBody>
       </p:sp>
@@ -3625,14 +8654,14 @@
           <p:nvPr>
             <p:extLst>
               <p:ext uri="{D42A27DB-BD31-4B8C-83A1-F6EECF244321}">
-                <p14:modId xmlns:p14="http://schemas.microsoft.com/office/powerpoint/2010/main" val="1132130130"/>
+                <p14:modId xmlns:p14="http://schemas.microsoft.com/office/powerpoint/2010/main" val="1058754976"/>
               </p:ext>
             </p:extLst>
           </p:nvPr>
         </p:nvGraphicFramePr>
         <p:xfrm>
-          <a:off x="5749159" y="2001928"/>
-          <a:ext cx="5517931" cy="1112520"/>
+          <a:off x="157657" y="4335224"/>
+          <a:ext cx="5906812" cy="1371600"/>
         </p:xfrm>
         <a:graphic>
           <a:graphicData uri="http://schemas.openxmlformats.org/drawingml/2006/table">
@@ -3641,17 +8670,16 @@
                 <a:tableStyleId>{912C8C85-51F0-491E-9774-3900AFEF0FD7}</a:tableStyleId>
               </a:tblPr>
               <a:tblGrid>
-                <a:gridCol w="2459420"/>
-                <a:gridCol w="1261242"/>
-                <a:gridCol w="1797269"/>
+                <a:gridCol w="2554012"/>
+                <a:gridCol w="3352800"/>
               </a:tblGrid>
-              <a:tr h="370840">
+              <a:tr h="436473">
                 <a:tc>
                   <a:txBody>
                     <a:bodyPr/>
                     <a:lstStyle/>
                     <a:p>
-                      <a:endParaRPr kumimoji="1" lang="ja-JP" altLang="en-US" dirty="0"/>
+                      <a:endParaRPr kumimoji="1" lang="ja-JP" altLang="en-US" sz="2400" dirty="0"/>
                     </a:p>
                   </a:txBody>
                   <a:tcPr>
@@ -3698,70 +8726,40 @@
                     <a:bodyPr/>
                     <a:lstStyle/>
                     <a:p>
+                      <a:pPr marL="0" marR="0" indent="0" algn="ctr" defTabSz="914400" rtl="0" eaLnBrk="1" fontAlgn="auto" latinLnBrk="0" hangingPunct="1">
+                        <a:lnSpc>
+                          <a:spcPct val="100000"/>
+                        </a:lnSpc>
+                        <a:spcBef>
+                          <a:spcPts val="0"/>
+                        </a:spcBef>
+                        <a:spcAft>
+                          <a:spcPts val="0"/>
+                        </a:spcAft>
+                        <a:buClrTx/>
+                        <a:buSzTx/>
+                        <a:buFontTx/>
+                        <a:buNone/>
+                        <a:tabLst/>
+                        <a:defRPr/>
+                      </a:pPr>
                       <a:r>
-                        <a:rPr kumimoji="1" lang="ja-JP" altLang="en-US" dirty="0" smtClean="0"/>
+                        <a:rPr kumimoji="1" lang="ja-JP" altLang="en-US" sz="2400" dirty="0" smtClean="0"/>
                         <a:t>実装</a:t>
                       </a:r>
                       <a:r>
-                        <a:rPr kumimoji="1" lang="en-US" altLang="ja-JP" dirty="0" smtClean="0"/>
-                        <a:t>AI</a:t>
+                        <a:rPr kumimoji="1" lang="en-US" altLang="ja-JP" sz="2400" dirty="0" smtClean="0"/>
+                        <a:t>AI -</a:t>
                       </a:r>
-                      <a:endParaRPr kumimoji="1" lang="ja-JP" altLang="en-US" dirty="0"/>
-                    </a:p>
-                  </a:txBody>
-                  <a:tcPr>
-                    <a:lnL w="12700" cap="flat" cmpd="sng" algn="ctr">
-                      <a:solidFill>
-                        <a:schemeClr val="tx1"/>
-                      </a:solidFill>
-                      <a:prstDash val="solid"/>
-                      <a:round/>
-                      <a:headEnd type="none" w="med" len="med"/>
-                      <a:tailEnd type="none" w="med" len="med"/>
-                    </a:lnL>
-                    <a:lnR w="12700" cap="flat" cmpd="sng" algn="ctr">
-                      <a:solidFill>
-                        <a:schemeClr val="tx1"/>
-                      </a:solidFill>
-                      <a:prstDash val="solid"/>
-                      <a:round/>
-                      <a:headEnd type="none" w="med" len="med"/>
-                      <a:tailEnd type="none" w="med" len="med"/>
-                    </a:lnR>
-                    <a:lnT w="12700" cap="flat" cmpd="sng" algn="ctr">
-                      <a:solidFill>
-                        <a:schemeClr val="tx1"/>
-                      </a:solidFill>
-                      <a:prstDash val="solid"/>
-                      <a:round/>
-                      <a:headEnd type="none" w="med" len="med"/>
-                      <a:tailEnd type="none" w="med" len="med"/>
-                    </a:lnT>
-                    <a:lnB w="12700" cap="flat" cmpd="sng" algn="ctr">
-                      <a:solidFill>
-                        <a:schemeClr val="tx1"/>
-                      </a:solidFill>
-                      <a:prstDash val="solid"/>
-                      <a:round/>
-                      <a:headEnd type="none" w="med" len="med"/>
-                      <a:tailEnd type="none" w="med" len="med"/>
-                    </a:lnB>
-                  </a:tcPr>
-                </a:tc>
-                <a:tc>
-                  <a:txBody>
-                    <a:bodyPr/>
-                    <a:lstStyle/>
-                    <a:p>
                       <a:r>
-                        <a:rPr kumimoji="1" lang="ja-JP" altLang="en-US" dirty="0" smtClean="0"/>
+                        <a:rPr kumimoji="1" lang="ja-JP" altLang="en-US" sz="2400" dirty="0" smtClean="0"/>
                         <a:t>ゲーム内</a:t>
                       </a:r>
                       <a:r>
-                        <a:rPr kumimoji="1" lang="en-US" altLang="ja-JP" dirty="0" smtClean="0"/>
+                        <a:rPr kumimoji="1" lang="en-US" altLang="ja-JP" sz="2400" dirty="0" smtClean="0"/>
                         <a:t>AI</a:t>
                       </a:r>
-                      <a:endParaRPr kumimoji="1" lang="ja-JP" altLang="en-US" dirty="0"/>
+                      <a:endParaRPr kumimoji="1" lang="ja-JP" altLang="en-US" sz="2400" dirty="0" smtClean="0"/>
                     </a:p>
                   </a:txBody>
                   <a:tcPr>
@@ -3811,10 +8809,10 @@
                     <a:lstStyle/>
                     <a:p>
                       <a:r>
-                        <a:rPr kumimoji="1" lang="en-US" altLang="ja-JP" dirty="0" smtClean="0"/>
+                        <a:rPr kumimoji="1" lang="en-US" altLang="ja-JP" sz="2400" dirty="0" smtClean="0"/>
                         <a:t>DQN</a:t>
                       </a:r>
-                      <a:endParaRPr kumimoji="1" lang="ja-JP" altLang="en-US" dirty="0"/>
+                      <a:endParaRPr kumimoji="1" lang="ja-JP" altLang="en-US" sz="2400" dirty="0"/>
                     </a:p>
                   </a:txBody>
                   <a:tcPr>
@@ -3861,54 +8859,12 @@
                     <a:bodyPr/>
                     <a:lstStyle/>
                     <a:p>
-                      <a:endParaRPr kumimoji="1" lang="ja-JP" altLang="en-US" dirty="0"/>
-                    </a:p>
-                  </a:txBody>
-                  <a:tcPr>
-                    <a:lnL w="12700" cap="flat" cmpd="sng" algn="ctr">
-                      <a:solidFill>
-                        <a:schemeClr val="tx1"/>
-                      </a:solidFill>
-                      <a:prstDash val="solid"/>
-                      <a:round/>
-                      <a:headEnd type="none" w="med" len="med"/>
-                      <a:tailEnd type="none" w="med" len="med"/>
-                    </a:lnL>
-                    <a:lnR w="12700" cap="flat" cmpd="sng" algn="ctr">
-                      <a:solidFill>
-                        <a:schemeClr val="tx1"/>
-                      </a:solidFill>
-                      <a:prstDash val="solid"/>
-                      <a:round/>
-                      <a:headEnd type="none" w="med" len="med"/>
-                      <a:tailEnd type="none" w="med" len="med"/>
-                    </a:lnR>
-                    <a:lnT w="12700" cap="flat" cmpd="sng" algn="ctr">
-                      <a:solidFill>
-                        <a:schemeClr val="tx1"/>
-                      </a:solidFill>
-                      <a:prstDash val="solid"/>
-                      <a:round/>
-                      <a:headEnd type="none" w="med" len="med"/>
-                      <a:tailEnd type="none" w="med" len="med"/>
-                    </a:lnT>
-                    <a:lnB w="12700" cap="flat" cmpd="sng" algn="ctr">
-                      <a:solidFill>
-                        <a:schemeClr val="tx1"/>
-                      </a:solidFill>
-                      <a:prstDash val="solid"/>
-                      <a:round/>
-                      <a:headEnd type="none" w="med" len="med"/>
-                      <a:tailEnd type="none" w="med" len="med"/>
-                    </a:lnB>
-                  </a:tcPr>
-                </a:tc>
-                <a:tc>
-                  <a:txBody>
-                    <a:bodyPr/>
-                    <a:lstStyle/>
-                    <a:p>
-                      <a:endParaRPr kumimoji="1" lang="ja-JP" altLang="en-US"/>
+                      <a:pPr algn="ctr"/>
+                      <a:r>
+                        <a:rPr kumimoji="1" lang="en-US" altLang="ja-JP" sz="2400" dirty="0" smtClean="0"/>
+                        <a:t>2 - 48</a:t>
+                      </a:r>
+                      <a:endParaRPr kumimoji="1" lang="ja-JP" altLang="en-US" sz="2400" dirty="0"/>
                     </a:p>
                   </a:txBody>
                   <a:tcPr>
@@ -3958,14 +8914,14 @@
                     <a:lstStyle/>
                     <a:p>
                       <a:r>
-                        <a:rPr kumimoji="1" lang="ja-JP" altLang="en-US" dirty="0" smtClean="0"/>
-                        <a:t>人の知識を適用した</a:t>
+                        <a:rPr kumimoji="1" lang="ja-JP" altLang="en-US" sz="2400" dirty="0" smtClean="0"/>
+                        <a:t>人の知識適用</a:t>
                       </a:r>
                       <a:r>
-                        <a:rPr kumimoji="1" lang="en-US" altLang="ja-JP" dirty="0" smtClean="0"/>
+                        <a:rPr kumimoji="1" lang="en-US" altLang="ja-JP" sz="2400" dirty="0" smtClean="0"/>
                         <a:t>AI</a:t>
                       </a:r>
-                      <a:endParaRPr kumimoji="1" lang="ja-JP" altLang="en-US" dirty="0"/>
+                      <a:endParaRPr kumimoji="1" lang="ja-JP" altLang="en-US" sz="2400" dirty="0"/>
                     </a:p>
                   </a:txBody>
                   <a:tcPr>
@@ -4012,7 +8968,102 @@
                     <a:bodyPr/>
                     <a:lstStyle/>
                     <a:p>
-                      <a:endParaRPr kumimoji="1" lang="ja-JP" altLang="en-US"/>
+                      <a:pPr algn="ctr"/>
+                      <a:r>
+                        <a:rPr kumimoji="1" lang="en-US" altLang="ja-JP" sz="2400" dirty="0" smtClean="0">
+                          <a:solidFill>
+                            <a:srgbClr val="FF0000"/>
+                          </a:solidFill>
+                        </a:rPr>
+                        <a:t>24</a:t>
+                      </a:r>
+                      <a:r>
+                        <a:rPr kumimoji="1" lang="en-US" altLang="ja-JP" sz="2400" dirty="0" smtClean="0"/>
+                        <a:t> - 26</a:t>
+                      </a:r>
+                      <a:endParaRPr kumimoji="1" lang="ja-JP" altLang="en-US" sz="2400" dirty="0"/>
+                    </a:p>
+                  </a:txBody>
+                  <a:tcPr>
+                    <a:lnL w="12700" cap="flat" cmpd="sng" algn="ctr">
+                      <a:solidFill>
+                        <a:schemeClr val="tx1"/>
+                      </a:solidFill>
+                      <a:prstDash val="solid"/>
+                      <a:round/>
+                      <a:headEnd type="none" w="med" len="med"/>
+                      <a:tailEnd type="none" w="med" len="med"/>
+                    </a:lnL>
+                    <a:lnR w="12700" cap="flat" cmpd="sng" algn="ctr">
+                      <a:solidFill>
+                        <a:schemeClr val="tx1"/>
+                      </a:solidFill>
+                      <a:prstDash val="solid"/>
+                      <a:round/>
+                      <a:headEnd type="none" w="med" len="med"/>
+                      <a:tailEnd type="none" w="med" len="med"/>
+                    </a:lnR>
+                    <a:lnT w="12700" cap="flat" cmpd="sng" algn="ctr">
+                      <a:solidFill>
+                        <a:schemeClr val="tx1"/>
+                      </a:solidFill>
+                      <a:prstDash val="solid"/>
+                      <a:round/>
+                      <a:headEnd type="none" w="med" len="med"/>
+                      <a:tailEnd type="none" w="med" len="med"/>
+                    </a:lnT>
+                    <a:lnB w="12700" cap="flat" cmpd="sng" algn="ctr">
+                      <a:solidFill>
+                        <a:schemeClr val="tx1"/>
+                      </a:solidFill>
+                      <a:prstDash val="solid"/>
+                      <a:round/>
+                      <a:headEnd type="none" w="med" len="med"/>
+                      <a:tailEnd type="none" w="med" len="med"/>
+                    </a:lnB>
+                  </a:tcPr>
+                </a:tc>
+              </a:tr>
+            </a:tbl>
+          </a:graphicData>
+        </a:graphic>
+      </p:graphicFrame>
+      <p:graphicFrame>
+        <p:nvGraphicFramePr>
+          <p:cNvPr id="5" name="表 4"/>
+          <p:cNvGraphicFramePr>
+            <a:graphicFrameLocks noGrp="1"/>
+          </p:cNvGraphicFramePr>
+          <p:nvPr>
+            <p:extLst>
+              <p:ext uri="{D42A27DB-BD31-4B8C-83A1-F6EECF244321}">
+                <p14:modId xmlns:p14="http://schemas.microsoft.com/office/powerpoint/2010/main" val="1195600266"/>
+              </p:ext>
+            </p:extLst>
+          </p:nvPr>
+        </p:nvGraphicFramePr>
+        <p:xfrm>
+          <a:off x="6295697" y="4335224"/>
+          <a:ext cx="5791199" cy="1371600"/>
+        </p:xfrm>
+        <a:graphic>
+          <a:graphicData uri="http://schemas.openxmlformats.org/drawingml/2006/table">
+            <a:tbl>
+              <a:tblPr firstRow="1" bandRow="1">
+                <a:tableStyleId>{912C8C85-51F0-491E-9774-3900AFEF0FD7}</a:tableStyleId>
+              </a:tblPr>
+              <a:tblGrid>
+                <a:gridCol w="2581220"/>
+                <a:gridCol w="1370669"/>
+                <a:gridCol w="1839310"/>
+              </a:tblGrid>
+              <a:tr h="370840">
+                <a:tc>
+                  <a:txBody>
+                    <a:bodyPr/>
+                    <a:lstStyle/>
+                    <a:p>
+                      <a:endParaRPr kumimoji="1" lang="ja-JP" altLang="en-US" sz="2400" dirty="0"/>
                     </a:p>
                   </a:txBody>
                   <a:tcPr>
@@ -4059,7 +9110,396 @@
                     <a:bodyPr/>
                     <a:lstStyle/>
                     <a:p>
-                      <a:endParaRPr kumimoji="1" lang="ja-JP" altLang="en-US" dirty="0"/>
+                      <a:r>
+                        <a:rPr kumimoji="1" lang="ja-JP" altLang="en-US" sz="2400" dirty="0" smtClean="0"/>
+                        <a:t>実装</a:t>
+                      </a:r>
+                      <a:r>
+                        <a:rPr kumimoji="1" lang="en-US" altLang="ja-JP" sz="2400" dirty="0" smtClean="0"/>
+                        <a:t>AI</a:t>
+                      </a:r>
+                      <a:endParaRPr kumimoji="1" lang="ja-JP" altLang="en-US" sz="2400" dirty="0"/>
+                    </a:p>
+                  </a:txBody>
+                  <a:tcPr>
+                    <a:lnL w="12700" cap="flat" cmpd="sng" algn="ctr">
+                      <a:solidFill>
+                        <a:schemeClr val="tx1"/>
+                      </a:solidFill>
+                      <a:prstDash val="solid"/>
+                      <a:round/>
+                      <a:headEnd type="none" w="med" len="med"/>
+                      <a:tailEnd type="none" w="med" len="med"/>
+                    </a:lnL>
+                    <a:lnR w="12700" cap="flat" cmpd="sng" algn="ctr">
+                      <a:solidFill>
+                        <a:schemeClr val="tx1"/>
+                      </a:solidFill>
+                      <a:prstDash val="solid"/>
+                      <a:round/>
+                      <a:headEnd type="none" w="med" len="med"/>
+                      <a:tailEnd type="none" w="med" len="med"/>
+                    </a:lnR>
+                    <a:lnT w="12700" cap="flat" cmpd="sng" algn="ctr">
+                      <a:solidFill>
+                        <a:schemeClr val="tx1"/>
+                      </a:solidFill>
+                      <a:prstDash val="solid"/>
+                      <a:round/>
+                      <a:headEnd type="none" w="med" len="med"/>
+                      <a:tailEnd type="none" w="med" len="med"/>
+                    </a:lnT>
+                    <a:lnB w="12700" cap="flat" cmpd="sng" algn="ctr">
+                      <a:solidFill>
+                        <a:schemeClr val="tx1"/>
+                      </a:solidFill>
+                      <a:prstDash val="solid"/>
+                      <a:round/>
+                      <a:headEnd type="none" w="med" len="med"/>
+                      <a:tailEnd type="none" w="med" len="med"/>
+                    </a:lnB>
+                  </a:tcPr>
+                </a:tc>
+                <a:tc>
+                  <a:txBody>
+                    <a:bodyPr/>
+                    <a:lstStyle/>
+                    <a:p>
+                      <a:r>
+                        <a:rPr kumimoji="1" lang="ja-JP" altLang="en-US" sz="2400" dirty="0" smtClean="0"/>
+                        <a:t>ゲーム内</a:t>
+                      </a:r>
+                      <a:r>
+                        <a:rPr kumimoji="1" lang="en-US" altLang="ja-JP" sz="2400" dirty="0" smtClean="0"/>
+                        <a:t>AI</a:t>
+                      </a:r>
+                      <a:endParaRPr kumimoji="1" lang="ja-JP" altLang="en-US" sz="2400" dirty="0"/>
+                    </a:p>
+                  </a:txBody>
+                  <a:tcPr>
+                    <a:lnL w="12700" cap="flat" cmpd="sng" algn="ctr">
+                      <a:solidFill>
+                        <a:schemeClr val="tx1"/>
+                      </a:solidFill>
+                      <a:prstDash val="solid"/>
+                      <a:round/>
+                      <a:headEnd type="none" w="med" len="med"/>
+                      <a:tailEnd type="none" w="med" len="med"/>
+                    </a:lnL>
+                    <a:lnR w="12700" cap="flat" cmpd="sng" algn="ctr">
+                      <a:solidFill>
+                        <a:schemeClr val="tx1"/>
+                      </a:solidFill>
+                      <a:prstDash val="solid"/>
+                      <a:round/>
+                      <a:headEnd type="none" w="med" len="med"/>
+                      <a:tailEnd type="none" w="med" len="med"/>
+                    </a:lnR>
+                    <a:lnT w="12700" cap="flat" cmpd="sng" algn="ctr">
+                      <a:solidFill>
+                        <a:schemeClr val="tx1"/>
+                      </a:solidFill>
+                      <a:prstDash val="solid"/>
+                      <a:round/>
+                      <a:headEnd type="none" w="med" len="med"/>
+                      <a:tailEnd type="none" w="med" len="med"/>
+                    </a:lnT>
+                    <a:lnB w="12700" cap="flat" cmpd="sng" algn="ctr">
+                      <a:solidFill>
+                        <a:schemeClr val="tx1"/>
+                      </a:solidFill>
+                      <a:prstDash val="solid"/>
+                      <a:round/>
+                      <a:headEnd type="none" w="med" len="med"/>
+                      <a:tailEnd type="none" w="med" len="med"/>
+                    </a:lnB>
+                  </a:tcPr>
+                </a:tc>
+              </a:tr>
+              <a:tr h="370840">
+                <a:tc>
+                  <a:txBody>
+                    <a:bodyPr/>
+                    <a:lstStyle/>
+                    <a:p>
+                      <a:r>
+                        <a:rPr kumimoji="1" lang="en-US" altLang="ja-JP" sz="2400" dirty="0" smtClean="0"/>
+                        <a:t>DQN</a:t>
+                      </a:r>
+                      <a:endParaRPr kumimoji="1" lang="ja-JP" altLang="en-US" sz="2400" dirty="0"/>
+                    </a:p>
+                  </a:txBody>
+                  <a:tcPr>
+                    <a:lnL w="12700" cap="flat" cmpd="sng" algn="ctr">
+                      <a:solidFill>
+                        <a:schemeClr val="tx1"/>
+                      </a:solidFill>
+                      <a:prstDash val="solid"/>
+                      <a:round/>
+                      <a:headEnd type="none" w="med" len="med"/>
+                      <a:tailEnd type="none" w="med" len="med"/>
+                    </a:lnL>
+                    <a:lnR w="12700" cap="flat" cmpd="sng" algn="ctr">
+                      <a:solidFill>
+                        <a:schemeClr val="tx1"/>
+                      </a:solidFill>
+                      <a:prstDash val="solid"/>
+                      <a:round/>
+                      <a:headEnd type="none" w="med" len="med"/>
+                      <a:tailEnd type="none" w="med" len="med"/>
+                    </a:lnR>
+                    <a:lnT w="12700" cap="flat" cmpd="sng" algn="ctr">
+                      <a:solidFill>
+                        <a:schemeClr val="tx1"/>
+                      </a:solidFill>
+                      <a:prstDash val="solid"/>
+                      <a:round/>
+                      <a:headEnd type="none" w="med" len="med"/>
+                      <a:tailEnd type="none" w="med" len="med"/>
+                    </a:lnT>
+                    <a:lnB w="12700" cap="flat" cmpd="sng" algn="ctr">
+                      <a:solidFill>
+                        <a:schemeClr val="tx1"/>
+                      </a:solidFill>
+                      <a:prstDash val="solid"/>
+                      <a:round/>
+                      <a:headEnd type="none" w="med" len="med"/>
+                      <a:tailEnd type="none" w="med" len="med"/>
+                    </a:lnB>
+                  </a:tcPr>
+                </a:tc>
+                <a:tc>
+                  <a:txBody>
+                    <a:bodyPr/>
+                    <a:lstStyle/>
+                    <a:p>
+                      <a:pPr algn="ctr"/>
+                      <a:r>
+                        <a:rPr kumimoji="1" lang="en-US" altLang="ja-JP" sz="2400" smtClean="0"/>
+                        <a:t>743.30</a:t>
+                      </a:r>
+                      <a:endParaRPr kumimoji="1" lang="ja-JP" altLang="en-US" sz="2400" dirty="0"/>
+                    </a:p>
+                  </a:txBody>
+                  <a:tcPr>
+                    <a:lnL w="12700" cap="flat" cmpd="sng" algn="ctr">
+                      <a:solidFill>
+                        <a:schemeClr val="tx1"/>
+                      </a:solidFill>
+                      <a:prstDash val="solid"/>
+                      <a:round/>
+                      <a:headEnd type="none" w="med" len="med"/>
+                      <a:tailEnd type="none" w="med" len="med"/>
+                    </a:lnL>
+                    <a:lnR w="12700" cap="flat" cmpd="sng" algn="ctr">
+                      <a:solidFill>
+                        <a:schemeClr val="tx1"/>
+                      </a:solidFill>
+                      <a:prstDash val="solid"/>
+                      <a:round/>
+                      <a:headEnd type="none" w="med" len="med"/>
+                      <a:tailEnd type="none" w="med" len="med"/>
+                    </a:lnR>
+                    <a:lnT w="12700" cap="flat" cmpd="sng" algn="ctr">
+                      <a:solidFill>
+                        <a:schemeClr val="tx1"/>
+                      </a:solidFill>
+                      <a:prstDash val="solid"/>
+                      <a:round/>
+                      <a:headEnd type="none" w="med" len="med"/>
+                      <a:tailEnd type="none" w="med" len="med"/>
+                    </a:lnT>
+                    <a:lnB w="12700" cap="flat" cmpd="sng" algn="ctr">
+                      <a:solidFill>
+                        <a:schemeClr val="tx1"/>
+                      </a:solidFill>
+                      <a:prstDash val="solid"/>
+                      <a:round/>
+                      <a:headEnd type="none" w="med" len="med"/>
+                      <a:tailEnd type="none" w="med" len="med"/>
+                    </a:lnB>
+                  </a:tcPr>
+                </a:tc>
+                <a:tc>
+                  <a:txBody>
+                    <a:bodyPr/>
+                    <a:lstStyle/>
+                    <a:p>
+                      <a:pPr algn="ctr"/>
+                      <a:r>
+                        <a:rPr kumimoji="1" lang="en-US" altLang="ja-JP" sz="2400" dirty="0" smtClean="0"/>
+                        <a:t>1790.12</a:t>
+                      </a:r>
+                      <a:endParaRPr kumimoji="1" lang="ja-JP" altLang="en-US" sz="2400" dirty="0"/>
+                    </a:p>
+                  </a:txBody>
+                  <a:tcPr>
+                    <a:lnL w="12700" cap="flat" cmpd="sng" algn="ctr">
+                      <a:solidFill>
+                        <a:schemeClr val="tx1"/>
+                      </a:solidFill>
+                      <a:prstDash val="solid"/>
+                      <a:round/>
+                      <a:headEnd type="none" w="med" len="med"/>
+                      <a:tailEnd type="none" w="med" len="med"/>
+                    </a:lnL>
+                    <a:lnR w="12700" cap="flat" cmpd="sng" algn="ctr">
+                      <a:solidFill>
+                        <a:schemeClr val="tx1"/>
+                      </a:solidFill>
+                      <a:prstDash val="solid"/>
+                      <a:round/>
+                      <a:headEnd type="none" w="med" len="med"/>
+                      <a:tailEnd type="none" w="med" len="med"/>
+                    </a:lnR>
+                    <a:lnT w="12700" cap="flat" cmpd="sng" algn="ctr">
+                      <a:solidFill>
+                        <a:schemeClr val="tx1"/>
+                      </a:solidFill>
+                      <a:prstDash val="solid"/>
+                      <a:round/>
+                      <a:headEnd type="none" w="med" len="med"/>
+                      <a:tailEnd type="none" w="med" len="med"/>
+                    </a:lnT>
+                    <a:lnB w="12700" cap="flat" cmpd="sng" algn="ctr">
+                      <a:solidFill>
+                        <a:schemeClr val="tx1"/>
+                      </a:solidFill>
+                      <a:prstDash val="solid"/>
+                      <a:round/>
+                      <a:headEnd type="none" w="med" len="med"/>
+                      <a:tailEnd type="none" w="med" len="med"/>
+                    </a:lnB>
+                  </a:tcPr>
+                </a:tc>
+              </a:tr>
+              <a:tr h="370840">
+                <a:tc>
+                  <a:txBody>
+                    <a:bodyPr/>
+                    <a:lstStyle/>
+                    <a:p>
+                      <a:r>
+                        <a:rPr kumimoji="1" lang="ja-JP" altLang="en-US" sz="2400" dirty="0" smtClean="0"/>
+                        <a:t>人の知識適用</a:t>
+                      </a:r>
+                      <a:r>
+                        <a:rPr kumimoji="1" lang="en-US" altLang="ja-JP" sz="2400" dirty="0" smtClean="0"/>
+                        <a:t>AI</a:t>
+                      </a:r>
+                      <a:endParaRPr kumimoji="1" lang="ja-JP" altLang="en-US" sz="2400" dirty="0"/>
+                    </a:p>
+                  </a:txBody>
+                  <a:tcPr>
+                    <a:lnL w="12700" cap="flat" cmpd="sng" algn="ctr">
+                      <a:solidFill>
+                        <a:schemeClr val="tx1"/>
+                      </a:solidFill>
+                      <a:prstDash val="solid"/>
+                      <a:round/>
+                      <a:headEnd type="none" w="med" len="med"/>
+                      <a:tailEnd type="none" w="med" len="med"/>
+                    </a:lnL>
+                    <a:lnR w="12700" cap="flat" cmpd="sng" algn="ctr">
+                      <a:solidFill>
+                        <a:schemeClr val="tx1"/>
+                      </a:solidFill>
+                      <a:prstDash val="solid"/>
+                      <a:round/>
+                      <a:headEnd type="none" w="med" len="med"/>
+                      <a:tailEnd type="none" w="med" len="med"/>
+                    </a:lnR>
+                    <a:lnT w="12700" cap="flat" cmpd="sng" algn="ctr">
+                      <a:solidFill>
+                        <a:schemeClr val="tx1"/>
+                      </a:solidFill>
+                      <a:prstDash val="solid"/>
+                      <a:round/>
+                      <a:headEnd type="none" w="med" len="med"/>
+                      <a:tailEnd type="none" w="med" len="med"/>
+                    </a:lnT>
+                    <a:lnB w="12700" cap="flat" cmpd="sng" algn="ctr">
+                      <a:solidFill>
+                        <a:schemeClr val="tx1"/>
+                      </a:solidFill>
+                      <a:prstDash val="solid"/>
+                      <a:round/>
+                      <a:headEnd type="none" w="med" len="med"/>
+                      <a:tailEnd type="none" w="med" len="med"/>
+                    </a:lnB>
+                  </a:tcPr>
+                </a:tc>
+                <a:tc>
+                  <a:txBody>
+                    <a:bodyPr/>
+                    <a:lstStyle/>
+                    <a:p>
+                      <a:pPr algn="ctr"/>
+                      <a:r>
+                        <a:rPr kumimoji="1" lang="en-US" altLang="ja-JP" sz="2400" dirty="0" smtClean="0">
+                          <a:solidFill>
+                            <a:srgbClr val="FF0000"/>
+                          </a:solidFill>
+                        </a:rPr>
+                        <a:t>4762.52</a:t>
+                      </a:r>
+                      <a:endParaRPr kumimoji="1" lang="ja-JP" altLang="en-US" sz="2400" dirty="0">
+                        <a:solidFill>
+                          <a:srgbClr val="FF0000"/>
+                        </a:solidFill>
+                      </a:endParaRPr>
+                    </a:p>
+                  </a:txBody>
+                  <a:tcPr>
+                    <a:lnL w="12700" cap="flat" cmpd="sng" algn="ctr">
+                      <a:solidFill>
+                        <a:schemeClr val="tx1"/>
+                      </a:solidFill>
+                      <a:prstDash val="solid"/>
+                      <a:round/>
+                      <a:headEnd type="none" w="med" len="med"/>
+                      <a:tailEnd type="none" w="med" len="med"/>
+                    </a:lnL>
+                    <a:lnR w="12700" cap="flat" cmpd="sng" algn="ctr">
+                      <a:solidFill>
+                        <a:schemeClr val="tx1"/>
+                      </a:solidFill>
+                      <a:prstDash val="solid"/>
+                      <a:round/>
+                      <a:headEnd type="none" w="med" len="med"/>
+                      <a:tailEnd type="none" w="med" len="med"/>
+                    </a:lnR>
+                    <a:lnT w="12700" cap="flat" cmpd="sng" algn="ctr">
+                      <a:solidFill>
+                        <a:schemeClr val="tx1"/>
+                      </a:solidFill>
+                      <a:prstDash val="solid"/>
+                      <a:round/>
+                      <a:headEnd type="none" w="med" len="med"/>
+                      <a:tailEnd type="none" w="med" len="med"/>
+                    </a:lnT>
+                    <a:lnB w="12700" cap="flat" cmpd="sng" algn="ctr">
+                      <a:solidFill>
+                        <a:schemeClr val="tx1"/>
+                      </a:solidFill>
+                      <a:prstDash val="solid"/>
+                      <a:round/>
+                      <a:headEnd type="none" w="med" len="med"/>
+                      <a:tailEnd type="none" w="med" len="med"/>
+                    </a:lnB>
+                  </a:tcPr>
+                </a:tc>
+                <a:tc>
+                  <a:txBody>
+                    <a:bodyPr/>
+                    <a:lstStyle/>
+                    <a:p>
+                      <a:pPr algn="ctr"/>
+                      <a:r>
+                        <a:rPr kumimoji="1" lang="en-US" altLang="ja-JP" sz="2400" dirty="0" smtClean="0"/>
+                        <a:t>2703.74</a:t>
+                      </a:r>
+                      <a:endParaRPr kumimoji="1" lang="ja-JP" altLang="en-US" sz="2400" dirty="0"/>
                     </a:p>
                   </a:txBody>
                   <a:tcPr>
@@ -4106,1174 +9546,140 @@
           </a:graphicData>
         </a:graphic>
       </p:graphicFrame>
+      <p:sp>
+        <p:nvSpPr>
+          <p:cNvPr id="6" name="テキスト ボックス 5"/>
+          <p:cNvSpPr txBox="1"/>
+          <p:nvPr/>
+        </p:nvSpPr>
+        <p:spPr>
+          <a:xfrm>
+            <a:off x="1852448" y="5956797"/>
+            <a:ext cx="7966842" cy="584775"/>
+          </a:xfrm>
+          <a:prstGeom prst="rect">
+            <a:avLst/>
+          </a:prstGeom>
+          <a:noFill/>
+        </p:spPr>
+        <p:txBody>
+          <a:bodyPr wrap="square" rtlCol="0">
+            <a:spAutoFit/>
+          </a:bodyPr>
+          <a:lstStyle/>
+          <a:p>
+            <a:pPr algn="ctr"/>
+            <a:r>
+              <a:rPr kumimoji="1" lang="ja-JP" altLang="en-US" sz="3200" u="sng" dirty="0" smtClean="0">
+                <a:solidFill>
+                  <a:srgbClr val="FF0000"/>
+                </a:solidFill>
+              </a:rPr>
+              <a:t>人の知識を適用した</a:t>
+            </a:r>
+            <a:r>
+              <a:rPr kumimoji="1" lang="en-US" altLang="ja-JP" sz="3200" u="sng" dirty="0" smtClean="0">
+                <a:solidFill>
+                  <a:srgbClr val="FF0000"/>
+                </a:solidFill>
+              </a:rPr>
+              <a:t>AI</a:t>
+            </a:r>
+            <a:r>
+              <a:rPr kumimoji="1" lang="ja-JP" altLang="en-US" sz="3200" u="sng" dirty="0" smtClean="0">
+                <a:solidFill>
+                  <a:srgbClr val="FF0000"/>
+                </a:solidFill>
+              </a:rPr>
+              <a:t>が優れていた</a:t>
+            </a:r>
+            <a:endParaRPr kumimoji="1" lang="ja-JP" altLang="en-US" sz="3200" u="sng" dirty="0">
+              <a:solidFill>
+                <a:srgbClr val="FF0000"/>
+              </a:solidFill>
+            </a:endParaRPr>
+          </a:p>
+        </p:txBody>
+      </p:sp>
+      <p:sp>
+        <p:nvSpPr>
+          <p:cNvPr id="7" name="テキスト ボックス 6"/>
+          <p:cNvSpPr txBox="1"/>
+          <p:nvPr/>
+        </p:nvSpPr>
+        <p:spPr>
+          <a:xfrm>
+            <a:off x="1400503" y="3829250"/>
+            <a:ext cx="3352800" cy="461665"/>
+          </a:xfrm>
+          <a:prstGeom prst="rect">
+            <a:avLst/>
+          </a:prstGeom>
+          <a:noFill/>
+        </p:spPr>
+        <p:txBody>
+          <a:bodyPr wrap="square" rtlCol="0">
+            <a:spAutoFit/>
+          </a:bodyPr>
+          <a:lstStyle/>
+          <a:p>
+            <a:pPr algn="ctr"/>
+            <a:r>
+              <a:rPr kumimoji="1" lang="ja-JP" altLang="en-US" sz="2400" dirty="0" smtClean="0"/>
+              <a:t>勝利数</a:t>
+            </a:r>
+            <a:endParaRPr kumimoji="1" lang="ja-JP" altLang="en-US" sz="2400" dirty="0"/>
+          </a:p>
+        </p:txBody>
+      </p:sp>
+      <p:sp>
+        <p:nvSpPr>
+          <p:cNvPr id="8" name="テキスト ボックス 7"/>
+          <p:cNvSpPr txBox="1"/>
+          <p:nvPr/>
+        </p:nvSpPr>
+        <p:spPr>
+          <a:xfrm>
+            <a:off x="7386145" y="3826171"/>
+            <a:ext cx="3352800" cy="461665"/>
+          </a:xfrm>
+          <a:prstGeom prst="rect">
+            <a:avLst/>
+          </a:prstGeom>
+          <a:noFill/>
+        </p:spPr>
+        <p:txBody>
+          <a:bodyPr wrap="square" rtlCol="0">
+            <a:spAutoFit/>
+          </a:bodyPr>
+          <a:lstStyle/>
+          <a:p>
+            <a:pPr algn="ctr"/>
+            <a:r>
+              <a:rPr lang="ja-JP" altLang="en-US" sz="2400" dirty="0" smtClean="0"/>
+              <a:t>平均スコア</a:t>
+            </a:r>
+            <a:endParaRPr kumimoji="1" lang="ja-JP" altLang="en-US" sz="2400" dirty="0"/>
+          </a:p>
+        </p:txBody>
+      </p:sp>
     </p:spTree>
     <p:extLst>
       <p:ext uri="{BB962C8B-B14F-4D97-AF65-F5344CB8AC3E}">
-        <p14:creationId xmlns:p14="http://schemas.microsoft.com/office/powerpoint/2010/main" val="1657561412"/>
+        <p14:creationId xmlns:p14="http://schemas.microsoft.com/office/powerpoint/2010/main" val="1129586114"/>
       </p:ext>
     </p:extLst>
   </p:cSld>
   <p:clrMapOvr>
     <a:masterClrMapping/>
   </p:clrMapOvr>
-</p:sld>
-</file>
-
-<file path=ppt/slides/slide12.xml><?xml version="1.0" encoding="utf-8"?>
-<p:sld xmlns:a="http://schemas.openxmlformats.org/drawingml/2006/main" xmlns:r="http://schemas.openxmlformats.org/officeDocument/2006/relationships" xmlns:p="http://schemas.openxmlformats.org/presentationml/2006/main">
-  <p:cSld>
-    <p:spTree>
-      <p:nvGrpSpPr>
-        <p:cNvPr id="1" name=""/>
-        <p:cNvGrpSpPr/>
-        <p:nvPr/>
-      </p:nvGrpSpPr>
-      <p:grpSpPr>
-        <a:xfrm>
-          <a:off x="0" y="0"/>
-          <a:ext cx="0" cy="0"/>
-          <a:chOff x="0" y="0"/>
-          <a:chExt cx="0" cy="0"/>
-        </a:xfrm>
-      </p:grpSpPr>
-      <p:sp>
-        <p:nvSpPr>
-          <p:cNvPr id="2" name="タイトル 1"/>
-          <p:cNvSpPr>
-            <a:spLocks noGrp="1"/>
-          </p:cNvSpPr>
-          <p:nvPr>
-            <p:ph type="title"/>
-          </p:nvPr>
-        </p:nvSpPr>
-        <p:spPr/>
-        <p:txBody>
-          <a:bodyPr/>
-          <a:lstStyle/>
-          <a:p>
-            <a:r>
-              <a:rPr kumimoji="1" lang="ja-JP" altLang="en-US" dirty="0" smtClean="0"/>
-              <a:t>考察</a:t>
-            </a:r>
-            <a:endParaRPr kumimoji="1" lang="ja-JP" altLang="en-US" dirty="0"/>
-          </a:p>
-        </p:txBody>
-      </p:sp>
-      <p:sp>
-        <p:nvSpPr>
-          <p:cNvPr id="3" name="コンテンツ プレースホルダー 2"/>
-          <p:cNvSpPr>
-            <a:spLocks noGrp="1"/>
-          </p:cNvSpPr>
-          <p:nvPr>
-            <p:ph idx="1"/>
-          </p:nvPr>
-        </p:nvSpPr>
-        <p:spPr/>
-        <p:txBody>
-          <a:bodyPr/>
-          <a:lstStyle/>
-          <a:p>
-            <a:r>
-              <a:rPr kumimoji="1" lang="en-US" altLang="ja-JP" dirty="0" smtClean="0"/>
-              <a:t>DQN</a:t>
-            </a:r>
-            <a:r>
-              <a:rPr kumimoji="1" lang="ja-JP" altLang="en-US" dirty="0" smtClean="0"/>
-              <a:t>はルールの学習ができた</a:t>
-            </a:r>
-            <a:endParaRPr kumimoji="1" lang="en-US" altLang="ja-JP" dirty="0" smtClean="0"/>
-          </a:p>
-          <a:p>
-            <a:r>
-              <a:rPr lang="ja-JP" altLang="en-US" dirty="0" smtClean="0"/>
-              <a:t>人の知識で若干は連鎖の安定が増した</a:t>
-            </a:r>
-            <a:endParaRPr kumimoji="1" lang="en-US" altLang="ja-JP" dirty="0" smtClean="0"/>
-          </a:p>
-          <a:p>
-            <a:r>
-              <a:rPr kumimoji="1" lang="ja-JP" altLang="en-US" dirty="0" smtClean="0"/>
-              <a:t>人の設計が強い</a:t>
-            </a:r>
-            <a:endParaRPr kumimoji="1" lang="en-US" altLang="ja-JP" dirty="0" smtClean="0"/>
-          </a:p>
-          <a:p>
-            <a:r>
-              <a:rPr kumimoji="1" lang="ja-JP" altLang="en-US" dirty="0" smtClean="0"/>
-              <a:t>解釈可能、改善の検討が容易</a:t>
-            </a:r>
-            <a:endParaRPr kumimoji="1" lang="en-US" altLang="ja-JP" dirty="0" smtClean="0"/>
-          </a:p>
-          <a:p>
-            <a:r>
-              <a:rPr lang="ja-JP" altLang="en-US" dirty="0" smtClean="0"/>
-              <a:t>ルール化は大変、不十分かも</a:t>
-            </a:r>
-            <a:endParaRPr lang="en-US" altLang="ja-JP" dirty="0" smtClean="0"/>
-          </a:p>
-          <a:p>
-            <a:r>
-              <a:rPr kumimoji="1" lang="en-US" altLang="ja-JP" dirty="0" smtClean="0"/>
-              <a:t>NN</a:t>
-            </a:r>
-            <a:r>
-              <a:rPr kumimoji="1" lang="ja-JP" altLang="en-US" dirty="0" smtClean="0"/>
-              <a:t>＋人の知識で効率化できれば</a:t>
-            </a:r>
-            <a:r>
-              <a:rPr kumimoji="1" lang="en-US" altLang="ja-JP" dirty="0" smtClean="0"/>
-              <a:t>…</a:t>
-            </a:r>
-            <a:r>
-              <a:rPr lang="en-US" altLang="ja-JP" dirty="0" smtClean="0"/>
-              <a:t>…</a:t>
-            </a:r>
-            <a:endParaRPr kumimoji="1" lang="ja-JP" altLang="en-US" dirty="0"/>
-          </a:p>
-        </p:txBody>
-      </p:sp>
-    </p:spTree>
-    <p:extLst>
-      <p:ext uri="{BB962C8B-B14F-4D97-AF65-F5344CB8AC3E}">
-        <p14:creationId xmlns:p14="http://schemas.microsoft.com/office/powerpoint/2010/main" val="1551256178"/>
-      </p:ext>
-    </p:extLst>
-  </p:cSld>
-  <p:clrMapOvr>
-    <a:masterClrMapping/>
-  </p:clrMapOvr>
-</p:sld>
-</file>
-
-<file path=ppt/slides/slide13.xml><?xml version="1.0" encoding="utf-8"?>
-<p:sld xmlns:a="http://schemas.openxmlformats.org/drawingml/2006/main" xmlns:r="http://schemas.openxmlformats.org/officeDocument/2006/relationships" xmlns:p="http://schemas.openxmlformats.org/presentationml/2006/main">
-  <p:cSld>
-    <p:spTree>
-      <p:nvGrpSpPr>
-        <p:cNvPr id="1" name=""/>
-        <p:cNvGrpSpPr/>
-        <p:nvPr/>
-      </p:nvGrpSpPr>
-      <p:grpSpPr>
-        <a:xfrm>
-          <a:off x="0" y="0"/>
-          <a:ext cx="0" cy="0"/>
-          <a:chOff x="0" y="0"/>
-          <a:chExt cx="0" cy="0"/>
-        </a:xfrm>
-      </p:grpSpPr>
-      <p:sp>
-        <p:nvSpPr>
-          <p:cNvPr id="2" name="タイトル 1"/>
-          <p:cNvSpPr>
-            <a:spLocks noGrp="1"/>
-          </p:cNvSpPr>
-          <p:nvPr>
-            <p:ph type="title"/>
-          </p:nvPr>
-        </p:nvSpPr>
-        <p:spPr/>
-        <p:txBody>
-          <a:bodyPr/>
-          <a:lstStyle/>
-          <a:p>
-            <a:r>
-              <a:rPr lang="ja-JP" altLang="en-US" dirty="0" smtClean="0"/>
-              <a:t>まとめ</a:t>
-            </a:r>
-            <a:endParaRPr kumimoji="1" lang="ja-JP" altLang="en-US" dirty="0"/>
-          </a:p>
-        </p:txBody>
-      </p:sp>
-      <p:sp>
-        <p:nvSpPr>
-          <p:cNvPr id="3" name="コンテンツ プレースホルダー 2"/>
-          <p:cNvSpPr>
-            <a:spLocks noGrp="1"/>
-          </p:cNvSpPr>
-          <p:nvPr>
-            <p:ph idx="1"/>
-          </p:nvPr>
-        </p:nvSpPr>
-        <p:spPr/>
-        <p:txBody>
-          <a:bodyPr/>
-          <a:lstStyle/>
-          <a:p>
-            <a:r>
-              <a:rPr kumimoji="1" lang="ja-JP" altLang="en-US" dirty="0" smtClean="0"/>
-              <a:t>人を楽しませるゲーム</a:t>
-            </a:r>
-            <a:r>
-              <a:rPr lang="en-US" altLang="ja-JP" dirty="0" smtClean="0"/>
-              <a:t>AI</a:t>
-            </a:r>
-            <a:r>
-              <a:rPr lang="ja-JP" altLang="en-US" dirty="0" smtClean="0"/>
-              <a:t>が今後の課題</a:t>
-            </a:r>
-            <a:endParaRPr kumimoji="1" lang="en-US" altLang="ja-JP" dirty="0" smtClean="0"/>
-          </a:p>
-          <a:p>
-            <a:r>
-              <a:rPr kumimoji="1" lang="ja-JP" altLang="en-US" dirty="0" smtClean="0"/>
-              <a:t>不完全情報の対戦型パズルゲーム「ぷよぷよ」</a:t>
-            </a:r>
-            <a:endParaRPr kumimoji="1" lang="en-US" altLang="ja-JP" dirty="0" smtClean="0"/>
-          </a:p>
-          <a:p>
-            <a:r>
-              <a:rPr kumimoji="1" lang="en-US" altLang="ja-JP" dirty="0" smtClean="0"/>
-              <a:t>DQN</a:t>
-            </a:r>
-            <a:r>
-              <a:rPr kumimoji="1" lang="ja-JP" altLang="en-US" dirty="0" smtClean="0"/>
-              <a:t>による機械学習</a:t>
-            </a:r>
-            <a:r>
-              <a:rPr kumimoji="1" lang="en-US" altLang="ja-JP" dirty="0" smtClean="0"/>
-              <a:t>AI</a:t>
-            </a:r>
-            <a:r>
-              <a:rPr kumimoji="1" lang="ja-JP" altLang="en-US" dirty="0" smtClean="0"/>
-              <a:t>、人の知識を適用した</a:t>
-            </a:r>
-            <a:r>
-              <a:rPr kumimoji="1" lang="en-US" altLang="ja-JP" dirty="0" smtClean="0"/>
-              <a:t>AI</a:t>
-            </a:r>
-            <a:r>
-              <a:rPr kumimoji="1" lang="ja-JP" altLang="en-US" dirty="0" smtClean="0"/>
-              <a:t>を実装</a:t>
-            </a:r>
-            <a:endParaRPr kumimoji="1" lang="en-US" altLang="ja-JP" dirty="0" smtClean="0"/>
-          </a:p>
-          <a:p>
-            <a:r>
-              <a:rPr lang="ja-JP" altLang="en-US" dirty="0" smtClean="0"/>
-              <a:t>ゲーム内</a:t>
-            </a:r>
-            <a:r>
-              <a:rPr lang="en-US" altLang="ja-JP" dirty="0" smtClean="0"/>
-              <a:t>AI</a:t>
-            </a:r>
-            <a:r>
-              <a:rPr lang="ja-JP" altLang="en-US" dirty="0" smtClean="0"/>
-              <a:t>との対戦、連鎖数とスコアを評価</a:t>
-            </a:r>
-            <a:endParaRPr lang="en-US" altLang="ja-JP" dirty="0" smtClean="0"/>
-          </a:p>
-          <a:p>
-            <a:r>
-              <a:rPr kumimoji="1" lang="ja-JP" altLang="en-US" dirty="0" smtClean="0"/>
-              <a:t>人の知識で設計した</a:t>
-            </a:r>
-            <a:r>
-              <a:rPr kumimoji="1" lang="en-US" altLang="ja-JP" dirty="0" smtClean="0"/>
-              <a:t>AI</a:t>
-            </a:r>
-            <a:r>
-              <a:rPr kumimoji="1" lang="ja-JP" altLang="en-US" dirty="0" smtClean="0"/>
-              <a:t>が強い</a:t>
-            </a:r>
-            <a:endParaRPr kumimoji="1" lang="en-US" altLang="ja-JP" dirty="0" smtClean="0"/>
-          </a:p>
-          <a:p>
-            <a:r>
-              <a:rPr kumimoji="1" lang="ja-JP" altLang="en-US" dirty="0" smtClean="0"/>
-              <a:t>知識に基づくルールを学習できないか？</a:t>
-            </a:r>
-            <a:endParaRPr kumimoji="1" lang="ja-JP" altLang="en-US" dirty="0"/>
-          </a:p>
-        </p:txBody>
-      </p:sp>
-    </p:spTree>
-    <p:extLst>
-      <p:ext uri="{BB962C8B-B14F-4D97-AF65-F5344CB8AC3E}">
-        <p14:creationId xmlns:p14="http://schemas.microsoft.com/office/powerpoint/2010/main" val="1285618495"/>
-      </p:ext>
-    </p:extLst>
-  </p:cSld>
-  <p:clrMapOvr>
-    <a:masterClrMapping/>
-  </p:clrMapOvr>
-</p:sld>
-</file>
-
-<file path=ppt/slides/slide2.xml><?xml version="1.0" encoding="utf-8"?>
-<p:sld xmlns:a="http://schemas.openxmlformats.org/drawingml/2006/main" xmlns:r="http://schemas.openxmlformats.org/officeDocument/2006/relationships" xmlns:p="http://schemas.openxmlformats.org/presentationml/2006/main">
-  <p:cSld>
-    <p:spTree>
-      <p:nvGrpSpPr>
-        <p:cNvPr id="1" name=""/>
-        <p:cNvGrpSpPr/>
-        <p:nvPr/>
-      </p:nvGrpSpPr>
-      <p:grpSpPr>
-        <a:xfrm>
-          <a:off x="0" y="0"/>
-          <a:ext cx="0" cy="0"/>
-          <a:chOff x="0" y="0"/>
-          <a:chExt cx="0" cy="0"/>
-        </a:xfrm>
-      </p:grpSpPr>
-      <p:sp>
-        <p:nvSpPr>
-          <p:cNvPr id="2" name="タイトル 1"/>
-          <p:cNvSpPr>
-            <a:spLocks noGrp="1"/>
-          </p:cNvSpPr>
-          <p:nvPr>
-            <p:ph type="title"/>
-          </p:nvPr>
-        </p:nvSpPr>
-        <p:spPr/>
-        <p:txBody>
-          <a:bodyPr/>
-          <a:lstStyle/>
-          <a:p>
-            <a:r>
-              <a:rPr kumimoji="1" lang="ja-JP" altLang="en-US" dirty="0" smtClean="0"/>
-              <a:t>背景：ゲーム</a:t>
-            </a:r>
-            <a:r>
-              <a:rPr kumimoji="1" lang="en-US" altLang="ja-JP" dirty="0" smtClean="0"/>
-              <a:t>AI</a:t>
-            </a:r>
-            <a:r>
-              <a:rPr kumimoji="1" lang="ja-JP" altLang="en-US" dirty="0" smtClean="0"/>
-              <a:t>の現状</a:t>
-            </a:r>
-            <a:endParaRPr kumimoji="1" lang="ja-JP" altLang="en-US" dirty="0"/>
-          </a:p>
-        </p:txBody>
-      </p:sp>
-      <p:sp>
-        <p:nvSpPr>
-          <p:cNvPr id="3" name="コンテンツ プレースホルダー 2"/>
-          <p:cNvSpPr>
-            <a:spLocks noGrp="1"/>
-          </p:cNvSpPr>
-          <p:nvPr>
-            <p:ph idx="1"/>
-          </p:nvPr>
-        </p:nvSpPr>
-        <p:spPr/>
-        <p:txBody>
-          <a:bodyPr/>
-          <a:lstStyle/>
-          <a:p>
-            <a:r>
-              <a:rPr kumimoji="1" lang="en-US" altLang="ja-JP" dirty="0" err="1" smtClean="0"/>
-              <a:t>AlphaGo</a:t>
-            </a:r>
-            <a:endParaRPr kumimoji="1" lang="en-US" altLang="ja-JP" dirty="0" smtClean="0"/>
-          </a:p>
-          <a:p>
-            <a:r>
-              <a:rPr lang="en-US" altLang="ja-JP" dirty="0" smtClean="0"/>
-              <a:t>DQN</a:t>
-            </a:r>
-          </a:p>
-          <a:p>
-            <a:r>
-              <a:rPr lang="ja-JP" altLang="en-US" dirty="0" smtClean="0"/>
-              <a:t>ディープラーニングで評価関数を学習</a:t>
-            </a:r>
-            <a:endParaRPr lang="en-US" altLang="ja-JP" dirty="0" smtClean="0"/>
-          </a:p>
-          <a:p>
-            <a:r>
-              <a:rPr lang="ja-JP" altLang="en-US" dirty="0" smtClean="0"/>
-              <a:t>欠点：ブラックボックス、やってみないとわからない</a:t>
-            </a:r>
-            <a:endParaRPr lang="en-US" altLang="ja-JP" dirty="0" smtClean="0"/>
-          </a:p>
-        </p:txBody>
-      </p:sp>
-    </p:spTree>
-    <p:extLst>
-      <p:ext uri="{BB962C8B-B14F-4D97-AF65-F5344CB8AC3E}">
-        <p14:creationId xmlns:p14="http://schemas.microsoft.com/office/powerpoint/2010/main" val="536583430"/>
-      </p:ext>
-    </p:extLst>
-  </p:cSld>
-  <p:clrMapOvr>
-    <a:masterClrMapping/>
-  </p:clrMapOvr>
-</p:sld>
-</file>
-
-<file path=ppt/slides/slide3.xml><?xml version="1.0" encoding="utf-8"?>
-<p:sld xmlns:a="http://schemas.openxmlformats.org/drawingml/2006/main" xmlns:r="http://schemas.openxmlformats.org/officeDocument/2006/relationships" xmlns:p="http://schemas.openxmlformats.org/presentationml/2006/main">
-  <p:cSld>
-    <p:spTree>
-      <p:nvGrpSpPr>
-        <p:cNvPr id="1" name=""/>
-        <p:cNvGrpSpPr/>
-        <p:nvPr/>
-      </p:nvGrpSpPr>
-      <p:grpSpPr>
-        <a:xfrm>
-          <a:off x="0" y="0"/>
-          <a:ext cx="0" cy="0"/>
-          <a:chOff x="0" y="0"/>
-          <a:chExt cx="0" cy="0"/>
-        </a:xfrm>
-      </p:grpSpPr>
-      <p:sp>
-        <p:nvSpPr>
-          <p:cNvPr id="2" name="タイトル 1"/>
-          <p:cNvSpPr>
-            <a:spLocks noGrp="1"/>
-          </p:cNvSpPr>
-          <p:nvPr>
-            <p:ph type="title"/>
-          </p:nvPr>
-        </p:nvSpPr>
-        <p:spPr/>
-        <p:txBody>
-          <a:bodyPr/>
-          <a:lstStyle/>
-          <a:p>
-            <a:r>
-              <a:rPr kumimoji="1" lang="ja-JP" altLang="en-US" dirty="0" smtClean="0"/>
-              <a:t>今後のゲーム</a:t>
-            </a:r>
-            <a:r>
-              <a:rPr kumimoji="1" lang="en-US" altLang="ja-JP" dirty="0" smtClean="0"/>
-              <a:t>AI</a:t>
-            </a:r>
-            <a:endParaRPr kumimoji="1" lang="ja-JP" altLang="en-US" dirty="0"/>
-          </a:p>
-        </p:txBody>
-      </p:sp>
-      <p:sp>
-        <p:nvSpPr>
-          <p:cNvPr id="3" name="コンテンツ プレースホルダー 2"/>
-          <p:cNvSpPr>
-            <a:spLocks noGrp="1"/>
-          </p:cNvSpPr>
-          <p:nvPr>
-            <p:ph idx="1"/>
-          </p:nvPr>
-        </p:nvSpPr>
-        <p:spPr/>
-        <p:txBody>
-          <a:bodyPr/>
-          <a:lstStyle/>
-          <a:p>
-            <a:r>
-              <a:rPr kumimoji="1" lang="ja-JP" altLang="en-US" dirty="0" smtClean="0"/>
-              <a:t>楽しさ</a:t>
-            </a:r>
-            <a:endParaRPr kumimoji="1" lang="en-US" altLang="ja-JP" dirty="0" smtClean="0"/>
-          </a:p>
-          <a:p>
-            <a:r>
-              <a:rPr kumimoji="1" lang="ja-JP" altLang="en-US" dirty="0" smtClean="0"/>
-              <a:t>不完全情報ゲーム</a:t>
-            </a:r>
-            <a:endParaRPr kumimoji="1" lang="en-US" altLang="ja-JP" dirty="0" smtClean="0"/>
-          </a:p>
-          <a:p>
-            <a:pPr lvl="1"/>
-            <a:r>
-              <a:rPr lang="en-US" altLang="ja-JP" dirty="0" smtClean="0"/>
-              <a:t>(</a:t>
-            </a:r>
-            <a:r>
-              <a:rPr lang="ja-JP" altLang="en-US" dirty="0" smtClean="0"/>
-              <a:t>完全情報と不完全情報</a:t>
-            </a:r>
-            <a:r>
-              <a:rPr lang="en-US" altLang="ja-JP" dirty="0" smtClean="0"/>
-              <a:t>)</a:t>
-            </a:r>
-            <a:endParaRPr kumimoji="1" lang="en-US" altLang="ja-JP" dirty="0" smtClean="0"/>
-          </a:p>
-          <a:p>
-            <a:r>
-              <a:rPr kumimoji="1" lang="ja-JP" altLang="en-US" dirty="0" smtClean="0"/>
-              <a:t>その点、現在の商用ゲームの</a:t>
-            </a:r>
-            <a:r>
-              <a:rPr kumimoji="1" lang="en-US" altLang="ja-JP" dirty="0" smtClean="0"/>
-              <a:t>AI</a:t>
-            </a:r>
-            <a:r>
-              <a:rPr kumimoji="1" lang="ja-JP" altLang="en-US" dirty="0" smtClean="0"/>
-              <a:t>はチート使用で不公平</a:t>
-            </a:r>
-            <a:endParaRPr lang="en-US" altLang="ja-JP" dirty="0"/>
-          </a:p>
-          <a:p>
-            <a:r>
-              <a:rPr lang="ja-JP" altLang="en-US" dirty="0" smtClean="0"/>
-              <a:t>（楽しさが削がれる）</a:t>
-            </a:r>
-            <a:endParaRPr lang="en-US" altLang="ja-JP" dirty="0" smtClean="0"/>
-          </a:p>
-          <a:p>
-            <a:endParaRPr kumimoji="1" lang="en-US" altLang="ja-JP" dirty="0" smtClean="0"/>
-          </a:p>
-        </p:txBody>
-      </p:sp>
-    </p:spTree>
-    <p:extLst>
-      <p:ext uri="{BB962C8B-B14F-4D97-AF65-F5344CB8AC3E}">
-        <p14:creationId xmlns:p14="http://schemas.microsoft.com/office/powerpoint/2010/main" val="1152068011"/>
-      </p:ext>
-    </p:extLst>
-  </p:cSld>
-  <p:clrMapOvr>
-    <a:masterClrMapping/>
-  </p:clrMapOvr>
-</p:sld>
-</file>
-
-<file path=ppt/slides/slide4.xml><?xml version="1.0" encoding="utf-8"?>
-<p:sld xmlns:a="http://schemas.openxmlformats.org/drawingml/2006/main" xmlns:r="http://schemas.openxmlformats.org/officeDocument/2006/relationships" xmlns:p="http://schemas.openxmlformats.org/presentationml/2006/main">
-  <p:cSld>
-    <p:spTree>
-      <p:nvGrpSpPr>
-        <p:cNvPr id="1" name=""/>
-        <p:cNvGrpSpPr/>
-        <p:nvPr/>
-      </p:nvGrpSpPr>
-      <p:grpSpPr>
-        <a:xfrm>
-          <a:off x="0" y="0"/>
-          <a:ext cx="0" cy="0"/>
-          <a:chOff x="0" y="0"/>
-          <a:chExt cx="0" cy="0"/>
-        </a:xfrm>
-      </p:grpSpPr>
-      <p:sp>
-        <p:nvSpPr>
-          <p:cNvPr id="2" name="タイトル 1"/>
-          <p:cNvSpPr>
-            <a:spLocks noGrp="1"/>
-          </p:cNvSpPr>
-          <p:nvPr>
-            <p:ph type="title"/>
-          </p:nvPr>
-        </p:nvSpPr>
-        <p:spPr/>
-        <p:txBody>
-          <a:bodyPr/>
-          <a:lstStyle/>
-          <a:p>
-            <a:r>
-              <a:rPr kumimoji="1" lang="ja-JP" altLang="en-US" dirty="0" smtClean="0"/>
-              <a:t>目的</a:t>
-            </a:r>
-            <a:endParaRPr kumimoji="1" lang="ja-JP" altLang="en-US" dirty="0"/>
-          </a:p>
-        </p:txBody>
-      </p:sp>
-      <p:sp>
-        <p:nvSpPr>
-          <p:cNvPr id="3" name="コンテンツ プレースホルダー 2"/>
-          <p:cNvSpPr>
-            <a:spLocks noGrp="1"/>
-          </p:cNvSpPr>
-          <p:nvPr>
-            <p:ph idx="1"/>
-          </p:nvPr>
-        </p:nvSpPr>
-        <p:spPr/>
-        <p:txBody>
-          <a:bodyPr/>
-          <a:lstStyle/>
-          <a:p>
-            <a:r>
-              <a:rPr kumimoji="1" lang="ja-JP" altLang="en-US" dirty="0" smtClean="0"/>
-              <a:t>楽しませるための対戦</a:t>
-            </a:r>
-            <a:r>
-              <a:rPr kumimoji="1" lang="en-US" altLang="ja-JP" dirty="0" smtClean="0"/>
-              <a:t>AI</a:t>
-            </a:r>
-          </a:p>
-          <a:p>
-            <a:r>
-              <a:rPr lang="ja-JP" altLang="en-US" dirty="0" smtClean="0"/>
-              <a:t>対戦型パズルゲーム「ぷよぷよ」を題材に</a:t>
-            </a:r>
-            <a:endParaRPr lang="en-US" altLang="ja-JP" dirty="0" smtClean="0"/>
-          </a:p>
-          <a:p>
-            <a:r>
-              <a:rPr lang="ja-JP" altLang="en-US" dirty="0" smtClean="0"/>
-              <a:t>機械学習</a:t>
-            </a:r>
-            <a:r>
-              <a:rPr lang="en-US" altLang="ja-JP" dirty="0" smtClean="0"/>
-              <a:t>/</a:t>
-            </a:r>
-            <a:r>
-              <a:rPr lang="ja-JP" altLang="en-US" dirty="0" smtClean="0"/>
-              <a:t>ルールベース、強いのは？</a:t>
-            </a:r>
-            <a:endParaRPr lang="en-US" altLang="ja-JP" dirty="0" smtClean="0"/>
-          </a:p>
-          <a:p>
-            <a:r>
-              <a:rPr lang="ja-JP" altLang="en-US" dirty="0" smtClean="0"/>
-              <a:t>強い</a:t>
-            </a:r>
-            <a:r>
-              <a:rPr lang="en-US" altLang="ja-JP" dirty="0" smtClean="0"/>
-              <a:t>AI</a:t>
-            </a:r>
-            <a:r>
-              <a:rPr lang="ja-JP" altLang="en-US" dirty="0" smtClean="0"/>
-              <a:t>から楽しい</a:t>
-            </a:r>
-            <a:r>
-              <a:rPr lang="en-US" altLang="ja-JP" dirty="0" smtClean="0"/>
-              <a:t>AI</a:t>
-            </a:r>
-            <a:r>
-              <a:rPr lang="ja-JP" altLang="en-US" dirty="0" smtClean="0"/>
-              <a:t>へ</a:t>
-            </a:r>
-            <a:endParaRPr lang="en-US" altLang="ja-JP" dirty="0" smtClean="0"/>
-          </a:p>
-        </p:txBody>
-      </p:sp>
-      <p:sp>
-        <p:nvSpPr>
-          <p:cNvPr id="4" name="上矢印 3"/>
-          <p:cNvSpPr/>
-          <p:nvPr/>
-        </p:nvSpPr>
-        <p:spPr>
-          <a:xfrm>
-            <a:off x="1371601" y="3822811"/>
-            <a:ext cx="457200" cy="721895"/>
-          </a:xfrm>
-          <a:prstGeom prst="upArrow">
-            <a:avLst/>
-          </a:prstGeom>
-        </p:spPr>
-        <p:style>
-          <a:lnRef idx="2">
-            <a:schemeClr val="accent1">
-              <a:shade val="50000"/>
-            </a:schemeClr>
-          </a:lnRef>
-          <a:fillRef idx="1">
-            <a:schemeClr val="accent1"/>
-          </a:fillRef>
-          <a:effectRef idx="0">
-            <a:schemeClr val="accent1"/>
-          </a:effectRef>
-          <a:fontRef idx="minor">
-            <a:schemeClr val="lt1"/>
-          </a:fontRef>
-        </p:style>
-        <p:txBody>
-          <a:bodyPr rtlCol="0" anchor="ctr"/>
-          <a:lstStyle/>
-          <a:p>
-            <a:pPr algn="ctr"/>
-            <a:endParaRPr kumimoji="1" lang="ja-JP" altLang="en-US"/>
-          </a:p>
-        </p:txBody>
-      </p:sp>
-      <p:sp>
-        <p:nvSpPr>
-          <p:cNvPr id="5" name="テキスト ボックス 4"/>
-          <p:cNvSpPr txBox="1"/>
-          <p:nvPr/>
-        </p:nvSpPr>
-        <p:spPr>
-          <a:xfrm>
-            <a:off x="1347539" y="4682232"/>
-            <a:ext cx="1431758" cy="369332"/>
-          </a:xfrm>
-          <a:prstGeom prst="rect">
-            <a:avLst/>
-          </a:prstGeom>
-          <a:noFill/>
-        </p:spPr>
-        <p:txBody>
-          <a:bodyPr wrap="square" rtlCol="0">
-            <a:spAutoFit/>
-          </a:bodyPr>
-          <a:lstStyle/>
-          <a:p>
-            <a:r>
-              <a:rPr lang="ja-JP" altLang="en-US" smtClean="0"/>
-              <a:t>まずココ！</a:t>
-            </a:r>
-            <a:endParaRPr kumimoji="1" lang="ja-JP" altLang="en-US" dirty="0"/>
-          </a:p>
-        </p:txBody>
-      </p:sp>
-    </p:spTree>
-    <p:extLst>
-      <p:ext uri="{BB962C8B-B14F-4D97-AF65-F5344CB8AC3E}">
-        <p14:creationId xmlns:p14="http://schemas.microsoft.com/office/powerpoint/2010/main" val="2056080120"/>
-      </p:ext>
-    </p:extLst>
-  </p:cSld>
-  <p:clrMapOvr>
-    <a:masterClrMapping/>
-  </p:clrMapOvr>
-</p:sld>
-</file>
-
-<file path=ppt/slides/slide5.xml><?xml version="1.0" encoding="utf-8"?>
-<p:sld xmlns:a="http://schemas.openxmlformats.org/drawingml/2006/main" xmlns:r="http://schemas.openxmlformats.org/officeDocument/2006/relationships" xmlns:p="http://schemas.openxmlformats.org/presentationml/2006/main">
-  <p:cSld>
-    <p:spTree>
-      <p:nvGrpSpPr>
-        <p:cNvPr id="1" name=""/>
-        <p:cNvGrpSpPr/>
-        <p:nvPr/>
-      </p:nvGrpSpPr>
-      <p:grpSpPr>
-        <a:xfrm>
-          <a:off x="0" y="0"/>
-          <a:ext cx="0" cy="0"/>
-          <a:chOff x="0" y="0"/>
-          <a:chExt cx="0" cy="0"/>
-        </a:xfrm>
-      </p:grpSpPr>
-      <p:sp>
-        <p:nvSpPr>
-          <p:cNvPr id="2" name="タイトル 1"/>
-          <p:cNvSpPr>
-            <a:spLocks noGrp="1"/>
-          </p:cNvSpPr>
-          <p:nvPr>
-            <p:ph type="title"/>
-          </p:nvPr>
-        </p:nvSpPr>
-        <p:spPr/>
-        <p:txBody>
-          <a:bodyPr/>
-          <a:lstStyle/>
-          <a:p>
-            <a:r>
-              <a:rPr kumimoji="1" lang="ja-JP" altLang="en-US" dirty="0" smtClean="0"/>
-              <a:t>ぷよぷよ</a:t>
-            </a:r>
-            <a:endParaRPr kumimoji="1" lang="ja-JP" altLang="en-US" dirty="0"/>
-          </a:p>
-        </p:txBody>
-      </p:sp>
-      <p:sp>
-        <p:nvSpPr>
-          <p:cNvPr id="3" name="コンテンツ プレースホルダー 2"/>
-          <p:cNvSpPr>
-            <a:spLocks noGrp="1"/>
-          </p:cNvSpPr>
-          <p:nvPr>
-            <p:ph idx="1"/>
-          </p:nvPr>
-        </p:nvSpPr>
-        <p:spPr/>
-        <p:txBody>
-          <a:bodyPr/>
-          <a:lstStyle/>
-          <a:p>
-            <a:r>
-              <a:rPr lang="ja-JP" altLang="en-US" dirty="0" smtClean="0"/>
-              <a:t>不完全性あり</a:t>
-            </a:r>
-            <a:endParaRPr lang="en-US" altLang="ja-JP" dirty="0" smtClean="0"/>
-          </a:p>
-          <a:p>
-            <a:r>
-              <a:rPr kumimoji="1" lang="ja-JP" altLang="en-US" dirty="0" smtClean="0"/>
-              <a:t>ルール</a:t>
-            </a:r>
-            <a:endParaRPr kumimoji="1" lang="en-US" altLang="ja-JP" dirty="0" smtClean="0"/>
-          </a:p>
-          <a:p>
-            <a:r>
-              <a:rPr lang="ja-JP" altLang="en-US" dirty="0" smtClean="0"/>
-              <a:t>連鎖が重要：素早く大きく柔軟に</a:t>
-            </a:r>
-            <a:endParaRPr lang="en-US" altLang="ja-JP" dirty="0" smtClean="0"/>
-          </a:p>
-          <a:p>
-            <a:r>
-              <a:rPr kumimoji="1" lang="ja-JP" altLang="en-US" dirty="0" smtClean="0"/>
-              <a:t>先読み、長期的視点が必要</a:t>
-            </a:r>
-            <a:endParaRPr kumimoji="1" lang="ja-JP" altLang="en-US" dirty="0"/>
-          </a:p>
-        </p:txBody>
-      </p:sp>
-    </p:spTree>
-    <p:extLst>
-      <p:ext uri="{BB962C8B-B14F-4D97-AF65-F5344CB8AC3E}">
-        <p14:creationId xmlns:p14="http://schemas.microsoft.com/office/powerpoint/2010/main" val="97919576"/>
-      </p:ext>
-    </p:extLst>
-  </p:cSld>
-  <p:clrMapOvr>
-    <a:masterClrMapping/>
-  </p:clrMapOvr>
-</p:sld>
-</file>
-
-<file path=ppt/slides/slide6.xml><?xml version="1.0" encoding="utf-8"?>
-<p:sld xmlns:a="http://schemas.openxmlformats.org/drawingml/2006/main" xmlns:r="http://schemas.openxmlformats.org/officeDocument/2006/relationships" xmlns:p="http://schemas.openxmlformats.org/presentationml/2006/main">
-  <p:cSld>
-    <p:spTree>
-      <p:nvGrpSpPr>
-        <p:cNvPr id="1" name=""/>
-        <p:cNvGrpSpPr/>
-        <p:nvPr/>
-      </p:nvGrpSpPr>
-      <p:grpSpPr>
-        <a:xfrm>
-          <a:off x="0" y="0"/>
-          <a:ext cx="0" cy="0"/>
-          <a:chOff x="0" y="0"/>
-          <a:chExt cx="0" cy="0"/>
-        </a:xfrm>
-      </p:grpSpPr>
-      <p:sp>
-        <p:nvSpPr>
-          <p:cNvPr id="2" name="タイトル 1"/>
-          <p:cNvSpPr>
-            <a:spLocks noGrp="1"/>
-          </p:cNvSpPr>
-          <p:nvPr>
-            <p:ph type="title"/>
-          </p:nvPr>
-        </p:nvSpPr>
-        <p:spPr/>
-        <p:txBody>
-          <a:bodyPr/>
-          <a:lstStyle/>
-          <a:p>
-            <a:r>
-              <a:rPr kumimoji="1" lang="en-US" altLang="ja-JP" dirty="0" smtClean="0"/>
-              <a:t>DQN</a:t>
-            </a:r>
-            <a:endParaRPr kumimoji="1" lang="ja-JP" altLang="en-US" dirty="0"/>
-          </a:p>
-        </p:txBody>
-      </p:sp>
-      <p:sp>
-        <p:nvSpPr>
-          <p:cNvPr id="3" name="コンテンツ プレースホルダー 2"/>
-          <p:cNvSpPr>
-            <a:spLocks noGrp="1"/>
-          </p:cNvSpPr>
-          <p:nvPr>
-            <p:ph idx="1"/>
-          </p:nvPr>
-        </p:nvSpPr>
-        <p:spPr/>
-        <p:txBody>
-          <a:bodyPr/>
-          <a:lstStyle/>
-          <a:p>
-            <a:r>
-              <a:rPr kumimoji="1" lang="en-US" altLang="ja-JP" dirty="0" smtClean="0"/>
-              <a:t>Q</a:t>
-            </a:r>
-            <a:r>
-              <a:rPr kumimoji="1" lang="ja-JP" altLang="en-US" dirty="0" smtClean="0"/>
-              <a:t>関数をディープラーニングで学習</a:t>
-            </a:r>
-            <a:endParaRPr kumimoji="1" lang="en-US" altLang="ja-JP" dirty="0" smtClean="0"/>
-          </a:p>
-          <a:p>
-            <a:r>
-              <a:rPr lang="ja-JP" altLang="en-US" dirty="0" smtClean="0"/>
-              <a:t>更新式</a:t>
-            </a:r>
-            <a:endParaRPr lang="en-US" altLang="ja-JP" dirty="0" smtClean="0"/>
-          </a:p>
-          <a:p>
-            <a:endParaRPr kumimoji="1" lang="ja-JP" altLang="en-US" dirty="0"/>
-          </a:p>
-        </p:txBody>
-      </p:sp>
-    </p:spTree>
-    <p:extLst>
-      <p:ext uri="{BB962C8B-B14F-4D97-AF65-F5344CB8AC3E}">
-        <p14:creationId xmlns:p14="http://schemas.microsoft.com/office/powerpoint/2010/main" val="1170155946"/>
-      </p:ext>
-    </p:extLst>
-  </p:cSld>
-  <p:clrMapOvr>
-    <a:masterClrMapping/>
-  </p:clrMapOvr>
-</p:sld>
-</file>
-
-<file path=ppt/slides/slide7.xml><?xml version="1.0" encoding="utf-8"?>
-<p:sld xmlns:a="http://schemas.openxmlformats.org/drawingml/2006/main" xmlns:r="http://schemas.openxmlformats.org/officeDocument/2006/relationships" xmlns:p="http://schemas.openxmlformats.org/presentationml/2006/main">
-  <p:cSld>
-    <p:spTree>
-      <p:nvGrpSpPr>
-        <p:cNvPr id="1" name=""/>
-        <p:cNvGrpSpPr/>
-        <p:nvPr/>
-      </p:nvGrpSpPr>
-      <p:grpSpPr>
-        <a:xfrm>
-          <a:off x="0" y="0"/>
-          <a:ext cx="0" cy="0"/>
-          <a:chOff x="0" y="0"/>
-          <a:chExt cx="0" cy="0"/>
-        </a:xfrm>
-      </p:grpSpPr>
-      <p:sp>
-        <p:nvSpPr>
-          <p:cNvPr id="2" name="タイトル 1"/>
-          <p:cNvSpPr>
-            <a:spLocks noGrp="1"/>
-          </p:cNvSpPr>
-          <p:nvPr>
-            <p:ph type="title"/>
-          </p:nvPr>
-        </p:nvSpPr>
-        <p:spPr/>
-        <p:txBody>
-          <a:bodyPr/>
-          <a:lstStyle/>
-          <a:p>
-            <a:r>
-              <a:rPr lang="ja-JP" altLang="en-US" dirty="0" smtClean="0"/>
-              <a:t>連鎖ポテンシャル法</a:t>
-            </a:r>
-            <a:endParaRPr kumimoji="1" lang="ja-JP" altLang="en-US" dirty="0"/>
-          </a:p>
-        </p:txBody>
-      </p:sp>
-      <p:sp>
-        <p:nvSpPr>
-          <p:cNvPr id="3" name="コンテンツ プレースホルダー 2"/>
-          <p:cNvSpPr>
-            <a:spLocks noGrp="1"/>
-          </p:cNvSpPr>
-          <p:nvPr>
-            <p:ph idx="1"/>
-          </p:nvPr>
-        </p:nvSpPr>
-        <p:spPr/>
-        <p:txBody>
-          <a:bodyPr/>
-          <a:lstStyle/>
-          <a:p>
-            <a:r>
-              <a:rPr kumimoji="1" lang="ja-JP" altLang="en-US" dirty="0" smtClean="0"/>
-              <a:t>見えている手のみ（</a:t>
-            </a:r>
-            <a:r>
-              <a:rPr kumimoji="1" lang="en-US" altLang="ja-JP" dirty="0" smtClean="0"/>
-              <a:t>3</a:t>
-            </a:r>
-            <a:r>
-              <a:rPr kumimoji="1" lang="ja-JP" altLang="en-US" dirty="0" smtClean="0"/>
-              <a:t>手分）を探索</a:t>
-            </a:r>
-            <a:endParaRPr kumimoji="1" lang="en-US" altLang="ja-JP" dirty="0" smtClean="0"/>
-          </a:p>
-          <a:p>
-            <a:r>
-              <a:rPr lang="ja-JP" altLang="en-US" dirty="0" smtClean="0"/>
-              <a:t>単純な全探索、「最適」を人が設定</a:t>
-            </a:r>
-            <a:endParaRPr lang="en-US" altLang="ja-JP" dirty="0" smtClean="0"/>
-          </a:p>
-          <a:p>
-            <a:endParaRPr kumimoji="1" lang="en-US" altLang="ja-JP" dirty="0" smtClean="0"/>
-          </a:p>
-          <a:p>
-            <a:r>
-              <a:rPr lang="ja-JP" altLang="en-US" dirty="0" smtClean="0"/>
-              <a:t>改良：全幅探索＋消去の許可</a:t>
-            </a:r>
-            <a:endParaRPr kumimoji="1" lang="en-US" altLang="ja-JP" dirty="0"/>
-          </a:p>
-          <a:p>
-            <a:endParaRPr kumimoji="1" lang="ja-JP" altLang="en-US" dirty="0"/>
-          </a:p>
-        </p:txBody>
-      </p:sp>
-    </p:spTree>
-    <p:extLst>
-      <p:ext uri="{BB962C8B-B14F-4D97-AF65-F5344CB8AC3E}">
-        <p14:creationId xmlns:p14="http://schemas.microsoft.com/office/powerpoint/2010/main" val="1518743559"/>
-      </p:ext>
-    </p:extLst>
-  </p:cSld>
-  <p:clrMapOvr>
-    <a:masterClrMapping/>
-  </p:clrMapOvr>
-</p:sld>
-</file>
-
-<file path=ppt/slides/slide8.xml><?xml version="1.0" encoding="utf-8"?>
-<p:sld xmlns:a="http://schemas.openxmlformats.org/drawingml/2006/main" xmlns:r="http://schemas.openxmlformats.org/officeDocument/2006/relationships" xmlns:p="http://schemas.openxmlformats.org/presentationml/2006/main">
-  <p:cSld>
-    <p:spTree>
-      <p:nvGrpSpPr>
-        <p:cNvPr id="1" name=""/>
-        <p:cNvGrpSpPr/>
-        <p:nvPr/>
-      </p:nvGrpSpPr>
-      <p:grpSpPr>
-        <a:xfrm>
-          <a:off x="0" y="0"/>
-          <a:ext cx="0" cy="0"/>
-          <a:chOff x="0" y="0"/>
-          <a:chExt cx="0" cy="0"/>
-        </a:xfrm>
-      </p:grpSpPr>
-      <p:sp>
-        <p:nvSpPr>
-          <p:cNvPr id="2" name="タイトル 1"/>
-          <p:cNvSpPr>
-            <a:spLocks noGrp="1"/>
-          </p:cNvSpPr>
-          <p:nvPr>
-            <p:ph type="title"/>
-          </p:nvPr>
-        </p:nvSpPr>
-        <p:spPr/>
-        <p:txBody>
-          <a:bodyPr/>
-          <a:lstStyle/>
-          <a:p>
-            <a:r>
-              <a:rPr kumimoji="1" lang="ja-JP" altLang="en-US" dirty="0" smtClean="0"/>
-              <a:t>人の知識を適用した</a:t>
-            </a:r>
-            <a:r>
-              <a:rPr kumimoji="1" lang="en-US" altLang="ja-JP" dirty="0" smtClean="0"/>
-              <a:t>AI</a:t>
-            </a:r>
-            <a:endParaRPr kumimoji="1" lang="ja-JP" altLang="en-US" dirty="0"/>
-          </a:p>
-        </p:txBody>
-      </p:sp>
-      <p:sp>
-        <p:nvSpPr>
-          <p:cNvPr id="3" name="コンテンツ プレースホルダー 2"/>
-          <p:cNvSpPr>
-            <a:spLocks noGrp="1"/>
-          </p:cNvSpPr>
-          <p:nvPr>
-            <p:ph idx="1"/>
-          </p:nvPr>
-        </p:nvSpPr>
-        <p:spPr/>
-        <p:txBody>
-          <a:bodyPr/>
-          <a:lstStyle/>
-          <a:p>
-            <a:r>
-              <a:rPr kumimoji="1" lang="en-US" altLang="ja-JP" dirty="0" smtClean="0"/>
-              <a:t>3-1</a:t>
-            </a:r>
-            <a:r>
-              <a:rPr kumimoji="1" lang="ja-JP" altLang="en-US" dirty="0" smtClean="0"/>
-              <a:t>階段</a:t>
-            </a:r>
-            <a:r>
-              <a:rPr kumimoji="1" lang="en-US" altLang="ja-JP" dirty="0" smtClean="0"/>
-              <a:t>5</a:t>
-            </a:r>
-            <a:r>
-              <a:rPr kumimoji="1" lang="ja-JP" altLang="en-US" dirty="0" smtClean="0"/>
-              <a:t>連鎖のルール</a:t>
-            </a:r>
-            <a:endParaRPr kumimoji="1" lang="en-US" altLang="ja-JP" dirty="0" smtClean="0"/>
-          </a:p>
-          <a:p>
-            <a:r>
-              <a:rPr lang="en-US" altLang="ja-JP" dirty="0" smtClean="0"/>
-              <a:t>if-then</a:t>
-            </a:r>
-            <a:r>
-              <a:rPr lang="ja-JP" altLang="en-US" dirty="0" smtClean="0"/>
-              <a:t>ルールを手書き</a:t>
-            </a:r>
-            <a:endParaRPr lang="en-US" altLang="ja-JP" dirty="0" smtClean="0"/>
-          </a:p>
-          <a:p>
-            <a:endParaRPr kumimoji="1" lang="en-US" altLang="ja-JP" dirty="0"/>
-          </a:p>
-          <a:p>
-            <a:r>
-              <a:rPr lang="ja-JP" altLang="en-US" dirty="0" smtClean="0"/>
-              <a:t>連鎖ポテンシャル法の安定のため、初手</a:t>
-            </a:r>
-            <a:r>
-              <a:rPr lang="en-US" altLang="ja-JP" dirty="0" smtClean="0"/>
-              <a:t>6</a:t>
-            </a:r>
-            <a:r>
-              <a:rPr lang="ja-JP" altLang="en-US" dirty="0" smtClean="0"/>
-              <a:t>手に適用</a:t>
-            </a:r>
-            <a:endParaRPr kumimoji="1" lang="ja-JP" altLang="en-US" dirty="0"/>
-          </a:p>
-        </p:txBody>
-      </p:sp>
-      <p:sp>
-        <p:nvSpPr>
-          <p:cNvPr id="4" name="テキスト ボックス 3"/>
-          <p:cNvSpPr txBox="1"/>
-          <p:nvPr/>
-        </p:nvSpPr>
-        <p:spPr>
-          <a:xfrm>
-            <a:off x="8650705" y="1825625"/>
-            <a:ext cx="3200400" cy="461665"/>
-          </a:xfrm>
-          <a:prstGeom prst="rect">
-            <a:avLst/>
-          </a:prstGeom>
-          <a:noFill/>
-        </p:spPr>
-        <p:txBody>
-          <a:bodyPr wrap="square" rtlCol="0">
-            <a:spAutoFit/>
-          </a:bodyPr>
-          <a:lstStyle/>
-          <a:p>
-            <a:r>
-              <a:rPr kumimoji="1" lang="ja-JP" altLang="en-US" sz="2400" dirty="0" smtClean="0"/>
-              <a:t>図：</a:t>
-            </a:r>
-            <a:r>
-              <a:rPr kumimoji="1" lang="en-US" altLang="ja-JP" sz="2400" dirty="0" smtClean="0"/>
-              <a:t>3-1</a:t>
-            </a:r>
-            <a:r>
-              <a:rPr kumimoji="1" lang="ja-JP" altLang="en-US" sz="2400" dirty="0" smtClean="0"/>
-              <a:t>階段</a:t>
-            </a:r>
-            <a:endParaRPr kumimoji="1" lang="ja-JP" altLang="en-US" sz="2400" dirty="0"/>
-          </a:p>
-        </p:txBody>
-      </p:sp>
-    </p:spTree>
-    <p:extLst>
-      <p:ext uri="{BB962C8B-B14F-4D97-AF65-F5344CB8AC3E}">
-        <p14:creationId xmlns:p14="http://schemas.microsoft.com/office/powerpoint/2010/main" val="58443893"/>
-      </p:ext>
-    </p:extLst>
-  </p:cSld>
-  <p:clrMapOvr>
-    <a:masterClrMapping/>
-  </p:clrMapOvr>
+  <p:timing>
+    <p:tnLst>
+      <p:par>
+        <p:cTn id="1" dur="indefinite" restart="never" nodeType="tmRoot"/>
+      </p:par>
+    </p:tnLst>
+  </p:timing>
 </p:sld>
 </file>
 
@@ -5304,22 +9710,19 @@
             <p:ph type="title"/>
           </p:nvPr>
         </p:nvSpPr>
-        <p:spPr/>
+        <p:spPr>
+          <a:xfrm>
+            <a:off x="990600" y="3424236"/>
+            <a:ext cx="10515600" cy="1325563"/>
+          </a:xfrm>
+        </p:spPr>
         <p:txBody>
           <a:bodyPr/>
           <a:lstStyle/>
           <a:p>
             <a:r>
-              <a:rPr kumimoji="1" lang="ja-JP" altLang="en-US" dirty="0" smtClean="0"/>
-              <a:t>実験</a:t>
-            </a:r>
-            <a:r>
-              <a:rPr kumimoji="1" lang="en-US" altLang="ja-JP" dirty="0" smtClean="0"/>
-              <a:t>1</a:t>
-            </a:r>
-            <a:r>
-              <a:rPr kumimoji="1" lang="ja-JP" altLang="en-US" dirty="0" smtClean="0"/>
-              <a:t>：連鎖構築シミュレーション</a:t>
+              <a:rPr lang="ja-JP" altLang="en-US" dirty="0" smtClean="0"/>
+              <a:t>今後の課題</a:t>
             </a:r>
             <a:endParaRPr kumimoji="1" lang="ja-JP" altLang="en-US" dirty="0"/>
           </a:p>
@@ -5335,106 +9738,365 @@
             <p:ph idx="1"/>
           </p:nvPr>
         </p:nvSpPr>
-        <p:spPr/>
+        <p:spPr>
+          <a:xfrm>
+            <a:off x="1363712" y="1518494"/>
+            <a:ext cx="9556535" cy="1825927"/>
+          </a:xfrm>
+        </p:spPr>
         <p:txBody>
           <a:bodyPr/>
           <a:lstStyle/>
           <a:p>
             <a:r>
               <a:rPr lang="ja-JP" altLang="en-US" dirty="0" smtClean="0"/>
-              <a:t>ポテンシャル法の改良＋人の知識を適用</a:t>
-            </a:r>
-            <a:endParaRPr lang="en-US" altLang="ja-JP" dirty="0" smtClean="0"/>
-          </a:p>
-          <a:p>
+              <a:t>機械学習よりルールベース</a:t>
+            </a:r>
+            <a:r>
+              <a:rPr lang="en-US" altLang="ja-JP" dirty="0" smtClean="0"/>
+              <a:t>AI</a:t>
+            </a:r>
             <a:r>
               <a:rPr lang="ja-JP" altLang="en-US" dirty="0" smtClean="0"/>
-              <a:t>実験条件：</a:t>
-            </a:r>
-            <a:r>
-              <a:rPr lang="en-US" altLang="ja-JP" dirty="0" smtClean="0"/>
-              <a:t>32</a:t>
-            </a:r>
+              <a:t>が強い</a:t>
+            </a:r>
+            <a:endParaRPr kumimoji="1" lang="en-US" altLang="ja-JP" dirty="0" smtClean="0"/>
+          </a:p>
+          <a:p>
+            <a:r>
+              <a:rPr kumimoji="1" lang="ja-JP" altLang="en-US" dirty="0" smtClean="0"/>
+              <a:t>機械学習は解釈・改善が難しい</a:t>
+            </a:r>
+            <a:endParaRPr kumimoji="1" lang="en-US" altLang="ja-JP" dirty="0" smtClean="0"/>
+          </a:p>
+          <a:p>
             <a:r>
               <a:rPr lang="ja-JP" altLang="en-US" dirty="0" smtClean="0"/>
-              <a:t>手、</a:t>
-            </a:r>
-            <a:r>
-              <a:rPr lang="en-US" altLang="ja-JP" dirty="0" smtClean="0"/>
-              <a:t>50</a:t>
-            </a:r>
-            <a:r>
-              <a:rPr lang="ja-JP" altLang="en-US" dirty="0" smtClean="0"/>
-              <a:t>試行（同配石）</a:t>
-            </a:r>
-            <a:endParaRPr lang="en-US" altLang="ja-JP" dirty="0" smtClean="0"/>
-          </a:p>
-          <a:p>
-            <a:r>
-              <a:rPr kumimoji="1" lang="ja-JP" altLang="en-US" dirty="0" smtClean="0"/>
-              <a:t>平均連鎖数</a:t>
-            </a:r>
-            <a:endParaRPr kumimoji="1" lang="en-US" altLang="ja-JP" dirty="0" smtClean="0"/>
-          </a:p>
-          <a:p>
+              <a:t>知識のルール化は困難な場合あり</a:t>
+            </a:r>
             <a:endParaRPr lang="en-US" altLang="ja-JP" dirty="0"/>
           </a:p>
-          <a:p>
-            <a:r>
-              <a:rPr lang="ja-JP" altLang="en-US" dirty="0" smtClean="0"/>
-              <a:t>人の知識で安定性向上</a:t>
-            </a:r>
-            <a:endParaRPr kumimoji="1" lang="en-US" altLang="ja-JP" dirty="0"/>
-          </a:p>
-          <a:p>
-            <a:endParaRPr kumimoji="1" lang="en-US" altLang="ja-JP" dirty="0" smtClean="0"/>
-          </a:p>
-        </p:txBody>
-      </p:sp>
-      <p:sp>
-        <p:nvSpPr>
-          <p:cNvPr id="5" name="テキスト ボックス 4"/>
-          <p:cNvSpPr txBox="1"/>
+        </p:txBody>
+      </p:sp>
+      <p:sp>
+        <p:nvSpPr>
+          <p:cNvPr id="4" name="タイトル 1"/>
+          <p:cNvSpPr txBox="1">
+            <a:spLocks/>
+          </p:cNvSpPr>
           <p:nvPr/>
         </p:nvSpPr>
         <p:spPr>
           <a:xfrm>
-            <a:off x="8325853" y="3116179"/>
-            <a:ext cx="2418347" cy="461665"/>
+            <a:off x="990600" y="275786"/>
+            <a:ext cx="10515600" cy="1325563"/>
           </a:xfrm>
           <a:prstGeom prst="rect">
             <a:avLst/>
           </a:prstGeom>
-          <a:noFill/>
         </p:spPr>
         <p:txBody>
-          <a:bodyPr wrap="square" rtlCol="0">
-            <a:spAutoFit/>
+          <a:bodyPr vert="horz" lIns="91440" tIns="45720" rIns="91440" bIns="45720" rtlCol="0" anchor="ctr">
+            <a:normAutofit/>
           </a:bodyPr>
-          <a:lstStyle/>
-          <a:p>
-            <a:r>
-              <a:rPr kumimoji="1" lang="ja-JP" altLang="en-US" sz="2400" smtClean="0"/>
-              <a:t>図：箱</a:t>
-            </a:r>
-            <a:r>
-              <a:rPr kumimoji="1" lang="ja-JP" altLang="en-US" sz="2400" dirty="0" smtClean="0"/>
-              <a:t>ひげ図</a:t>
-            </a:r>
-            <a:endParaRPr kumimoji="1" lang="ja-JP" altLang="en-US" sz="2400" dirty="0"/>
-          </a:p>
-        </p:txBody>
-      </p:sp>
+          <a:lstStyle>
+            <a:lvl1pPr algn="l" defTabSz="914400" rtl="0" eaLnBrk="1" latinLnBrk="0" hangingPunct="1">
+              <a:lnSpc>
+                <a:spcPct val="90000"/>
+              </a:lnSpc>
+              <a:spcBef>
+                <a:spcPct val="0"/>
+              </a:spcBef>
+              <a:buNone/>
+              <a:defRPr kumimoji="1" sz="4400" kern="1200">
+                <a:solidFill>
+                  <a:schemeClr val="tx1"/>
+                </a:solidFill>
+                <a:latin typeface="+mj-lt"/>
+                <a:ea typeface="+mj-ea"/>
+                <a:cs typeface="+mj-cs"/>
+              </a:defRPr>
+            </a:lvl1pPr>
+          </a:lstStyle>
+          <a:p>
+            <a:r>
+              <a:rPr lang="ja-JP" altLang="en-US" smtClean="0"/>
+              <a:t>考察</a:t>
+            </a:r>
+            <a:endParaRPr lang="ja-JP" altLang="en-US" dirty="0"/>
+          </a:p>
+        </p:txBody>
+      </p:sp>
+      <p:sp>
+        <p:nvSpPr>
+          <p:cNvPr id="5" name="コンテンツ プレースホルダー 2"/>
+          <p:cNvSpPr txBox="1">
+            <a:spLocks/>
+          </p:cNvSpPr>
+          <p:nvPr/>
+        </p:nvSpPr>
+        <p:spPr>
+          <a:xfrm>
+            <a:off x="1468817" y="4637148"/>
+            <a:ext cx="9283262" cy="1905547"/>
+          </a:xfrm>
+          <a:prstGeom prst="rect">
+            <a:avLst/>
+          </a:prstGeom>
+        </p:spPr>
+        <p:txBody>
+          <a:bodyPr vert="horz" lIns="91440" tIns="45720" rIns="91440" bIns="45720" rtlCol="0">
+            <a:normAutofit/>
+          </a:bodyPr>
+          <a:lstStyle>
+            <a:lvl1pPr marL="228600" indent="-228600" algn="l" defTabSz="914400" rtl="0" eaLnBrk="1" latinLnBrk="0" hangingPunct="1">
+              <a:lnSpc>
+                <a:spcPct val="90000"/>
+              </a:lnSpc>
+              <a:spcBef>
+                <a:spcPts val="1000"/>
+              </a:spcBef>
+              <a:buFont typeface="Arial"/>
+              <a:buChar char="•"/>
+              <a:defRPr kumimoji="1" sz="2800" kern="1200">
+                <a:solidFill>
+                  <a:schemeClr val="tx1"/>
+                </a:solidFill>
+                <a:latin typeface="+mn-lt"/>
+                <a:ea typeface="+mn-ea"/>
+                <a:cs typeface="+mn-cs"/>
+              </a:defRPr>
+            </a:lvl1pPr>
+            <a:lvl2pPr marL="685800" indent="-228600" algn="l" defTabSz="914400" rtl="0" eaLnBrk="1" latinLnBrk="0" hangingPunct="1">
+              <a:lnSpc>
+                <a:spcPct val="90000"/>
+              </a:lnSpc>
+              <a:spcBef>
+                <a:spcPts val="500"/>
+              </a:spcBef>
+              <a:buFont typeface="Arial"/>
+              <a:buChar char="•"/>
+              <a:defRPr kumimoji="1" sz="2400" kern="1200">
+                <a:solidFill>
+                  <a:schemeClr val="tx1"/>
+                </a:solidFill>
+                <a:latin typeface="+mn-lt"/>
+                <a:ea typeface="+mn-ea"/>
+                <a:cs typeface="+mn-cs"/>
+              </a:defRPr>
+            </a:lvl2pPr>
+            <a:lvl3pPr marL="1143000" indent="-228600" algn="l" defTabSz="914400" rtl="0" eaLnBrk="1" latinLnBrk="0" hangingPunct="1">
+              <a:lnSpc>
+                <a:spcPct val="90000"/>
+              </a:lnSpc>
+              <a:spcBef>
+                <a:spcPts val="500"/>
+              </a:spcBef>
+              <a:buFont typeface="Arial"/>
+              <a:buChar char="•"/>
+              <a:defRPr kumimoji="1" sz="2000" kern="1200">
+                <a:solidFill>
+                  <a:schemeClr val="tx1"/>
+                </a:solidFill>
+                <a:latin typeface="+mn-lt"/>
+                <a:ea typeface="+mn-ea"/>
+                <a:cs typeface="+mn-cs"/>
+              </a:defRPr>
+            </a:lvl3pPr>
+            <a:lvl4pPr marL="1600200" indent="-228600" algn="l" defTabSz="914400" rtl="0" eaLnBrk="1" latinLnBrk="0" hangingPunct="1">
+              <a:lnSpc>
+                <a:spcPct val="90000"/>
+              </a:lnSpc>
+              <a:spcBef>
+                <a:spcPts val="500"/>
+              </a:spcBef>
+              <a:buFont typeface="Arial"/>
+              <a:buChar char="•"/>
+              <a:defRPr kumimoji="1" sz="1800" kern="1200">
+                <a:solidFill>
+                  <a:schemeClr val="tx1"/>
+                </a:solidFill>
+                <a:latin typeface="+mn-lt"/>
+                <a:ea typeface="+mn-ea"/>
+                <a:cs typeface="+mn-cs"/>
+              </a:defRPr>
+            </a:lvl4pPr>
+            <a:lvl5pPr marL="2057400" indent="-228600" algn="l" defTabSz="914400" rtl="0" eaLnBrk="1" latinLnBrk="0" hangingPunct="1">
+              <a:lnSpc>
+                <a:spcPct val="90000"/>
+              </a:lnSpc>
+              <a:spcBef>
+                <a:spcPts val="500"/>
+              </a:spcBef>
+              <a:buFont typeface="Arial"/>
+              <a:buChar char="•"/>
+              <a:defRPr kumimoji="1" sz="1800" kern="1200">
+                <a:solidFill>
+                  <a:schemeClr val="tx1"/>
+                </a:solidFill>
+                <a:latin typeface="+mn-lt"/>
+                <a:ea typeface="+mn-ea"/>
+                <a:cs typeface="+mn-cs"/>
+              </a:defRPr>
+            </a:lvl5pPr>
+            <a:lvl6pPr marL="2514600" indent="-228600" algn="l" defTabSz="914400" rtl="0" eaLnBrk="1" latinLnBrk="0" hangingPunct="1">
+              <a:lnSpc>
+                <a:spcPct val="90000"/>
+              </a:lnSpc>
+              <a:spcBef>
+                <a:spcPts val="500"/>
+              </a:spcBef>
+              <a:buFont typeface="Arial"/>
+              <a:buChar char="•"/>
+              <a:defRPr kumimoji="1" sz="1800" kern="1200">
+                <a:solidFill>
+                  <a:schemeClr val="tx1"/>
+                </a:solidFill>
+                <a:latin typeface="+mn-lt"/>
+                <a:ea typeface="+mn-ea"/>
+                <a:cs typeface="+mn-cs"/>
+              </a:defRPr>
+            </a:lvl6pPr>
+            <a:lvl7pPr marL="2971800" indent="-228600" algn="l" defTabSz="914400" rtl="0" eaLnBrk="1" latinLnBrk="0" hangingPunct="1">
+              <a:lnSpc>
+                <a:spcPct val="90000"/>
+              </a:lnSpc>
+              <a:spcBef>
+                <a:spcPts val="500"/>
+              </a:spcBef>
+              <a:buFont typeface="Arial"/>
+              <a:buChar char="•"/>
+              <a:defRPr kumimoji="1" sz="1800" kern="1200">
+                <a:solidFill>
+                  <a:schemeClr val="tx1"/>
+                </a:solidFill>
+                <a:latin typeface="+mn-lt"/>
+                <a:ea typeface="+mn-ea"/>
+                <a:cs typeface="+mn-cs"/>
+              </a:defRPr>
+            </a:lvl7pPr>
+            <a:lvl8pPr marL="3429000" indent="-228600" algn="l" defTabSz="914400" rtl="0" eaLnBrk="1" latinLnBrk="0" hangingPunct="1">
+              <a:lnSpc>
+                <a:spcPct val="90000"/>
+              </a:lnSpc>
+              <a:spcBef>
+                <a:spcPts val="500"/>
+              </a:spcBef>
+              <a:buFont typeface="Arial"/>
+              <a:buChar char="•"/>
+              <a:defRPr kumimoji="1" sz="1800" kern="1200">
+                <a:solidFill>
+                  <a:schemeClr val="tx1"/>
+                </a:solidFill>
+                <a:latin typeface="+mn-lt"/>
+                <a:ea typeface="+mn-ea"/>
+                <a:cs typeface="+mn-cs"/>
+              </a:defRPr>
+            </a:lvl8pPr>
+            <a:lvl9pPr marL="3886200" indent="-228600" algn="l" defTabSz="914400" rtl="0" eaLnBrk="1" latinLnBrk="0" hangingPunct="1">
+              <a:lnSpc>
+                <a:spcPct val="90000"/>
+              </a:lnSpc>
+              <a:spcBef>
+                <a:spcPts val="500"/>
+              </a:spcBef>
+              <a:buFont typeface="Arial"/>
+              <a:buChar char="•"/>
+              <a:defRPr kumimoji="1" sz="1800" kern="1200">
+                <a:solidFill>
+                  <a:schemeClr val="tx1"/>
+                </a:solidFill>
+                <a:latin typeface="+mn-lt"/>
+                <a:ea typeface="+mn-ea"/>
+                <a:cs typeface="+mn-cs"/>
+              </a:defRPr>
+            </a:lvl9pPr>
+          </a:lstStyle>
+          <a:p>
+            <a:r>
+              <a:rPr lang="ja-JP" altLang="en-US" dirty="0" smtClean="0"/>
+              <a:t>人の棋譜を機械学習</a:t>
+            </a:r>
+            <a:endParaRPr lang="en-US" altLang="ja-JP" dirty="0" smtClean="0"/>
+          </a:p>
+          <a:p>
+            <a:r>
+              <a:rPr lang="ja-JP" altLang="en-US" dirty="0" smtClean="0">
+                <a:sym typeface="Wingdings"/>
+              </a:rPr>
+              <a:t>機械学習と知識抽出の組み合わせ</a:t>
+            </a:r>
+            <a:endParaRPr lang="en-US" altLang="ja-JP" dirty="0" smtClean="0">
+              <a:sym typeface="Wingdings"/>
+            </a:endParaRPr>
+          </a:p>
+          <a:p>
+            <a:r>
+              <a:rPr lang="ja-JP" altLang="en-US" dirty="0" smtClean="0"/>
+              <a:t>人を楽しませる</a:t>
+            </a:r>
+            <a:r>
+              <a:rPr lang="en-US" altLang="ja-JP" dirty="0" smtClean="0"/>
+              <a:t>AI</a:t>
+            </a:r>
+            <a:r>
+              <a:rPr lang="ja-JP" altLang="en-US" dirty="0" smtClean="0"/>
+              <a:t>へ</a:t>
+            </a:r>
+            <a:endParaRPr lang="en-US" altLang="ja-JP" dirty="0" smtClean="0"/>
+          </a:p>
+          <a:p>
+            <a:endParaRPr lang="en-US" altLang="ja-JP" dirty="0"/>
+          </a:p>
+        </p:txBody>
+      </p:sp>
+      <p:cxnSp>
+        <p:nvCxnSpPr>
+          <p:cNvPr id="8" name="直線コネクタ 7"/>
+          <p:cNvCxnSpPr/>
+          <p:nvPr/>
+        </p:nvCxnSpPr>
+        <p:spPr>
+          <a:xfrm>
+            <a:off x="220717" y="3247697"/>
+            <a:ext cx="11361683" cy="21020"/>
+          </a:xfrm>
+          <a:prstGeom prst="line">
+            <a:avLst/>
+          </a:prstGeom>
+        </p:spPr>
+        <p:style>
+          <a:lnRef idx="1">
+            <a:schemeClr val="accent1"/>
+          </a:lnRef>
+          <a:fillRef idx="0">
+            <a:schemeClr val="accent1"/>
+          </a:fillRef>
+          <a:effectRef idx="0">
+            <a:schemeClr val="accent1"/>
+          </a:effectRef>
+          <a:fontRef idx="minor">
+            <a:schemeClr val="tx1"/>
+          </a:fontRef>
+        </p:style>
+      </p:cxnSp>
     </p:spTree>
     <p:extLst>
       <p:ext uri="{BB962C8B-B14F-4D97-AF65-F5344CB8AC3E}">
-        <p14:creationId xmlns:p14="http://schemas.microsoft.com/office/powerpoint/2010/main" val="649948087"/>
+        <p14:creationId xmlns:p14="http://schemas.microsoft.com/office/powerpoint/2010/main" val="1551256178"/>
       </p:ext>
     </p:extLst>
   </p:cSld>
   <p:clrMapOvr>
     <a:masterClrMapping/>
   </p:clrMapOvr>
+  <p:timing>
+    <p:tnLst>
+      <p:par>
+        <p:cTn id="1" dur="indefinite" restart="never" nodeType="tmRoot"/>
+      </p:par>
+    </p:tnLst>
+  </p:timing>
 </p:sld>
 </file>
 
@@ -5697,4 +10359,265 @@
     </a:ext>
   </a:extLst>
 </a:theme>
+</file>
+
+<file path=ppt/theme/theme2.xml><?xml version="1.0" encoding="utf-8"?>
+<a:theme xmlns:a="http://schemas.openxmlformats.org/drawingml/2006/main" name="ホワイト">
+  <a:themeElements>
+    <a:clrScheme name="Office">
+      <a:dk1>
+        <a:sysClr val="windowText" lastClr="000000"/>
+      </a:dk1>
+      <a:lt1>
+        <a:sysClr val="window" lastClr="FFFFFF"/>
+      </a:lt1>
+      <a:dk2>
+        <a:srgbClr val="44546A"/>
+      </a:dk2>
+      <a:lt2>
+        <a:srgbClr val="E7E6E6"/>
+      </a:lt2>
+      <a:accent1>
+        <a:srgbClr val="5B9BD5"/>
+      </a:accent1>
+      <a:accent2>
+        <a:srgbClr val="ED7D31"/>
+      </a:accent2>
+      <a:accent3>
+        <a:srgbClr val="A5A5A5"/>
+      </a:accent3>
+      <a:accent4>
+        <a:srgbClr val="FFC000"/>
+      </a:accent4>
+      <a:accent5>
+        <a:srgbClr val="4472C4"/>
+      </a:accent5>
+      <a:accent6>
+        <a:srgbClr val="70AD47"/>
+      </a:accent6>
+      <a:hlink>
+        <a:srgbClr val="0563C1"/>
+      </a:hlink>
+      <a:folHlink>
+        <a:srgbClr val="954F72"/>
+      </a:folHlink>
+    </a:clrScheme>
+    <a:fontScheme name="Office">
+      <a:majorFont>
+        <a:latin typeface="Yu Gothic Light" panose="020F0302020204030204"/>
+        <a:ea typeface=""/>
+        <a:cs typeface=""/>
+        <a:font script="Jpan" typeface="Yu Gothic Light"/>
+        <a:font script="Hang" typeface="맑은 고딕"/>
+        <a:font script="Hans" typeface="DengXian Light"/>
+        <a:font script="Hant" typeface="新細明體"/>
+        <a:font script="Arab" typeface="Times New Roman"/>
+        <a:font script="Hebr" typeface="Times New Roman"/>
+        <a:font script="Thai" typeface="Angsana New"/>
+        <a:font script="Ethi" typeface="Nyala"/>
+        <a:font script="Beng" typeface="Vrinda"/>
+        <a:font script="Gujr" typeface="Shruti"/>
+        <a:font script="Khmr" typeface="MoolBoran"/>
+        <a:font script="Knda" typeface="Tunga"/>
+        <a:font script="Guru" typeface="Raavi"/>
+        <a:font script="Cans" typeface="Euphemia"/>
+        <a:font script="Cher" typeface="Plantagenet Cherokee"/>
+        <a:font script="Yiii" typeface="Microsoft Yi Baiti"/>
+        <a:font script="Tibt" typeface="Microsoft Himalaya"/>
+        <a:font script="Thaa" typeface="MV Boli"/>
+        <a:font script="Deva" typeface="Mangal"/>
+        <a:font script="Telu" typeface="Gautami"/>
+        <a:font script="Taml" typeface="Latha"/>
+        <a:font script="Syrc" typeface="Estrangelo Edessa"/>
+        <a:font script="Orya" typeface="Kalinga"/>
+        <a:font script="Mlym" typeface="Kartika"/>
+        <a:font script="Laoo" typeface="DokChampa"/>
+        <a:font script="Sinh" typeface="Iskoola Pota"/>
+        <a:font script="Mong" typeface="Mongolian Baiti"/>
+        <a:font script="Viet" typeface="Times New Roman"/>
+        <a:font script="Uigh" typeface="Microsoft Uighur"/>
+        <a:font script="Geor" typeface="Sylfaen"/>
+      </a:majorFont>
+      <a:minorFont>
+        <a:latin typeface="Yu Gothic" panose="020F0502020204030204"/>
+        <a:ea typeface=""/>
+        <a:cs typeface=""/>
+        <a:font script="Jpan" typeface="Yu Gothic"/>
+        <a:font script="Hang" typeface="맑은 고딕"/>
+        <a:font script="Hans" typeface="DengXian"/>
+        <a:font script="Hant" typeface="新細明體"/>
+        <a:font script="Arab" typeface="Arial"/>
+        <a:font script="Hebr" typeface="Arial"/>
+        <a:font script="Thai" typeface="Cordia New"/>
+        <a:font script="Ethi" typeface="Nyala"/>
+        <a:font script="Beng" typeface="Vrinda"/>
+        <a:font script="Gujr" typeface="Shruti"/>
+        <a:font script="Khmr" typeface="DaunPenh"/>
+        <a:font script="Knda" typeface="Tunga"/>
+        <a:font script="Guru" typeface="Raavi"/>
+        <a:font script="Cans" typeface="Euphemia"/>
+        <a:font script="Cher" typeface="Plantagenet Cherokee"/>
+        <a:font script="Yiii" typeface="Microsoft Yi Baiti"/>
+        <a:font script="Tibt" typeface="Microsoft Himalaya"/>
+        <a:font script="Thaa" typeface="MV Boli"/>
+        <a:font script="Deva" typeface="Mangal"/>
+        <a:font script="Telu" typeface="Gautami"/>
+        <a:font script="Taml" typeface="Latha"/>
+        <a:font script="Syrc" typeface="Estrangelo Edessa"/>
+        <a:font script="Orya" typeface="Kalinga"/>
+        <a:font script="Mlym" typeface="Kartika"/>
+        <a:font script="Laoo" typeface="DokChampa"/>
+        <a:font script="Sinh" typeface="Iskoola Pota"/>
+        <a:font script="Mong" typeface="Mongolian Baiti"/>
+        <a:font script="Viet" typeface="Arial"/>
+        <a:font script="Uigh" typeface="Microsoft Uighur"/>
+        <a:font script="Geor" typeface="Sylfaen"/>
+      </a:minorFont>
+    </a:fontScheme>
+    <a:fmtScheme name="Office">
+      <a:fillStyleLst>
+        <a:solidFill>
+          <a:schemeClr val="phClr"/>
+        </a:solidFill>
+        <a:gradFill rotWithShape="1">
+          <a:gsLst>
+            <a:gs pos="0">
+              <a:schemeClr val="phClr">
+                <a:lumMod val="110000"/>
+                <a:satMod val="105000"/>
+                <a:tint val="67000"/>
+              </a:schemeClr>
+            </a:gs>
+            <a:gs pos="50000">
+              <a:schemeClr val="phClr">
+                <a:lumMod val="105000"/>
+                <a:satMod val="103000"/>
+                <a:tint val="73000"/>
+              </a:schemeClr>
+            </a:gs>
+            <a:gs pos="100000">
+              <a:schemeClr val="phClr">
+                <a:lumMod val="105000"/>
+                <a:satMod val="109000"/>
+                <a:tint val="81000"/>
+              </a:schemeClr>
+            </a:gs>
+          </a:gsLst>
+          <a:lin ang="5400000" scaled="0"/>
+        </a:gradFill>
+        <a:gradFill rotWithShape="1">
+          <a:gsLst>
+            <a:gs pos="0">
+              <a:schemeClr val="phClr">
+                <a:satMod val="103000"/>
+                <a:lumMod val="102000"/>
+                <a:tint val="94000"/>
+              </a:schemeClr>
+            </a:gs>
+            <a:gs pos="50000">
+              <a:schemeClr val="phClr">
+                <a:satMod val="110000"/>
+                <a:lumMod val="100000"/>
+                <a:shade val="100000"/>
+              </a:schemeClr>
+            </a:gs>
+            <a:gs pos="100000">
+              <a:schemeClr val="phClr">
+                <a:lumMod val="99000"/>
+                <a:satMod val="120000"/>
+                <a:shade val="78000"/>
+              </a:schemeClr>
+            </a:gs>
+          </a:gsLst>
+          <a:lin ang="5400000" scaled="0"/>
+        </a:gradFill>
+      </a:fillStyleLst>
+      <a:lnStyleLst>
+        <a:ln w="6350" cap="flat" cmpd="sng" algn="ctr">
+          <a:solidFill>
+            <a:schemeClr val="phClr"/>
+          </a:solidFill>
+          <a:prstDash val="solid"/>
+          <a:miter lim="800000"/>
+        </a:ln>
+        <a:ln w="12700" cap="flat" cmpd="sng" algn="ctr">
+          <a:solidFill>
+            <a:schemeClr val="phClr"/>
+          </a:solidFill>
+          <a:prstDash val="solid"/>
+          <a:miter lim="800000"/>
+        </a:ln>
+        <a:ln w="19050" cap="flat" cmpd="sng" algn="ctr">
+          <a:solidFill>
+            <a:schemeClr val="phClr"/>
+          </a:solidFill>
+          <a:prstDash val="solid"/>
+          <a:miter lim="800000"/>
+        </a:ln>
+      </a:lnStyleLst>
+      <a:effectStyleLst>
+        <a:effectStyle>
+          <a:effectLst/>
+        </a:effectStyle>
+        <a:effectStyle>
+          <a:effectLst/>
+        </a:effectStyle>
+        <a:effectStyle>
+          <a:effectLst>
+            <a:outerShdw blurRad="57150" dist="19050" dir="5400000" algn="ctr" rotWithShape="0">
+              <a:srgbClr val="000000">
+                <a:alpha val="63000"/>
+              </a:srgbClr>
+            </a:outerShdw>
+          </a:effectLst>
+        </a:effectStyle>
+      </a:effectStyleLst>
+      <a:bgFillStyleLst>
+        <a:solidFill>
+          <a:schemeClr val="phClr"/>
+        </a:solidFill>
+        <a:solidFill>
+          <a:schemeClr val="phClr">
+            <a:tint val="95000"/>
+            <a:satMod val="170000"/>
+          </a:schemeClr>
+        </a:solidFill>
+        <a:gradFill rotWithShape="1">
+          <a:gsLst>
+            <a:gs pos="0">
+              <a:schemeClr val="phClr">
+                <a:tint val="93000"/>
+                <a:satMod val="150000"/>
+                <a:shade val="98000"/>
+                <a:lumMod val="102000"/>
+              </a:schemeClr>
+            </a:gs>
+            <a:gs pos="50000">
+              <a:schemeClr val="phClr">
+                <a:tint val="98000"/>
+                <a:satMod val="130000"/>
+                <a:shade val="90000"/>
+                <a:lumMod val="103000"/>
+              </a:schemeClr>
+            </a:gs>
+            <a:gs pos="100000">
+              <a:schemeClr val="phClr">
+                <a:shade val="63000"/>
+                <a:satMod val="120000"/>
+              </a:schemeClr>
+            </a:gs>
+          </a:gsLst>
+          <a:lin ang="5400000" scaled="0"/>
+        </a:gradFill>
+      </a:bgFillStyleLst>
+    </a:fmtScheme>
+  </a:themeElements>
+  <a:objectDefaults/>
+  <a:extraClrSchemeLst/>
+  <a:extLst>
+    <a:ext uri="{05A4C25C-085E-4340-85A3-A5531E510DB2}">
+      <thm15:themeFamily xmlns:thm15="http://schemas.microsoft.com/office/thememl/2012/main" name="Office Theme" id="{62F939B6-93AF-4DB8-9C6B-D6C7DFDC589F}" vid="{4A3C46E8-61CC-4603-A589-7422A47A8E4A}"/>
+    </a:ext>
+  </a:extLst>
+</a:theme>
 </file>